--- a/WTWY Street Teams_2.pptx
+++ b/WTWY Street Teams_2.pptx
@@ -5,13 +5,19 @@
     <p:sldMasterId id="2147483811" r:id="rId1"/>
   </p:sldMasterIdLst>
   <p:notesMasterIdLst>
-    <p:notesMasterId r:id="rId6"/>
+    <p:notesMasterId r:id="rId12"/>
   </p:notesMasterIdLst>
   <p:sldIdLst>
     <p:sldId id="259" r:id="rId2"/>
     <p:sldId id="258" r:id="rId3"/>
     <p:sldId id="260" r:id="rId4"/>
     <p:sldId id="261" r:id="rId5"/>
+    <p:sldId id="263" r:id="rId6"/>
+    <p:sldId id="262" r:id="rId7"/>
+    <p:sldId id="264" r:id="rId8"/>
+    <p:sldId id="265" r:id="rId9"/>
+    <p:sldId id="266" r:id="rId10"/>
+    <p:sldId id="267" r:id="rId11"/>
   </p:sldIdLst>
   <p:sldSz cx="12192000" cy="6858000"/>
   <p:notesSz cx="6858000" cy="9144000"/>
@@ -200,7 +206,7 @@
           <a:p>
             <a:fld id="{32170485-9E2E-45DF-AA9C-F790FEFC8A76}" type="datetimeFigureOut">
               <a:rPr lang="tr-TR" smtClean="0"/>
-              <a:t>11.07.2023</a:t>
+              <a:t>12.07.2023</a:t>
             </a:fld>
             <a:endParaRPr lang="tr-TR"/>
           </a:p>
@@ -533,6 +539,90 @@
           <a:p>
             <a:fld id="{1F498F1E-81E0-4C09-8448-E6A2EE4AD087}" type="slidenum">
               <a:rPr lang="tr-TR" smtClean="0"/>
+              <a:t>1</a:t>
+            </a:fld>
+            <a:endParaRPr lang="tr-TR"/>
+          </a:p>
+        </p:txBody>
+      </p:sp>
+    </p:spTree>
+    <p:extLst>
+      <p:ext uri="{BB962C8B-B14F-4D97-AF65-F5344CB8AC3E}">
+        <p14:creationId xmlns:p14="http://schemas.microsoft.com/office/powerpoint/2010/main" val="1644918117"/>
+      </p:ext>
+    </p:extLst>
+  </p:cSld>
+  <p:clrMapOvr>
+    <a:masterClrMapping/>
+  </p:clrMapOvr>
+</p:notes>
+</file>
+
+<file path=ppt/notesSlides/notesSlide2.xml><?xml version="1.0" encoding="utf-8"?>
+<p:notes xmlns:a="http://schemas.openxmlformats.org/drawingml/2006/main" xmlns:r="http://schemas.openxmlformats.org/officeDocument/2006/relationships" xmlns:p="http://schemas.openxmlformats.org/presentationml/2006/main">
+  <p:cSld>
+    <p:spTree>
+      <p:nvGrpSpPr>
+        <p:cNvPr id="1" name=""/>
+        <p:cNvGrpSpPr/>
+        <p:nvPr/>
+      </p:nvGrpSpPr>
+      <p:grpSpPr>
+        <a:xfrm>
+          <a:off x="0" y="0"/>
+          <a:ext cx="0" cy="0"/>
+          <a:chOff x="0" y="0"/>
+          <a:chExt cx="0" cy="0"/>
+        </a:xfrm>
+      </p:grpSpPr>
+      <p:sp>
+        <p:nvSpPr>
+          <p:cNvPr id="2" name="Slide Image Placeholder 1"/>
+          <p:cNvSpPr>
+            <a:spLocks noGrp="1" noRot="1" noChangeAspect="1"/>
+          </p:cNvSpPr>
+          <p:nvPr>
+            <p:ph type="sldImg"/>
+          </p:nvPr>
+        </p:nvSpPr>
+        <p:spPr/>
+      </p:sp>
+      <p:sp>
+        <p:nvSpPr>
+          <p:cNvPr id="3" name="Notes Placeholder 2"/>
+          <p:cNvSpPr>
+            <a:spLocks noGrp="1"/>
+          </p:cNvSpPr>
+          <p:nvPr>
+            <p:ph type="body" idx="1"/>
+          </p:nvPr>
+        </p:nvSpPr>
+        <p:spPr/>
+        <p:txBody>
+          <a:bodyPr/>
+          <a:lstStyle/>
+          <a:p>
+            <a:endParaRPr lang="tr-TR" dirty="0"/>
+          </a:p>
+        </p:txBody>
+      </p:sp>
+      <p:sp>
+        <p:nvSpPr>
+          <p:cNvPr id="4" name="Slide Number Placeholder 3"/>
+          <p:cNvSpPr>
+            <a:spLocks noGrp="1"/>
+          </p:cNvSpPr>
+          <p:nvPr>
+            <p:ph type="sldNum" sz="quarter" idx="5"/>
+          </p:nvPr>
+        </p:nvSpPr>
+        <p:spPr/>
+        <p:txBody>
+          <a:bodyPr/>
+          <a:lstStyle/>
+          <a:p>
+            <a:fld id="{1F498F1E-81E0-4C09-8448-E6A2EE4AD087}" type="slidenum">
+              <a:rPr lang="tr-TR" smtClean="0"/>
               <a:t>3</a:t>
             </a:fld>
             <a:endParaRPr lang="tr-TR"/>
@@ -543,6 +633,426 @@
     <p:extLst>
       <p:ext uri="{BB962C8B-B14F-4D97-AF65-F5344CB8AC3E}">
         <p14:creationId xmlns:p14="http://schemas.microsoft.com/office/powerpoint/2010/main" val="3584155316"/>
+      </p:ext>
+    </p:extLst>
+  </p:cSld>
+  <p:clrMapOvr>
+    <a:masterClrMapping/>
+  </p:clrMapOvr>
+</p:notes>
+</file>
+
+<file path=ppt/notesSlides/notesSlide3.xml><?xml version="1.0" encoding="utf-8"?>
+<p:notes xmlns:a="http://schemas.openxmlformats.org/drawingml/2006/main" xmlns:r="http://schemas.openxmlformats.org/officeDocument/2006/relationships" xmlns:p="http://schemas.openxmlformats.org/presentationml/2006/main">
+  <p:cSld>
+    <p:spTree>
+      <p:nvGrpSpPr>
+        <p:cNvPr id="1" name=""/>
+        <p:cNvGrpSpPr/>
+        <p:nvPr/>
+      </p:nvGrpSpPr>
+      <p:grpSpPr>
+        <a:xfrm>
+          <a:off x="0" y="0"/>
+          <a:ext cx="0" cy="0"/>
+          <a:chOff x="0" y="0"/>
+          <a:chExt cx="0" cy="0"/>
+        </a:xfrm>
+      </p:grpSpPr>
+      <p:sp>
+        <p:nvSpPr>
+          <p:cNvPr id="2" name="Slide Image Placeholder 1"/>
+          <p:cNvSpPr>
+            <a:spLocks noGrp="1" noRot="1" noChangeAspect="1"/>
+          </p:cNvSpPr>
+          <p:nvPr>
+            <p:ph type="sldImg"/>
+          </p:nvPr>
+        </p:nvSpPr>
+        <p:spPr/>
+      </p:sp>
+      <p:sp>
+        <p:nvSpPr>
+          <p:cNvPr id="3" name="Notes Placeholder 2"/>
+          <p:cNvSpPr>
+            <a:spLocks noGrp="1"/>
+          </p:cNvSpPr>
+          <p:nvPr>
+            <p:ph type="body" idx="1"/>
+          </p:nvPr>
+        </p:nvSpPr>
+        <p:spPr/>
+        <p:txBody>
+          <a:bodyPr/>
+          <a:lstStyle/>
+          <a:p>
+            <a:endParaRPr lang="tr-TR" dirty="0"/>
+          </a:p>
+        </p:txBody>
+      </p:sp>
+      <p:sp>
+        <p:nvSpPr>
+          <p:cNvPr id="4" name="Slide Number Placeholder 3"/>
+          <p:cNvSpPr>
+            <a:spLocks noGrp="1"/>
+          </p:cNvSpPr>
+          <p:nvPr>
+            <p:ph type="sldNum" sz="quarter" idx="5"/>
+          </p:nvPr>
+        </p:nvSpPr>
+        <p:spPr/>
+        <p:txBody>
+          <a:bodyPr/>
+          <a:lstStyle/>
+          <a:p>
+            <a:fld id="{1F498F1E-81E0-4C09-8448-E6A2EE4AD087}" type="slidenum">
+              <a:rPr lang="tr-TR" smtClean="0"/>
+              <a:t>4</a:t>
+            </a:fld>
+            <a:endParaRPr lang="tr-TR"/>
+          </a:p>
+        </p:txBody>
+      </p:sp>
+    </p:spTree>
+    <p:extLst>
+      <p:ext uri="{BB962C8B-B14F-4D97-AF65-F5344CB8AC3E}">
+        <p14:creationId xmlns:p14="http://schemas.microsoft.com/office/powerpoint/2010/main" val="1907417490"/>
+      </p:ext>
+    </p:extLst>
+  </p:cSld>
+  <p:clrMapOvr>
+    <a:masterClrMapping/>
+  </p:clrMapOvr>
+</p:notes>
+</file>
+
+<file path=ppt/notesSlides/notesSlide4.xml><?xml version="1.0" encoding="utf-8"?>
+<p:notes xmlns:a="http://schemas.openxmlformats.org/drawingml/2006/main" xmlns:r="http://schemas.openxmlformats.org/officeDocument/2006/relationships" xmlns:p="http://schemas.openxmlformats.org/presentationml/2006/main">
+  <p:cSld>
+    <p:spTree>
+      <p:nvGrpSpPr>
+        <p:cNvPr id="1" name=""/>
+        <p:cNvGrpSpPr/>
+        <p:nvPr/>
+      </p:nvGrpSpPr>
+      <p:grpSpPr>
+        <a:xfrm>
+          <a:off x="0" y="0"/>
+          <a:ext cx="0" cy="0"/>
+          <a:chOff x="0" y="0"/>
+          <a:chExt cx="0" cy="0"/>
+        </a:xfrm>
+      </p:grpSpPr>
+      <p:sp>
+        <p:nvSpPr>
+          <p:cNvPr id="2" name="Slide Image Placeholder 1"/>
+          <p:cNvSpPr>
+            <a:spLocks noGrp="1" noRot="1" noChangeAspect="1"/>
+          </p:cNvSpPr>
+          <p:nvPr>
+            <p:ph type="sldImg"/>
+          </p:nvPr>
+        </p:nvSpPr>
+        <p:spPr/>
+      </p:sp>
+      <p:sp>
+        <p:nvSpPr>
+          <p:cNvPr id="3" name="Notes Placeholder 2"/>
+          <p:cNvSpPr>
+            <a:spLocks noGrp="1"/>
+          </p:cNvSpPr>
+          <p:nvPr>
+            <p:ph type="body" idx="1"/>
+          </p:nvPr>
+        </p:nvSpPr>
+        <p:spPr/>
+        <p:txBody>
+          <a:bodyPr/>
+          <a:lstStyle/>
+          <a:p>
+            <a:endParaRPr lang="tr-TR" dirty="0"/>
+          </a:p>
+        </p:txBody>
+      </p:sp>
+      <p:sp>
+        <p:nvSpPr>
+          <p:cNvPr id="4" name="Slide Number Placeholder 3"/>
+          <p:cNvSpPr>
+            <a:spLocks noGrp="1"/>
+          </p:cNvSpPr>
+          <p:nvPr>
+            <p:ph type="sldNum" sz="quarter" idx="5"/>
+          </p:nvPr>
+        </p:nvSpPr>
+        <p:spPr/>
+        <p:txBody>
+          <a:bodyPr/>
+          <a:lstStyle/>
+          <a:p>
+            <a:fld id="{1F498F1E-81E0-4C09-8448-E6A2EE4AD087}" type="slidenum">
+              <a:rPr lang="tr-TR" smtClean="0"/>
+              <a:t>6</a:t>
+            </a:fld>
+            <a:endParaRPr lang="tr-TR"/>
+          </a:p>
+        </p:txBody>
+      </p:sp>
+    </p:spTree>
+    <p:extLst>
+      <p:ext uri="{BB962C8B-B14F-4D97-AF65-F5344CB8AC3E}">
+        <p14:creationId xmlns:p14="http://schemas.microsoft.com/office/powerpoint/2010/main" val="1090756652"/>
+      </p:ext>
+    </p:extLst>
+  </p:cSld>
+  <p:clrMapOvr>
+    <a:masterClrMapping/>
+  </p:clrMapOvr>
+</p:notes>
+</file>
+
+<file path=ppt/notesSlides/notesSlide5.xml><?xml version="1.0" encoding="utf-8"?>
+<p:notes xmlns:a="http://schemas.openxmlformats.org/drawingml/2006/main" xmlns:r="http://schemas.openxmlformats.org/officeDocument/2006/relationships" xmlns:p="http://schemas.openxmlformats.org/presentationml/2006/main">
+  <p:cSld>
+    <p:spTree>
+      <p:nvGrpSpPr>
+        <p:cNvPr id="1" name=""/>
+        <p:cNvGrpSpPr/>
+        <p:nvPr/>
+      </p:nvGrpSpPr>
+      <p:grpSpPr>
+        <a:xfrm>
+          <a:off x="0" y="0"/>
+          <a:ext cx="0" cy="0"/>
+          <a:chOff x="0" y="0"/>
+          <a:chExt cx="0" cy="0"/>
+        </a:xfrm>
+      </p:grpSpPr>
+      <p:sp>
+        <p:nvSpPr>
+          <p:cNvPr id="2" name="Slide Image Placeholder 1"/>
+          <p:cNvSpPr>
+            <a:spLocks noGrp="1" noRot="1" noChangeAspect="1"/>
+          </p:cNvSpPr>
+          <p:nvPr>
+            <p:ph type="sldImg"/>
+          </p:nvPr>
+        </p:nvSpPr>
+        <p:spPr/>
+      </p:sp>
+      <p:sp>
+        <p:nvSpPr>
+          <p:cNvPr id="3" name="Notes Placeholder 2"/>
+          <p:cNvSpPr>
+            <a:spLocks noGrp="1"/>
+          </p:cNvSpPr>
+          <p:nvPr>
+            <p:ph type="body" idx="1"/>
+          </p:nvPr>
+        </p:nvSpPr>
+        <p:spPr/>
+        <p:txBody>
+          <a:bodyPr/>
+          <a:lstStyle/>
+          <a:p>
+            <a:endParaRPr lang="tr-TR" dirty="0"/>
+          </a:p>
+        </p:txBody>
+      </p:sp>
+      <p:sp>
+        <p:nvSpPr>
+          <p:cNvPr id="4" name="Slide Number Placeholder 3"/>
+          <p:cNvSpPr>
+            <a:spLocks noGrp="1"/>
+          </p:cNvSpPr>
+          <p:nvPr>
+            <p:ph type="sldNum" sz="quarter" idx="5"/>
+          </p:nvPr>
+        </p:nvSpPr>
+        <p:spPr/>
+        <p:txBody>
+          <a:bodyPr/>
+          <a:lstStyle/>
+          <a:p>
+            <a:fld id="{1F498F1E-81E0-4C09-8448-E6A2EE4AD087}" type="slidenum">
+              <a:rPr lang="tr-TR" smtClean="0"/>
+              <a:t>8</a:t>
+            </a:fld>
+            <a:endParaRPr lang="tr-TR"/>
+          </a:p>
+        </p:txBody>
+      </p:sp>
+    </p:spTree>
+    <p:extLst>
+      <p:ext uri="{BB962C8B-B14F-4D97-AF65-F5344CB8AC3E}">
+        <p14:creationId xmlns:p14="http://schemas.microsoft.com/office/powerpoint/2010/main" val="2284090965"/>
+      </p:ext>
+    </p:extLst>
+  </p:cSld>
+  <p:clrMapOvr>
+    <a:masterClrMapping/>
+  </p:clrMapOvr>
+</p:notes>
+</file>
+
+<file path=ppt/notesSlides/notesSlide6.xml><?xml version="1.0" encoding="utf-8"?>
+<p:notes xmlns:a="http://schemas.openxmlformats.org/drawingml/2006/main" xmlns:r="http://schemas.openxmlformats.org/officeDocument/2006/relationships" xmlns:p="http://schemas.openxmlformats.org/presentationml/2006/main">
+  <p:cSld>
+    <p:spTree>
+      <p:nvGrpSpPr>
+        <p:cNvPr id="1" name=""/>
+        <p:cNvGrpSpPr/>
+        <p:nvPr/>
+      </p:nvGrpSpPr>
+      <p:grpSpPr>
+        <a:xfrm>
+          <a:off x="0" y="0"/>
+          <a:ext cx="0" cy="0"/>
+          <a:chOff x="0" y="0"/>
+          <a:chExt cx="0" cy="0"/>
+        </a:xfrm>
+      </p:grpSpPr>
+      <p:sp>
+        <p:nvSpPr>
+          <p:cNvPr id="2" name="Slide Image Placeholder 1"/>
+          <p:cNvSpPr>
+            <a:spLocks noGrp="1" noRot="1" noChangeAspect="1"/>
+          </p:cNvSpPr>
+          <p:nvPr>
+            <p:ph type="sldImg"/>
+          </p:nvPr>
+        </p:nvSpPr>
+        <p:spPr/>
+      </p:sp>
+      <p:sp>
+        <p:nvSpPr>
+          <p:cNvPr id="3" name="Notes Placeholder 2"/>
+          <p:cNvSpPr>
+            <a:spLocks noGrp="1"/>
+          </p:cNvSpPr>
+          <p:nvPr>
+            <p:ph type="body" idx="1"/>
+          </p:nvPr>
+        </p:nvSpPr>
+        <p:spPr/>
+        <p:txBody>
+          <a:bodyPr/>
+          <a:lstStyle/>
+          <a:p>
+            <a:endParaRPr lang="tr-TR" dirty="0"/>
+          </a:p>
+        </p:txBody>
+      </p:sp>
+      <p:sp>
+        <p:nvSpPr>
+          <p:cNvPr id="4" name="Slide Number Placeholder 3"/>
+          <p:cNvSpPr>
+            <a:spLocks noGrp="1"/>
+          </p:cNvSpPr>
+          <p:nvPr>
+            <p:ph type="sldNum" sz="quarter" idx="5"/>
+          </p:nvPr>
+        </p:nvSpPr>
+        <p:spPr/>
+        <p:txBody>
+          <a:bodyPr/>
+          <a:lstStyle/>
+          <a:p>
+            <a:fld id="{1F498F1E-81E0-4C09-8448-E6A2EE4AD087}" type="slidenum">
+              <a:rPr lang="tr-TR" smtClean="0"/>
+              <a:t>9</a:t>
+            </a:fld>
+            <a:endParaRPr lang="tr-TR"/>
+          </a:p>
+        </p:txBody>
+      </p:sp>
+    </p:spTree>
+    <p:extLst>
+      <p:ext uri="{BB962C8B-B14F-4D97-AF65-F5344CB8AC3E}">
+        <p14:creationId xmlns:p14="http://schemas.microsoft.com/office/powerpoint/2010/main" val="2257575258"/>
+      </p:ext>
+    </p:extLst>
+  </p:cSld>
+  <p:clrMapOvr>
+    <a:masterClrMapping/>
+  </p:clrMapOvr>
+</p:notes>
+</file>
+
+<file path=ppt/notesSlides/notesSlide7.xml><?xml version="1.0" encoding="utf-8"?>
+<p:notes xmlns:a="http://schemas.openxmlformats.org/drawingml/2006/main" xmlns:r="http://schemas.openxmlformats.org/officeDocument/2006/relationships" xmlns:p="http://schemas.openxmlformats.org/presentationml/2006/main">
+  <p:cSld>
+    <p:spTree>
+      <p:nvGrpSpPr>
+        <p:cNvPr id="1" name=""/>
+        <p:cNvGrpSpPr/>
+        <p:nvPr/>
+      </p:nvGrpSpPr>
+      <p:grpSpPr>
+        <a:xfrm>
+          <a:off x="0" y="0"/>
+          <a:ext cx="0" cy="0"/>
+          <a:chOff x="0" y="0"/>
+          <a:chExt cx="0" cy="0"/>
+        </a:xfrm>
+      </p:grpSpPr>
+      <p:sp>
+        <p:nvSpPr>
+          <p:cNvPr id="2" name="Slide Image Placeholder 1"/>
+          <p:cNvSpPr>
+            <a:spLocks noGrp="1" noRot="1" noChangeAspect="1"/>
+          </p:cNvSpPr>
+          <p:nvPr>
+            <p:ph type="sldImg"/>
+          </p:nvPr>
+        </p:nvSpPr>
+        <p:spPr/>
+      </p:sp>
+      <p:sp>
+        <p:nvSpPr>
+          <p:cNvPr id="3" name="Notes Placeholder 2"/>
+          <p:cNvSpPr>
+            <a:spLocks noGrp="1"/>
+          </p:cNvSpPr>
+          <p:nvPr>
+            <p:ph type="body" idx="1"/>
+          </p:nvPr>
+        </p:nvSpPr>
+        <p:spPr/>
+        <p:txBody>
+          <a:bodyPr/>
+          <a:lstStyle/>
+          <a:p>
+            <a:endParaRPr lang="tr-TR" dirty="0"/>
+          </a:p>
+        </p:txBody>
+      </p:sp>
+      <p:sp>
+        <p:nvSpPr>
+          <p:cNvPr id="4" name="Slide Number Placeholder 3"/>
+          <p:cNvSpPr>
+            <a:spLocks noGrp="1"/>
+          </p:cNvSpPr>
+          <p:nvPr>
+            <p:ph type="sldNum" sz="quarter" idx="5"/>
+          </p:nvPr>
+        </p:nvSpPr>
+        <p:spPr/>
+        <p:txBody>
+          <a:bodyPr/>
+          <a:lstStyle/>
+          <a:p>
+            <a:fld id="{1F498F1E-81E0-4C09-8448-E6A2EE4AD087}" type="slidenum">
+              <a:rPr lang="tr-TR" smtClean="0"/>
+              <a:t>10</a:t>
+            </a:fld>
+            <a:endParaRPr lang="tr-TR"/>
+          </a:p>
+        </p:txBody>
+      </p:sp>
+    </p:spTree>
+    <p:extLst>
+      <p:ext uri="{BB962C8B-B14F-4D97-AF65-F5344CB8AC3E}">
+        <p14:creationId xmlns:p14="http://schemas.microsoft.com/office/powerpoint/2010/main" val="1164815364"/>
       </p:ext>
     </p:extLst>
   </p:cSld>
@@ -699,7 +1209,7 @@
           <a:p>
             <a:fld id="{82EDB8D0-98ED-4B86-9D5F-E61ADC70144D}" type="datetimeFigureOut">
               <a:rPr lang="en-US" smtClean="0"/>
-              <a:t>7/11/2023</a:t>
+              <a:t>7/12/2023</a:t>
             </a:fld>
             <a:endParaRPr lang="en-US" dirty="0"/>
           </a:p>
@@ -1114,7 +1624,7 @@
           <a:p>
             <a:fld id="{82EDB8D0-98ED-4B86-9D5F-E61ADC70144D}" type="datetimeFigureOut">
               <a:rPr lang="en-US" smtClean="0"/>
-              <a:t>7/11/2023</a:t>
+              <a:t>7/12/2023</a:t>
             </a:fld>
             <a:endParaRPr lang="en-US"/>
           </a:p>
@@ -1606,7 +2116,7 @@
           <a:p>
             <a:fld id="{82EDB8D0-98ED-4B86-9D5F-E61ADC70144D}" type="datetimeFigureOut">
               <a:rPr lang="en-US" smtClean="0"/>
-              <a:t>7/11/2023</a:t>
+              <a:t>7/12/2023</a:t>
             </a:fld>
             <a:endParaRPr lang="en-US"/>
           </a:p>
@@ -2093,7 +2603,7 @@
           <a:p>
             <a:fld id="{82EDB8D0-98ED-4B86-9D5F-E61ADC70144D}" type="datetimeFigureOut">
               <a:rPr lang="en-US" smtClean="0"/>
-              <a:t>7/11/2023</a:t>
+              <a:t>7/12/2023</a:t>
             </a:fld>
             <a:endParaRPr lang="en-US" dirty="0"/>
           </a:p>
@@ -2862,7 +3372,7 @@
           <a:p>
             <a:fld id="{82EDB8D0-98ED-4B86-9D5F-E61ADC70144D}" type="datetimeFigureOut">
               <a:rPr lang="en-US" smtClean="0"/>
-              <a:t>7/11/2023</a:t>
+              <a:t>7/12/2023</a:t>
             </a:fld>
             <a:endParaRPr lang="en-US"/>
           </a:p>
@@ -3344,7 +3854,7 @@
           <a:p>
             <a:fld id="{82EDB8D0-98ED-4B86-9D5F-E61ADC70144D}" type="datetimeFigureOut">
               <a:rPr lang="en-US" smtClean="0"/>
-              <a:t>7/11/2023</a:t>
+              <a:t>7/12/2023</a:t>
             </a:fld>
             <a:endParaRPr lang="en-US"/>
           </a:p>
@@ -4040,7 +4550,7 @@
           <a:p>
             <a:fld id="{82EDB8D0-98ED-4B86-9D5F-E61ADC70144D}" type="datetimeFigureOut">
               <a:rPr lang="en-US" smtClean="0"/>
-              <a:t>7/11/2023</a:t>
+              <a:t>7/12/2023</a:t>
             </a:fld>
             <a:endParaRPr lang="en-US"/>
           </a:p>
@@ -4465,7 +4975,7 @@
           <a:p>
             <a:fld id="{82EDB8D0-98ED-4B86-9D5F-E61ADC70144D}" type="datetimeFigureOut">
               <a:rPr lang="en-US" smtClean="0"/>
-              <a:t>7/11/2023</a:t>
+              <a:t>7/12/2023</a:t>
             </a:fld>
             <a:endParaRPr lang="en-US"/>
           </a:p>
@@ -4862,7 +5372,7 @@
           <a:p>
             <a:fld id="{82EDB8D0-98ED-4B86-9D5F-E61ADC70144D}" type="datetimeFigureOut">
               <a:rPr lang="en-US" smtClean="0"/>
-              <a:t>7/11/2023</a:t>
+              <a:t>7/12/2023</a:t>
             </a:fld>
             <a:endParaRPr lang="en-US"/>
           </a:p>
@@ -5457,7 +5967,7 @@
           <a:p>
             <a:fld id="{82EDB8D0-98ED-4B86-9D5F-E61ADC70144D}" type="datetimeFigureOut">
               <a:rPr lang="en-US" smtClean="0"/>
-              <a:t>7/11/2023</a:t>
+              <a:t>7/12/2023</a:t>
             </a:fld>
             <a:endParaRPr lang="en-US"/>
           </a:p>
@@ -6032,7 +6542,7 @@
           <a:p>
             <a:fld id="{82EDB8D0-98ED-4B86-9D5F-E61ADC70144D}" type="datetimeFigureOut">
               <a:rPr lang="en-US" smtClean="0"/>
-              <a:t>7/11/2023</a:t>
+              <a:t>7/12/2023</a:t>
             </a:fld>
             <a:endParaRPr lang="en-US"/>
           </a:p>
@@ -6559,7 +7069,7 @@
             <a:fld id="{82EDB8D0-98ED-4B86-9D5F-E61ADC70144D}" type="datetimeFigureOut">
               <a:rPr lang="en-US" smtClean="0"/>
               <a:pPr/>
-              <a:t>7/11/2023</a:t>
+              <a:t>7/12/2023</a:t>
             </a:fld>
             <a:endParaRPr lang="en-US" dirty="0"/>
           </a:p>
@@ -6994,7 +7504,7 @@
           <p:nvPr/>
         </p:nvPicPr>
         <p:blipFill>
-          <a:blip r:embed="rId2">
+          <a:blip r:embed="rId3">
             <a:alphaModFix amt="70000"/>
           </a:blip>
           <a:stretch>
@@ -7041,33 +7551,15 @@
           <a:p>
             <a:pPr algn="l"/>
             <a:r>
-              <a:rPr lang="tr-TR" dirty="0">
-                <a:solidFill>
-                  <a:schemeClr val="bg2">
-                    <a:lumMod val="25000"/>
-                  </a:schemeClr>
-                </a:solidFill>
-              </a:rPr>
+              <a:rPr lang="tr-TR" dirty="0"/>
               <a:t>MTA </a:t>
             </a:r>
             <a:r>
-              <a:rPr lang="tr-TR" dirty="0" err="1">
-                <a:solidFill>
-                  <a:schemeClr val="bg2">
-                    <a:lumMod val="25000"/>
-                  </a:schemeClr>
-                </a:solidFill>
-              </a:rPr>
+              <a:rPr lang="tr-TR" dirty="0" err="1"/>
               <a:t>Turnstile</a:t>
             </a:r>
             <a:r>
-              <a:rPr lang="tr-TR" dirty="0">
-                <a:solidFill>
-                  <a:schemeClr val="bg2">
-                    <a:lumMod val="25000"/>
-                  </a:schemeClr>
-                </a:solidFill>
-              </a:rPr>
+              <a:rPr lang="tr-TR" dirty="0"/>
               <a:t> Data Analysis</a:t>
             </a:r>
           </a:p>
@@ -7092,7 +7584,7 @@
         <p:spPr>
           <a:xfrm>
             <a:off x="970908" y="3234250"/>
-            <a:ext cx="5425781" cy="1655762"/>
+            <a:ext cx="5448180" cy="1655762"/>
           </a:xfrm>
         </p:spPr>
         <p:txBody>
@@ -7103,138 +7595,60 @@
           <a:p>
             <a:pPr algn="l"/>
             <a:r>
-              <a:rPr lang="tr-TR" dirty="0" err="1">
-                <a:solidFill>
-                  <a:schemeClr val="bg2">
-                    <a:lumMod val="25000"/>
-                  </a:schemeClr>
-                </a:solidFill>
-              </a:rPr>
+              <a:rPr lang="tr-TR" b="1" dirty="0" err="1"/>
               <a:t>Exploring</a:t>
             </a:r>
             <a:r>
-              <a:rPr lang="tr-TR" dirty="0">
-                <a:solidFill>
-                  <a:schemeClr val="bg2">
-                    <a:lumMod val="25000"/>
-                  </a:schemeClr>
-                </a:solidFill>
-              </a:rPr>
+              <a:rPr lang="tr-TR" b="1" dirty="0"/>
               <a:t> </a:t>
             </a:r>
             <a:r>
-              <a:rPr lang="tr-TR" dirty="0" err="1">
-                <a:solidFill>
-                  <a:schemeClr val="bg2">
-                    <a:lumMod val="25000"/>
-                  </a:schemeClr>
-                </a:solidFill>
-              </a:rPr>
+              <a:rPr lang="tr-TR" b="1" dirty="0" err="1"/>
               <a:t>Subway</a:t>
             </a:r>
             <a:r>
-              <a:rPr lang="tr-TR" dirty="0">
-                <a:solidFill>
-                  <a:schemeClr val="bg2">
-                    <a:lumMod val="25000"/>
-                  </a:schemeClr>
-                </a:solidFill>
-              </a:rPr>
+              <a:rPr lang="tr-TR" b="1" dirty="0"/>
               <a:t> </a:t>
             </a:r>
             <a:r>
-              <a:rPr lang="tr-TR" dirty="0" err="1">
-                <a:solidFill>
-                  <a:schemeClr val="bg2">
-                    <a:lumMod val="25000"/>
-                  </a:schemeClr>
-                </a:solidFill>
-              </a:rPr>
+              <a:rPr lang="tr-TR" b="1" dirty="0" err="1"/>
               <a:t>Traffic</a:t>
             </a:r>
             <a:r>
-              <a:rPr lang="tr-TR" dirty="0">
-                <a:solidFill>
-                  <a:schemeClr val="bg2">
-                    <a:lumMod val="25000"/>
-                  </a:schemeClr>
-                </a:solidFill>
-              </a:rPr>
+              <a:rPr lang="tr-TR" b="1" dirty="0"/>
               <a:t> </a:t>
             </a:r>
           </a:p>
           <a:p>
             <a:pPr algn="l"/>
             <a:r>
-              <a:rPr lang="tr-TR" dirty="0" err="1">
-                <a:solidFill>
-                  <a:schemeClr val="bg2">
-                    <a:lumMod val="25000"/>
-                  </a:schemeClr>
-                </a:solidFill>
-              </a:rPr>
+              <a:rPr lang="tr-TR" b="1" dirty="0" err="1"/>
               <a:t>for</a:t>
             </a:r>
             <a:r>
-              <a:rPr lang="tr-TR" dirty="0">
-                <a:solidFill>
-                  <a:schemeClr val="bg2">
-                    <a:lumMod val="25000"/>
-                  </a:schemeClr>
-                </a:solidFill>
-              </a:rPr>
+              <a:rPr lang="tr-TR" b="1" dirty="0"/>
               <a:t> Street </a:t>
             </a:r>
             <a:r>
-              <a:rPr lang="tr-TR" dirty="0" err="1">
-                <a:solidFill>
-                  <a:schemeClr val="bg2">
-                    <a:lumMod val="25000"/>
-                  </a:schemeClr>
-                </a:solidFill>
-              </a:rPr>
+              <a:rPr lang="tr-TR" b="1" dirty="0" err="1"/>
               <a:t>Engagement</a:t>
             </a:r>
             <a:r>
-              <a:rPr lang="tr-TR" dirty="0">
-                <a:solidFill>
-                  <a:schemeClr val="bg2">
-                    <a:lumMod val="25000"/>
-                  </a:schemeClr>
-                </a:solidFill>
-              </a:rPr>
+              <a:rPr lang="tr-TR" b="1" dirty="0"/>
               <a:t> of </a:t>
             </a:r>
           </a:p>
           <a:p>
             <a:pPr algn="l"/>
             <a:r>
-              <a:rPr lang="tr-TR" b="1" dirty="0">
-                <a:solidFill>
-                  <a:schemeClr val="bg2">
-                    <a:lumMod val="25000"/>
-                  </a:schemeClr>
-                </a:solidFill>
-              </a:rPr>
+              <a:rPr lang="tr-TR" b="1" dirty="0"/>
               <a:t>WTWY </a:t>
             </a:r>
             <a:r>
-              <a:rPr lang="tr-TR" b="1" dirty="0" err="1">
-                <a:solidFill>
-                  <a:schemeClr val="bg2">
-                    <a:lumMod val="25000"/>
-                  </a:schemeClr>
-                </a:solidFill>
-              </a:rPr>
+              <a:rPr lang="tr-TR" b="1" dirty="0" err="1"/>
               <a:t>Associaton</a:t>
             </a:r>
-            <a:endParaRPr lang="tr-TR" b="1" dirty="0">
-              <a:solidFill>
-                <a:schemeClr val="bg2">
-                  <a:lumMod val="25000"/>
-                </a:schemeClr>
-              </a:solidFill>
-            </a:endParaRPr>
+            <a:endParaRPr lang="tr-TR" b="1" dirty="0"/>
           </a:p>
         </p:txBody>
       </p:sp>
@@ -7254,7 +7668,7 @@
         </p:nvSpPr>
         <p:spPr>
           <a:xfrm>
-            <a:off x="9668971" y="5183756"/>
+            <a:off x="9449515" y="4799708"/>
             <a:ext cx="2643353" cy="1655762"/>
           </a:xfrm>
           <a:prstGeom prst="rect">
@@ -7489,7 +7903,7 @@
               <a:buChar char="•"/>
             </a:pPr>
             <a:r>
-              <a:rPr lang="tr-TR" sz="1100" dirty="0">
+              <a:rPr lang="tr-TR" sz="1100" b="1" dirty="0">
                 <a:solidFill>
                   <a:schemeClr val="tx1">
                     <a:lumMod val="95000"/>
@@ -7506,7 +7920,7 @@
               <a:buChar char="•"/>
             </a:pPr>
             <a:r>
-              <a:rPr lang="tr-TR" sz="1100" dirty="0">
+              <a:rPr lang="tr-TR" sz="1100" b="1" dirty="0">
                 <a:solidFill>
                   <a:schemeClr val="tx1">
                     <a:lumMod val="95000"/>
@@ -7523,7 +7937,7 @@
               <a:buChar char="•"/>
             </a:pPr>
             <a:r>
-              <a:rPr lang="tr-TR" sz="1100" dirty="0">
+              <a:rPr lang="tr-TR" sz="1100" b="1" dirty="0">
                 <a:solidFill>
                   <a:schemeClr val="tx1">
                     <a:lumMod val="95000"/>
@@ -7540,7 +7954,7 @@
               <a:buChar char="•"/>
             </a:pPr>
             <a:r>
-              <a:rPr lang="tr-TR" sz="1100" dirty="0">
+              <a:rPr lang="tr-TR" sz="1100" b="1" dirty="0">
                 <a:solidFill>
                   <a:schemeClr val="tx1">
                     <a:lumMod val="95000"/>
@@ -7557,7 +7971,7 @@
               <a:buChar char="•"/>
             </a:pPr>
             <a:r>
-              <a:rPr lang="tr-TR" sz="1100" dirty="0">
+              <a:rPr lang="tr-TR" sz="1100" b="1" dirty="0">
                 <a:solidFill>
                   <a:schemeClr val="tx1">
                     <a:lumMod val="95000"/>
@@ -7702,6 +8116,1158 @@
     </p:tnLst>
     <p:bldLst>
       <p:bldP spid="2" grpId="0"/>
+    </p:bldLst>
+  </p:timing>
+</p:sld>
+</file>
+
+<file path=ppt/slides/slide10.xml><?xml version="1.0" encoding="utf-8"?>
+<p:sld xmlns:a="http://schemas.openxmlformats.org/drawingml/2006/main" xmlns:r="http://schemas.openxmlformats.org/officeDocument/2006/relationships" xmlns:p="http://schemas.openxmlformats.org/presentationml/2006/main">
+  <p:cSld>
+    <p:bg>
+      <p:bgPr>
+        <a:solidFill>
+          <a:schemeClr val="bg1"/>
+        </a:solidFill>
+        <a:effectLst/>
+      </p:bgPr>
+    </p:bg>
+    <p:spTree>
+      <p:nvGrpSpPr>
+        <p:cNvPr id="1" name=""/>
+        <p:cNvGrpSpPr/>
+        <p:nvPr/>
+      </p:nvGrpSpPr>
+      <p:grpSpPr>
+        <a:xfrm>
+          <a:off x="0" y="0"/>
+          <a:ext cx="0" cy="0"/>
+          <a:chOff x="0" y="0"/>
+          <a:chExt cx="0" cy="0"/>
+        </a:xfrm>
+      </p:grpSpPr>
+      <p:sp>
+        <p:nvSpPr>
+          <p:cNvPr id="25" name="Freeform: Shape 24">
+            <a:extLst>
+              <a:ext uri="{FF2B5EF4-FFF2-40B4-BE49-F238E27FC236}">
+                <a16:creationId xmlns:a16="http://schemas.microsoft.com/office/drawing/2014/main" id="{23DA7759-3209-4FE2-96D1-4EEDD81E9EA0}"/>
+              </a:ext>
+              <a:ext uri="{C183D7F6-B498-43B3-948B-1728B52AA6E4}">
+                <adec:decorative xmlns:adec="http://schemas.microsoft.com/office/drawing/2017/decorative" val="1"/>
+              </a:ext>
+            </a:extLst>
+          </p:cNvPr>
+          <p:cNvSpPr>
+            <a:spLocks noGrp="1" noRot="1" noChangeAspect="1" noMove="1" noResize="1" noEditPoints="1" noAdjustHandles="1" noChangeArrowheads="1" noChangeShapeType="1" noTextEdit="1"/>
+          </p:cNvSpPr>
+          <p:nvPr>
+            <p:extLst>
+              <p:ext uri="{386F3935-93C4-4BCD-93E2-E3B085C9AB24}">
+                <p16:designElem xmlns:p16="http://schemas.microsoft.com/office/powerpoint/2015/main" val="1"/>
+              </p:ext>
+            </p:extLst>
+          </p:nvPr>
+        </p:nvSpPr>
+        <p:spPr>
+          <a:xfrm>
+            <a:off x="10494433" y="2"/>
+            <a:ext cx="849328" cy="357668"/>
+          </a:xfrm>
+          <a:custGeom>
+            <a:avLst/>
+            <a:gdLst/>
+            <a:ahLst/>
+            <a:cxnLst/>
+            <a:rect l="l" t="t" r="r" b="b"/>
+            <a:pathLst>
+              <a:path w="1135066" h="477997">
+                <a:moveTo>
+                  <a:pt x="0" y="0"/>
+                </a:moveTo>
+                <a:lnTo>
+                  <a:pt x="1135066" y="0"/>
+                </a:lnTo>
+                <a:lnTo>
+                  <a:pt x="1133370" y="16827"/>
+                </a:lnTo>
+                <a:cubicBezTo>
+                  <a:pt x="1079514" y="280016"/>
+                  <a:pt x="846644" y="477997"/>
+                  <a:pt x="567533" y="477997"/>
+                </a:cubicBezTo>
+                <a:cubicBezTo>
+                  <a:pt x="288422" y="477997"/>
+                  <a:pt x="55552" y="280016"/>
+                  <a:pt x="1696" y="16827"/>
+                </a:cubicBezTo>
+                <a:close/>
+              </a:path>
+            </a:pathLst>
+          </a:custGeom>
+          <a:solidFill>
+            <a:schemeClr val="accent4"/>
+          </a:solidFill>
+          <a:ln>
+            <a:noFill/>
+          </a:ln>
+        </p:spPr>
+        <p:style>
+          <a:lnRef idx="2">
+            <a:schemeClr val="accent1">
+              <a:shade val="50000"/>
+            </a:schemeClr>
+          </a:lnRef>
+          <a:fillRef idx="1">
+            <a:schemeClr val="accent1"/>
+          </a:fillRef>
+          <a:effectRef idx="0">
+            <a:schemeClr val="accent1"/>
+          </a:effectRef>
+          <a:fontRef idx="minor">
+            <a:schemeClr val="lt1"/>
+          </a:fontRef>
+        </p:style>
+        <p:txBody>
+          <a:bodyPr wrap="square" rtlCol="0" anchor="ctr">
+            <a:noAutofit/>
+          </a:bodyPr>
+          <a:lstStyle/>
+          <a:p>
+            <a:pPr marL="0" marR="0" lvl="0" indent="0" algn="ctr" defTabSz="914400" rtl="0" eaLnBrk="1" fontAlgn="auto" latinLnBrk="0" hangingPunct="1">
+              <a:lnSpc>
+                <a:spcPct val="100000"/>
+              </a:lnSpc>
+              <a:spcBef>
+                <a:spcPts val="0"/>
+              </a:spcBef>
+              <a:spcAft>
+                <a:spcPts val="0"/>
+              </a:spcAft>
+              <a:buClrTx/>
+              <a:buSzTx/>
+              <a:buFontTx/>
+              <a:buNone/>
+              <a:tabLst/>
+              <a:defRPr/>
+            </a:pPr>
+            <a:endParaRPr kumimoji="0" lang="en-US" sz="1800" b="0" i="0" u="none" strike="noStrike" kern="1200" cap="none" spc="0" normalizeH="0" baseline="0" noProof="0">
+              <a:ln>
+                <a:noFill/>
+              </a:ln>
+              <a:solidFill>
+                <a:prstClr val="white"/>
+              </a:solidFill>
+              <a:effectLst/>
+              <a:uLnTx/>
+              <a:uFillTx/>
+              <a:latin typeface="Calibri" panose="020F0502020204030204"/>
+              <a:ea typeface="+mn-ea"/>
+              <a:cs typeface="+mn-cs"/>
+            </a:endParaRPr>
+          </a:p>
+        </p:txBody>
+      </p:sp>
+      <p:sp>
+        <p:nvSpPr>
+          <p:cNvPr id="27" name="Freeform: Shape 26">
+            <a:extLst>
+              <a:ext uri="{FF2B5EF4-FFF2-40B4-BE49-F238E27FC236}">
+                <a16:creationId xmlns:a16="http://schemas.microsoft.com/office/drawing/2014/main" id="{41460DAD-8769-4C9F-9C8C-BB0443909D76}"/>
+              </a:ext>
+              <a:ext uri="{C183D7F6-B498-43B3-948B-1728B52AA6E4}">
+                <adec:decorative xmlns:adec="http://schemas.microsoft.com/office/drawing/2017/decorative" val="1"/>
+              </a:ext>
+            </a:extLst>
+          </p:cNvPr>
+          <p:cNvSpPr>
+            <a:spLocks noGrp="1" noRot="1" noChangeAspect="1" noMove="1" noResize="1" noEditPoints="1" noAdjustHandles="1" noChangeArrowheads="1" noChangeShapeType="1" noTextEdit="1"/>
+          </p:cNvSpPr>
+          <p:nvPr>
+            <p:extLst>
+              <p:ext uri="{386F3935-93C4-4BCD-93E2-E3B085C9AB24}">
+                <p16:designElem xmlns:p16="http://schemas.microsoft.com/office/powerpoint/2015/main" val="1"/>
+              </p:ext>
+            </p:extLst>
+          </p:nvPr>
+        </p:nvSpPr>
+        <p:spPr>
+          <a:xfrm flipH="1">
+            <a:off x="123536" y="5717905"/>
+            <a:ext cx="1771609" cy="1140095"/>
+          </a:xfrm>
+          <a:custGeom>
+            <a:avLst/>
+            <a:gdLst/>
+            <a:ahLst/>
+            <a:cxnLst/>
+            <a:rect l="l" t="t" r="r" b="b"/>
+            <a:pathLst>
+              <a:path w="1771609" h="1140095">
+                <a:moveTo>
+                  <a:pt x="1561721" y="763041"/>
+                </a:moveTo>
+                <a:cubicBezTo>
+                  <a:pt x="1585506" y="760324"/>
+                  <a:pt x="1609722" y="771249"/>
+                  <a:pt x="1623024" y="792810"/>
+                </a:cubicBezTo>
+                <a:cubicBezTo>
+                  <a:pt x="1656300" y="850065"/>
+                  <a:pt x="1685920" y="909291"/>
+                  <a:pt x="1711735" y="970132"/>
+                </a:cubicBezTo>
+                <a:lnTo>
+                  <a:pt x="1771609" y="1140095"/>
+                </a:lnTo>
+                <a:lnTo>
+                  <a:pt x="1637225" y="1140095"/>
+                </a:lnTo>
+                <a:lnTo>
+                  <a:pt x="1594820" y="1019711"/>
+                </a:lnTo>
+                <a:cubicBezTo>
+                  <a:pt x="1571072" y="963753"/>
+                  <a:pt x="1543818" y="909282"/>
+                  <a:pt x="1513200" y="856627"/>
+                </a:cubicBezTo>
+                <a:cubicBezTo>
+                  <a:pt x="1496379" y="825834"/>
+                  <a:pt x="1507704" y="787236"/>
+                  <a:pt x="1538499" y="770415"/>
+                </a:cubicBezTo>
+                <a:cubicBezTo>
+                  <a:pt x="1545912" y="766367"/>
+                  <a:pt x="1553792" y="763946"/>
+                  <a:pt x="1561721" y="763041"/>
+                </a:cubicBezTo>
+                <a:close/>
+                <a:moveTo>
+                  <a:pt x="933455" y="161309"/>
+                </a:moveTo>
+                <a:cubicBezTo>
+                  <a:pt x="941693" y="161855"/>
+                  <a:pt x="949959" y="164025"/>
+                  <a:pt x="957797" y="167970"/>
+                </a:cubicBezTo>
+                <a:cubicBezTo>
+                  <a:pt x="1076184" y="227289"/>
+                  <a:pt x="1186759" y="301068"/>
+                  <a:pt x="1286982" y="387616"/>
+                </a:cubicBezTo>
+                <a:cubicBezTo>
+                  <a:pt x="1313547" y="410457"/>
+                  <a:pt x="1316566" y="450510"/>
+                  <a:pt x="1293725" y="477075"/>
+                </a:cubicBezTo>
+                <a:cubicBezTo>
+                  <a:pt x="1281638" y="491137"/>
+                  <a:pt x="1263998" y="499204"/>
+                  <a:pt x="1245453" y="499154"/>
+                </a:cubicBezTo>
+                <a:lnTo>
+                  <a:pt x="1245167" y="499154"/>
+                </a:lnTo>
+                <a:cubicBezTo>
+                  <a:pt x="1229965" y="499301"/>
+                  <a:pt x="1215220" y="493956"/>
+                  <a:pt x="1203638" y="484104"/>
+                </a:cubicBezTo>
+                <a:cubicBezTo>
+                  <a:pt x="1111407" y="404300"/>
+                  <a:pt x="1009633" y="336248"/>
+                  <a:pt x="900647" y="281508"/>
+                </a:cubicBezTo>
+                <a:cubicBezTo>
+                  <a:pt x="869295" y="265726"/>
+                  <a:pt x="856672" y="227516"/>
+                  <a:pt x="872454" y="196164"/>
+                </a:cubicBezTo>
+                <a:cubicBezTo>
+                  <a:pt x="884290" y="172650"/>
+                  <a:pt x="908742" y="159670"/>
+                  <a:pt x="933455" y="161309"/>
+                </a:cubicBezTo>
+                <a:close/>
+                <a:moveTo>
+                  <a:pt x="256260" y="29"/>
+                </a:moveTo>
+                <a:cubicBezTo>
+                  <a:pt x="322331" y="427"/>
+                  <a:pt x="388378" y="4909"/>
+                  <a:pt x="454020" y="13474"/>
+                </a:cubicBezTo>
+                <a:cubicBezTo>
+                  <a:pt x="488793" y="17752"/>
+                  <a:pt x="513514" y="49409"/>
+                  <a:pt x="509236" y="84182"/>
+                </a:cubicBezTo>
+                <a:cubicBezTo>
+                  <a:pt x="505303" y="116151"/>
+                  <a:pt x="478038" y="140098"/>
+                  <a:pt x="445829" y="139871"/>
+                </a:cubicBezTo>
+                <a:cubicBezTo>
+                  <a:pt x="443027" y="139899"/>
+                  <a:pt x="440227" y="139740"/>
+                  <a:pt x="437447" y="139395"/>
+                </a:cubicBezTo>
+                <a:cubicBezTo>
+                  <a:pt x="316592" y="123615"/>
+                  <a:pt x="194247" y="122878"/>
+                  <a:pt x="73211" y="137204"/>
+                </a:cubicBezTo>
+                <a:cubicBezTo>
+                  <a:pt x="38532" y="142545"/>
+                  <a:pt x="6090" y="118762"/>
+                  <a:pt x="749" y="84082"/>
+                </a:cubicBezTo>
+                <a:cubicBezTo>
+                  <a:pt x="-4591" y="49403"/>
+                  <a:pt x="19192" y="16961"/>
+                  <a:pt x="53871" y="11621"/>
+                </a:cubicBezTo>
+                <a:cubicBezTo>
+                  <a:pt x="55358" y="11392"/>
+                  <a:pt x="56852" y="11216"/>
+                  <a:pt x="58352" y="11093"/>
+                </a:cubicBezTo>
+                <a:cubicBezTo>
+                  <a:pt x="124093" y="3319"/>
+                  <a:pt x="190189" y="-369"/>
+                  <a:pt x="256260" y="29"/>
+                </a:cubicBezTo>
+                <a:close/>
+              </a:path>
+            </a:pathLst>
+          </a:custGeom>
+          <a:solidFill>
+            <a:schemeClr val="accent4"/>
+          </a:solidFill>
+          <a:ln w="9525" cap="flat">
+            <a:noFill/>
+            <a:prstDash val="solid"/>
+            <a:miter/>
+          </a:ln>
+        </p:spPr>
+        <p:txBody>
+          <a:bodyPr rtlCol="0" anchor="ctr"/>
+          <a:lstStyle/>
+          <a:p>
+            <a:pPr marL="0" marR="0" lvl="0" indent="0" algn="l" defTabSz="914400" rtl="0" eaLnBrk="1" fontAlgn="auto" latinLnBrk="0" hangingPunct="1">
+              <a:lnSpc>
+                <a:spcPct val="100000"/>
+              </a:lnSpc>
+              <a:spcBef>
+                <a:spcPts val="0"/>
+              </a:spcBef>
+              <a:spcAft>
+                <a:spcPts val="0"/>
+              </a:spcAft>
+              <a:buClrTx/>
+              <a:buSzTx/>
+              <a:buFontTx/>
+              <a:buNone/>
+              <a:tabLst/>
+              <a:defRPr/>
+            </a:pPr>
+            <a:endParaRPr kumimoji="0" lang="en-US" sz="1800" b="0" i="0" u="none" strike="noStrike" kern="1200" cap="none" spc="0" normalizeH="0" baseline="0" noProof="0">
+              <a:ln>
+                <a:noFill/>
+              </a:ln>
+              <a:solidFill>
+                <a:prstClr val="black"/>
+              </a:solidFill>
+              <a:effectLst/>
+              <a:uLnTx/>
+              <a:uFillTx/>
+              <a:latin typeface="Calibri" panose="020F0502020204030204"/>
+              <a:ea typeface="+mn-ea"/>
+              <a:cs typeface="+mn-cs"/>
+            </a:endParaRPr>
+          </a:p>
+        </p:txBody>
+      </p:sp>
+      <p:sp useBgFill="1">
+        <p:nvSpPr>
+          <p:cNvPr id="29" name="Rectangle 28">
+            <a:extLst>
+              <a:ext uri="{FF2B5EF4-FFF2-40B4-BE49-F238E27FC236}">
+                <a16:creationId xmlns:a16="http://schemas.microsoft.com/office/drawing/2014/main" id="{2EB492CD-616E-47F8-933B-5E2D952A0593}"/>
+              </a:ext>
+              <a:ext uri="{C183D7F6-B498-43B3-948B-1728B52AA6E4}">
+                <adec:decorative xmlns:adec="http://schemas.microsoft.com/office/drawing/2017/decorative" val="1"/>
+              </a:ext>
+            </a:extLst>
+          </p:cNvPr>
+          <p:cNvSpPr>
+            <a:spLocks noGrp="1" noRot="1" noChangeAspect="1" noMove="1" noResize="1" noEditPoints="1" noAdjustHandles="1" noChangeArrowheads="1" noChangeShapeType="1" noTextEdit="1"/>
+          </p:cNvSpPr>
+          <p:nvPr>
+            <p:extLst>
+              <p:ext uri="{386F3935-93C4-4BCD-93E2-E3B085C9AB24}">
+                <p16:designElem xmlns:p16="http://schemas.microsoft.com/office/powerpoint/2015/main" val="1"/>
+              </p:ext>
+            </p:extLst>
+          </p:nvPr>
+        </p:nvSpPr>
+        <p:spPr bwMode="white">
+          <a:xfrm>
+            <a:off x="0" y="0"/>
+            <a:ext cx="12192000" cy="6858000"/>
+          </a:xfrm>
+          <a:prstGeom prst="rect">
+            <a:avLst/>
+          </a:prstGeom>
+          <a:ln>
+            <a:noFill/>
+          </a:ln>
+        </p:spPr>
+        <p:style>
+          <a:lnRef idx="2">
+            <a:schemeClr val="accent1">
+              <a:shade val="50000"/>
+            </a:schemeClr>
+          </a:lnRef>
+          <a:fillRef idx="1">
+            <a:schemeClr val="accent1"/>
+          </a:fillRef>
+          <a:effectRef idx="0">
+            <a:schemeClr val="accent1"/>
+          </a:effectRef>
+          <a:fontRef idx="minor">
+            <a:schemeClr val="lt1"/>
+          </a:fontRef>
+        </p:style>
+        <p:txBody>
+          <a:bodyPr rtlCol="0" anchor="ctr"/>
+          <a:lstStyle>
+            <a:defPPr>
+              <a:defRPr lang="en-US"/>
+            </a:defPPr>
+            <a:lvl1pPr marL="0" algn="l" defTabSz="914400" rtl="0" eaLnBrk="1" latinLnBrk="0" hangingPunct="1">
+              <a:defRPr sz="1800" kern="1200">
+                <a:solidFill>
+                  <a:schemeClr val="lt1"/>
+                </a:solidFill>
+                <a:latin typeface="+mn-lt"/>
+                <a:ea typeface="+mn-ea"/>
+                <a:cs typeface="+mn-cs"/>
+              </a:defRPr>
+            </a:lvl1pPr>
+            <a:lvl2pPr marL="457200" algn="l" defTabSz="914400" rtl="0" eaLnBrk="1" latinLnBrk="0" hangingPunct="1">
+              <a:defRPr sz="1800" kern="1200">
+                <a:solidFill>
+                  <a:schemeClr val="lt1"/>
+                </a:solidFill>
+                <a:latin typeface="+mn-lt"/>
+                <a:ea typeface="+mn-ea"/>
+                <a:cs typeface="+mn-cs"/>
+              </a:defRPr>
+            </a:lvl2pPr>
+            <a:lvl3pPr marL="914400" algn="l" defTabSz="914400" rtl="0" eaLnBrk="1" latinLnBrk="0" hangingPunct="1">
+              <a:defRPr sz="1800" kern="1200">
+                <a:solidFill>
+                  <a:schemeClr val="lt1"/>
+                </a:solidFill>
+                <a:latin typeface="+mn-lt"/>
+                <a:ea typeface="+mn-ea"/>
+                <a:cs typeface="+mn-cs"/>
+              </a:defRPr>
+            </a:lvl3pPr>
+            <a:lvl4pPr marL="1371600" algn="l" defTabSz="914400" rtl="0" eaLnBrk="1" latinLnBrk="0" hangingPunct="1">
+              <a:defRPr sz="1800" kern="1200">
+                <a:solidFill>
+                  <a:schemeClr val="lt1"/>
+                </a:solidFill>
+                <a:latin typeface="+mn-lt"/>
+                <a:ea typeface="+mn-ea"/>
+                <a:cs typeface="+mn-cs"/>
+              </a:defRPr>
+            </a:lvl4pPr>
+            <a:lvl5pPr marL="1828800" algn="l" defTabSz="914400" rtl="0" eaLnBrk="1" latinLnBrk="0" hangingPunct="1">
+              <a:defRPr sz="1800" kern="1200">
+                <a:solidFill>
+                  <a:schemeClr val="lt1"/>
+                </a:solidFill>
+                <a:latin typeface="+mn-lt"/>
+                <a:ea typeface="+mn-ea"/>
+                <a:cs typeface="+mn-cs"/>
+              </a:defRPr>
+            </a:lvl5pPr>
+            <a:lvl6pPr marL="2286000" algn="l" defTabSz="914400" rtl="0" eaLnBrk="1" latinLnBrk="0" hangingPunct="1">
+              <a:defRPr sz="1800" kern="1200">
+                <a:solidFill>
+                  <a:schemeClr val="lt1"/>
+                </a:solidFill>
+                <a:latin typeface="+mn-lt"/>
+                <a:ea typeface="+mn-ea"/>
+                <a:cs typeface="+mn-cs"/>
+              </a:defRPr>
+            </a:lvl6pPr>
+            <a:lvl7pPr marL="2743200" algn="l" defTabSz="914400" rtl="0" eaLnBrk="1" latinLnBrk="0" hangingPunct="1">
+              <a:defRPr sz="1800" kern="1200">
+                <a:solidFill>
+                  <a:schemeClr val="lt1"/>
+                </a:solidFill>
+                <a:latin typeface="+mn-lt"/>
+                <a:ea typeface="+mn-ea"/>
+                <a:cs typeface="+mn-cs"/>
+              </a:defRPr>
+            </a:lvl7pPr>
+            <a:lvl8pPr marL="3200400" algn="l" defTabSz="914400" rtl="0" eaLnBrk="1" latinLnBrk="0" hangingPunct="1">
+              <a:defRPr sz="1800" kern="1200">
+                <a:solidFill>
+                  <a:schemeClr val="lt1"/>
+                </a:solidFill>
+                <a:latin typeface="+mn-lt"/>
+                <a:ea typeface="+mn-ea"/>
+                <a:cs typeface="+mn-cs"/>
+              </a:defRPr>
+            </a:lvl8pPr>
+            <a:lvl9pPr marL="3657600" algn="l" defTabSz="914400" rtl="0" eaLnBrk="1" latinLnBrk="0" hangingPunct="1">
+              <a:defRPr sz="1800" kern="1200">
+                <a:solidFill>
+                  <a:schemeClr val="lt1"/>
+                </a:solidFill>
+                <a:latin typeface="+mn-lt"/>
+                <a:ea typeface="+mn-ea"/>
+                <a:cs typeface="+mn-cs"/>
+              </a:defRPr>
+            </a:lvl9pPr>
+          </a:lstStyle>
+          <a:p>
+            <a:pPr marL="0" marR="0" lvl="0" indent="0" algn="ctr" defTabSz="914400" rtl="0" eaLnBrk="1" fontAlgn="auto" latinLnBrk="0" hangingPunct="1">
+              <a:lnSpc>
+                <a:spcPct val="100000"/>
+              </a:lnSpc>
+              <a:spcBef>
+                <a:spcPts val="0"/>
+              </a:spcBef>
+              <a:spcAft>
+                <a:spcPts val="0"/>
+              </a:spcAft>
+              <a:buClrTx/>
+              <a:buSzTx/>
+              <a:buFontTx/>
+              <a:buNone/>
+              <a:tabLst/>
+              <a:defRPr/>
+            </a:pPr>
+            <a:endParaRPr kumimoji="0" lang="en-US" sz="1800" b="0" i="0" u="none" strike="noStrike" kern="1200" cap="none" spc="0" normalizeH="0" baseline="0" noProof="0">
+              <a:ln>
+                <a:noFill/>
+              </a:ln>
+              <a:solidFill>
+                <a:prstClr val="white"/>
+              </a:solidFill>
+              <a:effectLst/>
+              <a:uLnTx/>
+              <a:uFillTx/>
+              <a:latin typeface="Calibri" panose="020F0502020204030204"/>
+              <a:ea typeface="+mn-ea"/>
+              <a:cs typeface="+mn-cs"/>
+            </a:endParaRPr>
+          </a:p>
+        </p:txBody>
+      </p:sp>
+      <p:sp>
+        <p:nvSpPr>
+          <p:cNvPr id="31" name="Arc 30">
+            <a:extLst>
+              <a:ext uri="{FF2B5EF4-FFF2-40B4-BE49-F238E27FC236}">
+                <a16:creationId xmlns:a16="http://schemas.microsoft.com/office/drawing/2014/main" id="{59383CF9-23B5-4335-9B21-1791C4CF1C75}"/>
+              </a:ext>
+              <a:ext uri="{C183D7F6-B498-43B3-948B-1728B52AA6E4}">
+                <adec:decorative xmlns:adec="http://schemas.microsoft.com/office/drawing/2017/decorative" val="1"/>
+              </a:ext>
+            </a:extLst>
+          </p:cNvPr>
+          <p:cNvSpPr>
+            <a:spLocks noGrp="1" noRot="1" noChangeAspect="1" noMove="1" noResize="1" noEditPoints="1" noAdjustHandles="1" noChangeArrowheads="1" noChangeShapeType="1" noTextEdit="1"/>
+          </p:cNvSpPr>
+          <p:nvPr>
+            <p:extLst>
+              <p:ext uri="{386F3935-93C4-4BCD-93E2-E3B085C9AB24}">
+                <p16:designElem xmlns:p16="http://schemas.microsoft.com/office/powerpoint/2015/main" val="1"/>
+              </p:ext>
+            </p:extLst>
+          </p:nvPr>
+        </p:nvSpPr>
+        <p:spPr>
+          <a:xfrm rot="3967198" flipH="1">
+            <a:off x="8631348" y="490493"/>
+            <a:ext cx="2987899" cy="2987899"/>
+          </a:xfrm>
+          <a:prstGeom prst="arc">
+            <a:avLst>
+              <a:gd name="adj1" fmla="val 14441841"/>
+              <a:gd name="adj2" fmla="val 0"/>
+            </a:avLst>
+          </a:prstGeom>
+          <a:ln w="127000" cap="rnd">
+            <a:solidFill>
+              <a:schemeClr val="accent4"/>
+            </a:solidFill>
+            <a:prstDash val="dash"/>
+            <a:miter lim="800000"/>
+          </a:ln>
+        </p:spPr>
+        <p:style>
+          <a:lnRef idx="1">
+            <a:schemeClr val="accent1"/>
+          </a:lnRef>
+          <a:fillRef idx="0">
+            <a:schemeClr val="accent1"/>
+          </a:fillRef>
+          <a:effectRef idx="0">
+            <a:schemeClr val="accent1"/>
+          </a:effectRef>
+          <a:fontRef idx="minor">
+            <a:schemeClr val="tx1"/>
+          </a:fontRef>
+        </p:style>
+        <p:txBody>
+          <a:bodyPr rtlCol="0" anchor="ctr"/>
+          <a:lstStyle/>
+          <a:p>
+            <a:pPr marL="0" marR="0" lvl="0" indent="0" algn="ctr" defTabSz="914400" rtl="0" eaLnBrk="1" fontAlgn="auto" latinLnBrk="0" hangingPunct="1">
+              <a:lnSpc>
+                <a:spcPct val="100000"/>
+              </a:lnSpc>
+              <a:spcBef>
+                <a:spcPts val="0"/>
+              </a:spcBef>
+              <a:spcAft>
+                <a:spcPts val="0"/>
+              </a:spcAft>
+              <a:buClrTx/>
+              <a:buSzTx/>
+              <a:buFontTx/>
+              <a:buNone/>
+              <a:tabLst/>
+              <a:defRPr/>
+            </a:pPr>
+            <a:endParaRPr kumimoji="0" lang="en-US" sz="1800" b="0" i="0" u="none" strike="noStrike" kern="1200" cap="none" spc="0" normalizeH="0" baseline="0" noProof="0">
+              <a:ln>
+                <a:noFill/>
+              </a:ln>
+              <a:solidFill>
+                <a:srgbClr val="000000"/>
+              </a:solidFill>
+              <a:effectLst/>
+              <a:uLnTx/>
+              <a:uFillTx/>
+              <a:latin typeface="Calibri" panose="020F0502020204030204"/>
+              <a:ea typeface="+mn-ea"/>
+              <a:cs typeface="+mn-cs"/>
+            </a:endParaRPr>
+          </a:p>
+        </p:txBody>
+      </p:sp>
+      <p:sp>
+        <p:nvSpPr>
+          <p:cNvPr id="4" name="Title 1">
+            <a:extLst>
+              <a:ext uri="{FF2B5EF4-FFF2-40B4-BE49-F238E27FC236}">
+                <a16:creationId xmlns:a16="http://schemas.microsoft.com/office/drawing/2014/main" id="{C5EF72B0-B0CB-9CEC-42AC-5C3623C91666}"/>
+              </a:ext>
+            </a:extLst>
+          </p:cNvPr>
+          <p:cNvSpPr txBox="1">
+            <a:spLocks/>
+          </p:cNvSpPr>
+          <p:nvPr/>
+        </p:nvSpPr>
+        <p:spPr>
+          <a:xfrm>
+            <a:off x="466344" y="508275"/>
+            <a:ext cx="10529483" cy="1325563"/>
+          </a:xfrm>
+          <a:prstGeom prst="rect">
+            <a:avLst/>
+          </a:prstGeom>
+        </p:spPr>
+        <p:txBody>
+          <a:bodyPr vert="horz" lIns="91440" tIns="45720" rIns="91440" bIns="45720" rtlCol="0" anchor="ctr">
+            <a:normAutofit/>
+          </a:bodyPr>
+          <a:lstStyle>
+            <a:lvl1pPr algn="l" defTabSz="914400" rtl="0" eaLnBrk="1" latinLnBrk="0" hangingPunct="1">
+              <a:lnSpc>
+                <a:spcPct val="90000"/>
+              </a:lnSpc>
+              <a:spcBef>
+                <a:spcPct val="0"/>
+              </a:spcBef>
+              <a:buNone/>
+              <a:defRPr sz="4000" kern="1200">
+                <a:solidFill>
+                  <a:schemeClr val="tx1"/>
+                </a:solidFill>
+                <a:latin typeface="+mj-lt"/>
+                <a:ea typeface="+mj-ea"/>
+                <a:cs typeface="+mj-cs"/>
+              </a:defRPr>
+            </a:lvl1pPr>
+          </a:lstStyle>
+          <a:p>
+            <a:pPr>
+              <a:spcAft>
+                <a:spcPts val="600"/>
+              </a:spcAft>
+            </a:pPr>
+            <a:r>
+              <a:rPr lang="en-US" sz="4400" kern="1200" dirty="0">
+                <a:solidFill>
+                  <a:schemeClr val="tx1"/>
+                </a:solidFill>
+                <a:latin typeface="+mj-lt"/>
+                <a:ea typeface="+mj-ea"/>
+                <a:cs typeface="+mj-cs"/>
+              </a:rPr>
+              <a:t>Conclusions &amp; Recommendations</a:t>
+            </a:r>
+          </a:p>
+        </p:txBody>
+      </p:sp>
+      <p:sp>
+        <p:nvSpPr>
+          <p:cNvPr id="33" name="Freeform: Shape 32">
+            <a:extLst>
+              <a:ext uri="{FF2B5EF4-FFF2-40B4-BE49-F238E27FC236}">
+                <a16:creationId xmlns:a16="http://schemas.microsoft.com/office/drawing/2014/main" id="{0007FE00-9498-4706-B255-6437B0252C02}"/>
+              </a:ext>
+              <a:ext uri="{C183D7F6-B498-43B3-948B-1728B52AA6E4}">
+                <adec:decorative xmlns:adec="http://schemas.microsoft.com/office/drawing/2017/decorative" val="1"/>
+              </a:ext>
+            </a:extLst>
+          </p:cNvPr>
+          <p:cNvSpPr>
+            <a:spLocks noGrp="1" noRot="1" noChangeAspect="1" noMove="1" noResize="1" noEditPoints="1" noAdjustHandles="1" noChangeArrowheads="1" noChangeShapeType="1" noTextEdit="1"/>
+          </p:cNvSpPr>
+          <p:nvPr>
+            <p:extLst>
+              <p:ext uri="{386F3935-93C4-4BCD-93E2-E3B085C9AB24}">
+                <p16:designElem xmlns:p16="http://schemas.microsoft.com/office/powerpoint/2015/main" val="1"/>
+              </p:ext>
+            </p:extLst>
+          </p:nvPr>
+        </p:nvSpPr>
+        <p:spPr>
+          <a:xfrm flipH="1">
+            <a:off x="0" y="5486400"/>
+            <a:ext cx="2672863" cy="1371600"/>
+          </a:xfrm>
+          <a:custGeom>
+            <a:avLst/>
+            <a:gdLst>
+              <a:gd name="connsiteX0" fmla="*/ 1721734 w 2672863"/>
+              <a:gd name="connsiteY0" fmla="*/ 0 h 1371600"/>
+              <a:gd name="connsiteX1" fmla="*/ 2564444 w 2672863"/>
+              <a:gd name="connsiteY1" fmla="*/ 213382 h 1371600"/>
+              <a:gd name="connsiteX2" fmla="*/ 2672863 w 2672863"/>
+              <a:gd name="connsiteY2" fmla="*/ 279248 h 1371600"/>
+              <a:gd name="connsiteX3" fmla="*/ 2672863 w 2672863"/>
+              <a:gd name="connsiteY3" fmla="*/ 1371600 h 1371600"/>
+              <a:gd name="connsiteX4" fmla="*/ 0 w 2672863"/>
+              <a:gd name="connsiteY4" fmla="*/ 1371600 h 1371600"/>
+              <a:gd name="connsiteX5" fmla="*/ 33268 w 2672863"/>
+              <a:gd name="connsiteY5" fmla="*/ 1242216 h 1371600"/>
+              <a:gd name="connsiteX6" fmla="*/ 1721734 w 2672863"/>
+              <a:gd name="connsiteY6" fmla="*/ 0 h 1371600"/>
+            </a:gdLst>
+            <a:ahLst/>
+            <a:cxnLst>
+              <a:cxn ang="0">
+                <a:pos x="connsiteX0" y="connsiteY0"/>
+              </a:cxn>
+              <a:cxn ang="0">
+                <a:pos x="connsiteX1" y="connsiteY1"/>
+              </a:cxn>
+              <a:cxn ang="0">
+                <a:pos x="connsiteX2" y="connsiteY2"/>
+              </a:cxn>
+              <a:cxn ang="0">
+                <a:pos x="connsiteX3" y="connsiteY3"/>
+              </a:cxn>
+              <a:cxn ang="0">
+                <a:pos x="connsiteX4" y="connsiteY4"/>
+              </a:cxn>
+              <a:cxn ang="0">
+                <a:pos x="connsiteX5" y="connsiteY5"/>
+              </a:cxn>
+              <a:cxn ang="0">
+                <a:pos x="connsiteX6" y="connsiteY6"/>
+              </a:cxn>
+            </a:cxnLst>
+            <a:rect l="l" t="t" r="r" b="b"/>
+            <a:pathLst>
+              <a:path w="2672863" h="1371600">
+                <a:moveTo>
+                  <a:pt x="1721734" y="0"/>
+                </a:moveTo>
+                <a:cubicBezTo>
+                  <a:pt x="2026863" y="0"/>
+                  <a:pt x="2313937" y="77299"/>
+                  <a:pt x="2564444" y="213382"/>
+                </a:cubicBezTo>
+                <a:lnTo>
+                  <a:pt x="2672863" y="279248"/>
+                </a:lnTo>
+                <a:lnTo>
+                  <a:pt x="2672863" y="1371600"/>
+                </a:lnTo>
+                <a:lnTo>
+                  <a:pt x="0" y="1371600"/>
+                </a:lnTo>
+                <a:lnTo>
+                  <a:pt x="33268" y="1242216"/>
+                </a:lnTo>
+                <a:cubicBezTo>
+                  <a:pt x="257110" y="522539"/>
+                  <a:pt x="928399" y="0"/>
+                  <a:pt x="1721734" y="0"/>
+                </a:cubicBezTo>
+                <a:close/>
+              </a:path>
+            </a:pathLst>
+          </a:custGeom>
+          <a:solidFill>
+            <a:schemeClr val="accent4"/>
+          </a:solidFill>
+          <a:ln>
+            <a:noFill/>
+          </a:ln>
+        </p:spPr>
+        <p:style>
+          <a:lnRef idx="2">
+            <a:schemeClr val="accent1">
+              <a:shade val="50000"/>
+            </a:schemeClr>
+          </a:lnRef>
+          <a:fillRef idx="1">
+            <a:schemeClr val="accent1"/>
+          </a:fillRef>
+          <a:effectRef idx="0">
+            <a:schemeClr val="accent1"/>
+          </a:effectRef>
+          <a:fontRef idx="minor">
+            <a:schemeClr val="lt1"/>
+          </a:fontRef>
+        </p:style>
+        <p:txBody>
+          <a:bodyPr wrap="square" rtlCol="0" anchor="ctr">
+            <a:noAutofit/>
+          </a:bodyPr>
+          <a:lstStyle/>
+          <a:p>
+            <a:pPr marL="0" marR="0" lvl="0" indent="0" algn="ctr" defTabSz="914400" rtl="0" eaLnBrk="1" fontAlgn="auto" latinLnBrk="0" hangingPunct="1">
+              <a:lnSpc>
+                <a:spcPct val="100000"/>
+              </a:lnSpc>
+              <a:spcBef>
+                <a:spcPts val="0"/>
+              </a:spcBef>
+              <a:spcAft>
+                <a:spcPts val="0"/>
+              </a:spcAft>
+              <a:buClrTx/>
+              <a:buSzTx/>
+              <a:buFontTx/>
+              <a:buNone/>
+              <a:tabLst/>
+              <a:defRPr/>
+            </a:pPr>
+            <a:endParaRPr kumimoji="0" lang="en-US" sz="1800" b="0" i="0" u="none" strike="noStrike" kern="1200" cap="none" spc="0" normalizeH="0" baseline="0" noProof="0">
+              <a:ln>
+                <a:noFill/>
+              </a:ln>
+              <a:solidFill>
+                <a:prstClr val="white"/>
+              </a:solidFill>
+              <a:effectLst/>
+              <a:uLnTx/>
+              <a:uFillTx/>
+              <a:latin typeface="Calibri" panose="020F0502020204030204"/>
+              <a:ea typeface="+mn-ea"/>
+              <a:cs typeface="+mn-cs"/>
+            </a:endParaRPr>
+          </a:p>
+        </p:txBody>
+      </p:sp>
+      <p:pic>
+        <p:nvPicPr>
+          <p:cNvPr id="3" name="Picture 2">
+            <a:extLst>
+              <a:ext uri="{FF2B5EF4-FFF2-40B4-BE49-F238E27FC236}">
+                <a16:creationId xmlns:a16="http://schemas.microsoft.com/office/drawing/2014/main" id="{D06AD697-C1A5-0315-D71D-D08B5113C25A}"/>
+              </a:ext>
+            </a:extLst>
+          </p:cNvPr>
+          <p:cNvPicPr>
+            <a:picLocks noChangeAspect="1"/>
+          </p:cNvPicPr>
+          <p:nvPr/>
+        </p:nvPicPr>
+        <p:blipFill>
+          <a:blip r:embed="rId3"/>
+          <a:stretch>
+            <a:fillRect/>
+          </a:stretch>
+        </p:blipFill>
+        <p:spPr>
+          <a:xfrm>
+            <a:off x="1039085" y="1984443"/>
+            <a:ext cx="3831496" cy="3273405"/>
+          </a:xfrm>
+          <a:custGeom>
+            <a:avLst/>
+            <a:gdLst/>
+            <a:ahLst/>
+            <a:cxnLst/>
+            <a:rect l="l" t="t" r="r" b="b"/>
+            <a:pathLst>
+              <a:path w="4777381" h="5643794">
+                <a:moveTo>
+                  <a:pt x="143704" y="0"/>
+                </a:moveTo>
+                <a:lnTo>
+                  <a:pt x="4633677" y="0"/>
+                </a:lnTo>
+                <a:cubicBezTo>
+                  <a:pt x="4713043" y="0"/>
+                  <a:pt x="4777381" y="64338"/>
+                  <a:pt x="4777381" y="143704"/>
+                </a:cubicBezTo>
+                <a:lnTo>
+                  <a:pt x="4777381" y="5500090"/>
+                </a:lnTo>
+                <a:cubicBezTo>
+                  <a:pt x="4777381" y="5579456"/>
+                  <a:pt x="4713043" y="5643794"/>
+                  <a:pt x="4633677" y="5643794"/>
+                </a:cubicBezTo>
+                <a:lnTo>
+                  <a:pt x="143704" y="5643794"/>
+                </a:lnTo>
+                <a:cubicBezTo>
+                  <a:pt x="64338" y="5643794"/>
+                  <a:pt x="0" y="5579456"/>
+                  <a:pt x="0" y="5500090"/>
+                </a:cubicBezTo>
+                <a:lnTo>
+                  <a:pt x="0" y="143704"/>
+                </a:lnTo>
+                <a:cubicBezTo>
+                  <a:pt x="0" y="64338"/>
+                  <a:pt x="64338" y="0"/>
+                  <a:pt x="143704" y="0"/>
+                </a:cubicBezTo>
+                <a:close/>
+              </a:path>
+            </a:pathLst>
+          </a:custGeom>
+        </p:spPr>
+      </p:pic>
+      <p:sp>
+        <p:nvSpPr>
+          <p:cNvPr id="20" name="TextBox 19">
+            <a:extLst>
+              <a:ext uri="{FF2B5EF4-FFF2-40B4-BE49-F238E27FC236}">
+                <a16:creationId xmlns:a16="http://schemas.microsoft.com/office/drawing/2014/main" id="{3614737E-121F-C83B-C93A-4D0FB09D438B}"/>
+              </a:ext>
+            </a:extLst>
+          </p:cNvPr>
+          <p:cNvSpPr txBox="1"/>
+          <p:nvPr/>
+        </p:nvSpPr>
+        <p:spPr>
+          <a:xfrm>
+            <a:off x="5179016" y="1984443"/>
+            <a:ext cx="6174784" cy="4192520"/>
+          </a:xfrm>
+          <a:prstGeom prst="rect">
+            <a:avLst/>
+          </a:prstGeom>
+        </p:spPr>
+        <p:txBody>
+          <a:bodyPr vert="horz" lIns="91440" tIns="45720" rIns="91440" bIns="45720" rtlCol="0">
+            <a:normAutofit/>
+          </a:bodyPr>
+          <a:lstStyle/>
+          <a:p>
+            <a:pPr marL="542354" lvl="1" indent="-228600" defTabSz="914400">
+              <a:lnSpc>
+                <a:spcPct val="150000"/>
+              </a:lnSpc>
+              <a:spcAft>
+                <a:spcPts val="600"/>
+              </a:spcAft>
+              <a:buFont typeface="Arial" panose="020B0604020202020204" pitchFamily="34" charset="0"/>
+              <a:buChar char="•"/>
+            </a:pPr>
+            <a:r>
+              <a:rPr lang="en-US" sz="1600" dirty="0"/>
+              <a:t>The busiest three stations </a:t>
+            </a:r>
+            <a:r>
+              <a:rPr lang="en-US" sz="1600" b="1" dirty="0"/>
+              <a:t>(Times Sq-42 St, Grand Central-42 St,34 St- Herald Sq) </a:t>
+            </a:r>
+            <a:r>
+              <a:rPr lang="en-US" sz="1600" dirty="0"/>
+              <a:t>have the most ridership on </a:t>
+            </a:r>
+            <a:r>
+              <a:rPr lang="en-US" sz="1600" b="1" dirty="0"/>
+              <a:t>Wednesdays between 17:00 and 19:00.</a:t>
+            </a:r>
+            <a:r>
+              <a:rPr lang="en-US" sz="1600" dirty="0"/>
+              <a:t> So the street teams should be located around those stations at that day and time.</a:t>
+            </a:r>
+            <a:endParaRPr lang="tr-TR" sz="1600" dirty="0"/>
+          </a:p>
+          <a:p>
+            <a:pPr marL="313754" lvl="1" defTabSz="914400">
+              <a:lnSpc>
+                <a:spcPct val="150000"/>
+              </a:lnSpc>
+              <a:spcAft>
+                <a:spcPts val="600"/>
+              </a:spcAft>
+            </a:pPr>
+            <a:endParaRPr lang="en-US" sz="1600" dirty="0"/>
+          </a:p>
+          <a:p>
+            <a:pPr marL="542354" lvl="1" indent="-228600" defTabSz="914400">
+              <a:lnSpc>
+                <a:spcPct val="150000"/>
+              </a:lnSpc>
+              <a:spcAft>
+                <a:spcPts val="600"/>
+              </a:spcAft>
+              <a:buFont typeface="Arial" panose="020B0604020202020204" pitchFamily="34" charset="0"/>
+              <a:buChar char="•"/>
+            </a:pPr>
+            <a:r>
+              <a:rPr lang="en-US" sz="1600" dirty="0"/>
+              <a:t> In addition Friday and Thursday have a significant number of ridership between 19:00 and 23:00. If the association has more Street teams, they can be located around the stations on those times.</a:t>
+            </a:r>
+          </a:p>
+          <a:p>
+            <a:pPr indent="-228600" defTabSz="914400">
+              <a:lnSpc>
+                <a:spcPct val="150000"/>
+              </a:lnSpc>
+              <a:buFont typeface="Arial" panose="020B0604020202020204" pitchFamily="34" charset="0"/>
+              <a:buChar char="•"/>
+            </a:pPr>
+            <a:endParaRPr lang="en-US" sz="1600" b="1" dirty="0"/>
+          </a:p>
+        </p:txBody>
+      </p:sp>
+    </p:spTree>
+    <p:extLst>
+      <p:ext uri="{BB962C8B-B14F-4D97-AF65-F5344CB8AC3E}">
+        <p14:creationId xmlns:p14="http://schemas.microsoft.com/office/powerpoint/2010/main" val="3721431444"/>
+      </p:ext>
+    </p:extLst>
+  </p:cSld>
+  <p:clrMapOvr>
+    <a:masterClrMapping/>
+  </p:clrMapOvr>
+  <p:timing>
+    <p:tnLst>
+      <p:par>
+        <p:cTn id="1" dur="indefinite" restart="never" nodeType="tmRoot">
+          <p:childTnLst>
+            <p:seq concurrent="1" nextAc="seek">
+              <p:cTn id="2" dur="indefinite" nodeType="mainSeq">
+                <p:childTnLst>
+                  <p:par>
+                    <p:cTn id="3" fill="hold">
+                      <p:stCondLst>
+                        <p:cond delay="indefinite"/>
+                        <p:cond evt="onBegin" delay="0">
+                          <p:tn val="2"/>
+                        </p:cond>
+                      </p:stCondLst>
+                      <p:childTnLst>
+                        <p:par>
+                          <p:cTn id="4" fill="hold">
+                            <p:stCondLst>
+                              <p:cond delay="0"/>
+                            </p:stCondLst>
+                            <p:childTnLst>
+                              <p:par>
+                                <p:cTn id="5" presetID="10" presetClass="entr" presetSubtype="0" fill="hold" grpId="0" nodeType="withEffect">
+                                  <p:stCondLst>
+                                    <p:cond delay="1000"/>
+                                  </p:stCondLst>
+                                  <p:iterate>
+                                    <p:tmPct val="10000"/>
+                                  </p:iterate>
+                                  <p:childTnLst>
+                                    <p:set>
+                                      <p:cBhvr>
+                                        <p:cTn id="6" dur="1" fill="hold">
+                                          <p:stCondLst>
+                                            <p:cond delay="0"/>
+                                          </p:stCondLst>
+                                        </p:cTn>
+                                        <p:tgtEl>
+                                          <p:spTgt spid="4"/>
+                                        </p:tgtEl>
+                                        <p:attrNameLst>
+                                          <p:attrName>style.visibility</p:attrName>
+                                        </p:attrNameLst>
+                                      </p:cBhvr>
+                                      <p:to>
+                                        <p:strVal val="visible"/>
+                                      </p:to>
+                                    </p:set>
+                                    <p:animEffect transition="in" filter="fade">
+                                      <p:cBhvr>
+                                        <p:cTn id="7" dur="700"/>
+                                        <p:tgtEl>
+                                          <p:spTgt spid="4"/>
+                                        </p:tgtEl>
+                                      </p:cBhvr>
+                                    </p:animEffect>
+                                  </p:childTnLst>
+                                </p:cTn>
+                              </p:par>
+                            </p:childTnLst>
+                          </p:cTn>
+                        </p:par>
+                      </p:childTnLst>
+                    </p:cTn>
+                  </p:par>
+                </p:childTnLst>
+              </p:cTn>
+              <p:prevCondLst>
+                <p:cond evt="onPrev" delay="0">
+                  <p:tgtEl>
+                    <p:sldTgt/>
+                  </p:tgtEl>
+                </p:cond>
+              </p:prevCondLst>
+              <p:nextCondLst>
+                <p:cond evt="onNext" delay="0">
+                  <p:tgtEl>
+                    <p:sldTgt/>
+                  </p:tgtEl>
+                </p:cond>
+              </p:nextCondLst>
+            </p:seq>
+          </p:childTnLst>
+        </p:cTn>
+      </p:par>
+    </p:tnLst>
+    <p:bldLst>
+      <p:bldP spid="4" grpId="0"/>
     </p:bldLst>
   </p:timing>
 </p:sld>
@@ -9874,36 +11440,6 @@
           <a:chExt cx="0" cy="0"/>
         </a:xfrm>
       </p:grpSpPr>
-      <p:pic>
-        <p:nvPicPr>
-          <p:cNvPr id="3" name="Picture 2">
-            <a:extLst>
-              <a:ext uri="{FF2B5EF4-FFF2-40B4-BE49-F238E27FC236}">
-                <a16:creationId xmlns:a16="http://schemas.microsoft.com/office/drawing/2014/main" id="{D16EDAA3-6964-898D-5FAE-BE77CD323E27}"/>
-              </a:ext>
-            </a:extLst>
-          </p:cNvPr>
-          <p:cNvPicPr>
-            <a:picLocks noChangeAspect="1"/>
-          </p:cNvPicPr>
-          <p:nvPr/>
-        </p:nvPicPr>
-        <p:blipFill>
-          <a:blip r:embed="rId2"/>
-          <a:stretch>
-            <a:fillRect/>
-          </a:stretch>
-        </p:blipFill>
-        <p:spPr>
-          <a:xfrm>
-            <a:off x="6167535" y="1704323"/>
-            <a:ext cx="5759174" cy="2546990"/>
-          </a:xfrm>
-          <a:prstGeom prst="rect">
-            <a:avLst/>
-          </a:prstGeom>
-        </p:spPr>
-      </p:pic>
       <p:sp>
         <p:nvSpPr>
           <p:cNvPr id="4" name="Title 1">
@@ -10071,8 +11607,8 @@
         </p:nvSpPr>
         <p:spPr bwMode="auto">
           <a:xfrm>
-            <a:off x="838200" y="1825625"/>
-            <a:ext cx="4825482" cy="4351338"/>
+            <a:off x="1149096" y="1690688"/>
+            <a:ext cx="11149584" cy="3922832"/>
           </a:xfrm>
           <a:prstGeom prst="rect">
             <a:avLst/>
@@ -10108,9 +11644,9 @@
           </a:bodyPr>
           <a:lstStyle/>
           <a:p>
-            <a:pPr marR="0" lvl="0" indent="-228600" defTabSz="914400" fontAlgn="base">
+            <a:pPr marR="0" lvl="0" indent="-228600" algn="just" defTabSz="914400" fontAlgn="base">
               <a:lnSpc>
-                <a:spcPct val="90000"/>
+                <a:spcPct val="300000"/>
               </a:lnSpc>
               <a:spcBef>
                 <a:spcPts val="1000"/>
@@ -10214,9 +11750,9 @@
             </a:r>
           </a:p>
           <a:p>
-            <a:pPr marR="0" lvl="0" indent="-228600" defTabSz="914400" fontAlgn="base">
+            <a:pPr marR="0" lvl="0" indent="-228600" algn="just" defTabSz="914400" fontAlgn="base">
               <a:lnSpc>
-                <a:spcPct val="90000"/>
+                <a:spcPct val="300000"/>
               </a:lnSpc>
               <a:spcBef>
                 <a:spcPts val="1000"/>
@@ -10372,9 +11908,9 @@
             </a:r>
           </a:p>
           <a:p>
-            <a:pPr marR="0" lvl="0" indent="-228600" defTabSz="914400" fontAlgn="base">
+            <a:pPr marR="0" lvl="0" indent="-228600" algn="just" defTabSz="914400" fontAlgn="base">
               <a:lnSpc>
-                <a:spcPct val="90000"/>
+                <a:spcPct val="300000"/>
               </a:lnSpc>
               <a:spcBef>
                 <a:spcPts val="1000"/>
@@ -10407,9 +11943,9 @@
             <a:endParaRPr lang="tr-TR" altLang="tr-TR" sz="1400" dirty="0"/>
           </a:p>
           <a:p>
-            <a:pPr marR="0" lvl="0" indent="-228600" defTabSz="914400" fontAlgn="base">
+            <a:pPr marR="0" lvl="0" indent="-228600" algn="just" defTabSz="914400" fontAlgn="base">
               <a:lnSpc>
-                <a:spcPct val="90000"/>
+                <a:spcPct val="300000"/>
               </a:lnSpc>
               <a:spcBef>
                 <a:spcPts val="1000"/>
@@ -10442,9 +11978,99 @@
             <a:endParaRPr lang="tr-TR" altLang="tr-TR" sz="1400" dirty="0"/>
           </a:p>
           <a:p>
-            <a:pPr marR="0" lvl="0" defTabSz="914400" fontAlgn="base">
+            <a:pPr marR="0" lvl="0" indent="-228600" algn="just" defTabSz="914400" fontAlgn="base">
               <a:lnSpc>
-                <a:spcPct val="90000"/>
+                <a:spcPct val="300000"/>
+              </a:lnSpc>
+              <a:spcBef>
+                <a:spcPts val="1000"/>
+              </a:spcBef>
+              <a:spcAft>
+                <a:spcPct val="0"/>
+              </a:spcAft>
+              <a:buClrTx/>
+              <a:buSzTx/>
+              <a:buFont typeface="Arial" panose="020B0604020202020204" pitchFamily="34" charset="0"/>
+              <a:buChar char="•"/>
+              <a:tabLst/>
+            </a:pPr>
+            <a:r>
+              <a:rPr lang="tr-TR" altLang="tr-TR" sz="1400" dirty="0" err="1"/>
+              <a:t>The</a:t>
+            </a:r>
+            <a:r>
+              <a:rPr lang="tr-TR" altLang="tr-TR" sz="1400" dirty="0"/>
+              <a:t> </a:t>
+            </a:r>
+            <a:r>
+              <a:rPr lang="tr-TR" altLang="tr-TR" sz="1400" dirty="0" err="1"/>
+              <a:t>ridership</a:t>
+            </a:r>
+            <a:r>
+              <a:rPr lang="tr-TR" altLang="tr-TR" sz="1400" dirty="0"/>
+              <a:t> </a:t>
+            </a:r>
+            <a:r>
+              <a:rPr lang="tr-TR" altLang="tr-TR" sz="1400" dirty="0" err="1"/>
+              <a:t>column</a:t>
+            </a:r>
+            <a:r>
+              <a:rPr lang="tr-TR" altLang="tr-TR" sz="1400" dirty="0"/>
+              <a:t> is not </a:t>
+            </a:r>
+            <a:r>
+              <a:rPr lang="tr-TR" altLang="tr-TR" sz="1400" dirty="0" err="1"/>
+              <a:t>cumulative</a:t>
+            </a:r>
+            <a:r>
+              <a:rPr lang="tr-TR" altLang="tr-TR" sz="1400" dirty="0"/>
+              <a:t>, </a:t>
+            </a:r>
+            <a:r>
+              <a:rPr lang="tr-TR" altLang="tr-TR" sz="1400" dirty="0" err="1"/>
+              <a:t>so</a:t>
+            </a:r>
+            <a:r>
+              <a:rPr lang="tr-TR" altLang="tr-TR" sz="1400" dirty="0"/>
+              <a:t> </a:t>
+            </a:r>
+            <a:r>
+              <a:rPr lang="tr-TR" altLang="tr-TR" sz="1400" dirty="0" err="1"/>
+              <a:t>we</a:t>
+            </a:r>
+            <a:r>
+              <a:rPr lang="tr-TR" altLang="tr-TR" sz="1400" dirty="0"/>
+              <a:t> can </a:t>
+            </a:r>
+            <a:r>
+              <a:rPr lang="tr-TR" altLang="tr-TR" sz="1400" dirty="0" err="1"/>
+              <a:t>use</a:t>
+            </a:r>
+            <a:r>
+              <a:rPr lang="tr-TR" altLang="tr-TR" sz="1400" dirty="0"/>
+              <a:t> </a:t>
+            </a:r>
+            <a:r>
+              <a:rPr lang="tr-TR" altLang="tr-TR" sz="1400" dirty="0" err="1"/>
+              <a:t>sum</a:t>
+            </a:r>
+            <a:r>
+              <a:rPr lang="tr-TR" altLang="tr-TR" sz="1400" dirty="0"/>
+              <a:t>() </a:t>
+            </a:r>
+            <a:r>
+              <a:rPr lang="tr-TR" altLang="tr-TR" sz="1400" dirty="0" err="1"/>
+              <a:t>function</a:t>
+            </a:r>
+            <a:r>
+              <a:rPr lang="tr-TR" altLang="tr-TR" sz="1400" dirty="0"/>
+              <a:t>.</a:t>
+            </a:r>
+          </a:p>
+          <a:p>
+            <a:pPr marR="0" lvl="0" algn="just" defTabSz="914400" fontAlgn="base">
+              <a:lnSpc>
+                <a:spcPct val="300000"/>
               </a:lnSpc>
               <a:spcBef>
                 <a:spcPts val="1000"/>
@@ -10459,9 +12085,9 @@
             <a:endParaRPr lang="tr-TR" altLang="tr-TR" sz="1400" dirty="0"/>
           </a:p>
           <a:p>
-            <a:pPr marR="0" lvl="0" defTabSz="914400" fontAlgn="base">
+            <a:pPr marR="0" lvl="0" algn="just" defTabSz="914400" fontAlgn="base">
               <a:lnSpc>
-                <a:spcPct val="90000"/>
+                <a:spcPct val="300000"/>
               </a:lnSpc>
               <a:spcBef>
                 <a:spcPts val="1000"/>
@@ -10476,9 +12102,9 @@
             <a:endParaRPr lang="en-US" altLang="tr-TR" sz="1400" dirty="0"/>
           </a:p>
           <a:p>
-            <a:pPr defTabSz="914400" fontAlgn="base">
+            <a:pPr algn="just" defTabSz="914400" fontAlgn="base">
               <a:lnSpc>
-                <a:spcPct val="90000"/>
+                <a:spcPct val="300000"/>
               </a:lnSpc>
               <a:spcBef>
                 <a:spcPts val="1000"/>
@@ -10487,14 +12113,2758 @@
                 <a:spcPct val="0"/>
               </a:spcAft>
             </a:pPr>
-            <a:endParaRPr lang="en-US" altLang="tr-TR" sz="1400" b="1" dirty="0"/>
+            <a:endParaRPr lang="en-US" altLang="tr-TR" sz="1400" dirty="0"/>
+          </a:p>
+        </p:txBody>
+      </p:sp>
+      <p:sp>
+        <p:nvSpPr>
+          <p:cNvPr id="6" name="TextBox 5">
+            <a:extLst>
+              <a:ext uri="{FF2B5EF4-FFF2-40B4-BE49-F238E27FC236}">
+                <a16:creationId xmlns:a16="http://schemas.microsoft.com/office/drawing/2014/main" id="{334381CF-C223-03EC-7DDF-9A447BC9A965}"/>
+              </a:ext>
+            </a:extLst>
+          </p:cNvPr>
+          <p:cNvSpPr txBox="1"/>
+          <p:nvPr/>
+        </p:nvSpPr>
+        <p:spPr>
+          <a:xfrm>
+            <a:off x="8567928" y="5788152"/>
+            <a:ext cx="2156168" cy="307777"/>
+          </a:xfrm>
+          <a:prstGeom prst="rect">
+            <a:avLst/>
+          </a:prstGeom>
+          <a:noFill/>
+        </p:spPr>
+        <p:txBody>
+          <a:bodyPr wrap="none" rtlCol="0">
+            <a:spAutoFit/>
+          </a:bodyPr>
+          <a:lstStyle/>
+          <a:p>
+            <a:r>
+              <a:rPr lang="tr-TR" sz="1400" b="1" dirty="0"/>
+              <a:t>Here is </a:t>
+            </a:r>
+            <a:r>
+              <a:rPr lang="tr-TR" sz="1400" b="1" dirty="0" err="1"/>
+              <a:t>the</a:t>
+            </a:r>
+            <a:r>
+              <a:rPr lang="tr-TR" sz="1400" b="1" dirty="0"/>
+              <a:t> final data…</a:t>
+            </a:r>
+          </a:p>
+        </p:txBody>
+      </p:sp>
+      <p:pic>
+        <p:nvPicPr>
+          <p:cNvPr id="12" name="Picture 11">
+            <a:extLst>
+              <a:ext uri="{FF2B5EF4-FFF2-40B4-BE49-F238E27FC236}">
+                <a16:creationId xmlns:a16="http://schemas.microsoft.com/office/drawing/2014/main" id="{C5146A2E-5CF8-FE14-1F60-19A9599FD72D}"/>
+              </a:ext>
+            </a:extLst>
+          </p:cNvPr>
+          <p:cNvPicPr>
+            <a:picLocks noChangeAspect="1"/>
+          </p:cNvPicPr>
+          <p:nvPr/>
+        </p:nvPicPr>
+        <p:blipFill>
+          <a:blip r:embed="rId3"/>
+          <a:stretch>
+            <a:fillRect/>
+          </a:stretch>
+        </p:blipFill>
+        <p:spPr>
+          <a:xfrm>
+            <a:off x="929639" y="1899541"/>
+            <a:ext cx="463963" cy="459746"/>
+          </a:xfrm>
+          <a:prstGeom prst="rect">
+            <a:avLst/>
+          </a:prstGeom>
+        </p:spPr>
+      </p:pic>
+      <p:pic>
+        <p:nvPicPr>
+          <p:cNvPr id="18" name="Picture 17">
+            <a:extLst>
+              <a:ext uri="{FF2B5EF4-FFF2-40B4-BE49-F238E27FC236}">
+                <a16:creationId xmlns:a16="http://schemas.microsoft.com/office/drawing/2014/main" id="{9B67CBB1-FB61-B72B-95D4-032123DCFDF4}"/>
+              </a:ext>
+            </a:extLst>
+          </p:cNvPr>
+          <p:cNvPicPr>
+            <a:picLocks noChangeAspect="1"/>
+          </p:cNvPicPr>
+          <p:nvPr/>
+        </p:nvPicPr>
+        <p:blipFill>
+          <a:blip r:embed="rId4"/>
+          <a:stretch>
+            <a:fillRect/>
+          </a:stretch>
+        </p:blipFill>
+        <p:spPr>
+          <a:xfrm>
+            <a:off x="464842" y="2612952"/>
+            <a:ext cx="931475" cy="569037"/>
+          </a:xfrm>
+          <a:prstGeom prst="rect">
+            <a:avLst/>
+          </a:prstGeom>
+        </p:spPr>
+      </p:pic>
+      <p:pic>
+        <p:nvPicPr>
+          <p:cNvPr id="20" name="Picture 19">
+            <a:extLst>
+              <a:ext uri="{FF2B5EF4-FFF2-40B4-BE49-F238E27FC236}">
+                <a16:creationId xmlns:a16="http://schemas.microsoft.com/office/drawing/2014/main" id="{ACCFB7F3-AE27-A113-47F2-72F5A7657E0D}"/>
+              </a:ext>
+            </a:extLst>
+          </p:cNvPr>
+          <p:cNvPicPr>
+            <a:picLocks noChangeAspect="1"/>
+          </p:cNvPicPr>
+          <p:nvPr/>
+        </p:nvPicPr>
+        <p:blipFill>
+          <a:blip r:embed="rId5"/>
+          <a:stretch>
+            <a:fillRect/>
+          </a:stretch>
+        </p:blipFill>
+        <p:spPr>
+          <a:xfrm>
+            <a:off x="900444" y="3435654"/>
+            <a:ext cx="477111" cy="439081"/>
+          </a:xfrm>
+          <a:prstGeom prst="rect">
+            <a:avLst/>
+          </a:prstGeom>
+        </p:spPr>
+      </p:pic>
+      <p:pic>
+        <p:nvPicPr>
+          <p:cNvPr id="21" name="Picture 20">
+            <a:extLst>
+              <a:ext uri="{FF2B5EF4-FFF2-40B4-BE49-F238E27FC236}">
+                <a16:creationId xmlns:a16="http://schemas.microsoft.com/office/drawing/2014/main" id="{F8714705-9E7C-313A-5DA1-B8CCDFCDD775}"/>
+              </a:ext>
+            </a:extLst>
+          </p:cNvPr>
+          <p:cNvPicPr>
+            <a:picLocks noChangeAspect="1"/>
+          </p:cNvPicPr>
+          <p:nvPr/>
+        </p:nvPicPr>
+        <p:blipFill>
+          <a:blip r:embed="rId5"/>
+          <a:stretch>
+            <a:fillRect/>
+          </a:stretch>
+        </p:blipFill>
+        <p:spPr>
+          <a:xfrm>
+            <a:off x="900443" y="4279173"/>
+            <a:ext cx="477111" cy="439081"/>
+          </a:xfrm>
+          <a:prstGeom prst="rect">
+            <a:avLst/>
+          </a:prstGeom>
+        </p:spPr>
+      </p:pic>
+      <p:pic>
+        <p:nvPicPr>
+          <p:cNvPr id="23" name="Picture 22">
+            <a:extLst>
+              <a:ext uri="{FF2B5EF4-FFF2-40B4-BE49-F238E27FC236}">
+                <a16:creationId xmlns:a16="http://schemas.microsoft.com/office/drawing/2014/main" id="{45EF14E1-BE3A-58AF-90D1-33D09F2E526A}"/>
+              </a:ext>
+            </a:extLst>
+          </p:cNvPr>
+          <p:cNvPicPr>
+            <a:picLocks noChangeAspect="1"/>
+          </p:cNvPicPr>
+          <p:nvPr/>
+        </p:nvPicPr>
+        <p:blipFill>
+          <a:blip r:embed="rId6"/>
+          <a:stretch>
+            <a:fillRect/>
+          </a:stretch>
+        </p:blipFill>
+        <p:spPr>
+          <a:xfrm>
+            <a:off x="879668" y="4985760"/>
+            <a:ext cx="513934" cy="503062"/>
+          </a:xfrm>
+          <a:prstGeom prst="rect">
+            <a:avLst/>
+          </a:prstGeom>
+        </p:spPr>
+      </p:pic>
+    </p:spTree>
+    <p:extLst>
+      <p:ext uri="{BB962C8B-B14F-4D97-AF65-F5344CB8AC3E}">
+        <p14:creationId xmlns:p14="http://schemas.microsoft.com/office/powerpoint/2010/main" val="676199087"/>
+      </p:ext>
+    </p:extLst>
+  </p:cSld>
+  <p:clrMapOvr>
+    <a:masterClrMapping/>
+  </p:clrMapOvr>
+  <p:timing>
+    <p:tnLst>
+      <p:par>
+        <p:cTn id="1" dur="indefinite" restart="never" nodeType="tmRoot">
+          <p:childTnLst>
+            <p:seq concurrent="1" nextAc="seek">
+              <p:cTn id="2" dur="indefinite" nodeType="mainSeq">
+                <p:childTnLst>
+                  <p:par>
+                    <p:cTn id="3" fill="hold">
+                      <p:stCondLst>
+                        <p:cond delay="indefinite"/>
+                        <p:cond evt="onBegin" delay="0">
+                          <p:tn val="2"/>
+                        </p:cond>
+                      </p:stCondLst>
+                      <p:childTnLst>
+                        <p:par>
+                          <p:cTn id="4" fill="hold">
+                            <p:stCondLst>
+                              <p:cond delay="0"/>
+                            </p:stCondLst>
+                            <p:childTnLst>
+                              <p:par>
+                                <p:cTn id="5" presetID="10" presetClass="entr" presetSubtype="0" fill="hold" grpId="0" nodeType="withEffect">
+                                  <p:stCondLst>
+                                    <p:cond delay="1000"/>
+                                  </p:stCondLst>
+                                  <p:iterate>
+                                    <p:tmPct val="10000"/>
+                                  </p:iterate>
+                                  <p:childTnLst>
+                                    <p:set>
+                                      <p:cBhvr>
+                                        <p:cTn id="6" dur="1" fill="hold">
+                                          <p:stCondLst>
+                                            <p:cond delay="0"/>
+                                          </p:stCondLst>
+                                        </p:cTn>
+                                        <p:tgtEl>
+                                          <p:spTgt spid="4"/>
+                                        </p:tgtEl>
+                                        <p:attrNameLst>
+                                          <p:attrName>style.visibility</p:attrName>
+                                        </p:attrNameLst>
+                                      </p:cBhvr>
+                                      <p:to>
+                                        <p:strVal val="visible"/>
+                                      </p:to>
+                                    </p:set>
+                                    <p:animEffect transition="in" filter="fade">
+                                      <p:cBhvr>
+                                        <p:cTn id="7" dur="700"/>
+                                        <p:tgtEl>
+                                          <p:spTgt spid="4"/>
+                                        </p:tgtEl>
+                                      </p:cBhvr>
+                                    </p:animEffect>
+                                  </p:childTnLst>
+                                </p:cTn>
+                              </p:par>
+                            </p:childTnLst>
+                          </p:cTn>
+                        </p:par>
+                      </p:childTnLst>
+                    </p:cTn>
+                  </p:par>
+                </p:childTnLst>
+              </p:cTn>
+              <p:prevCondLst>
+                <p:cond evt="onPrev" delay="0">
+                  <p:tgtEl>
+                    <p:sldTgt/>
+                  </p:tgtEl>
+                </p:cond>
+              </p:prevCondLst>
+              <p:nextCondLst>
+                <p:cond evt="onNext" delay="0">
+                  <p:tgtEl>
+                    <p:sldTgt/>
+                  </p:tgtEl>
+                </p:cond>
+              </p:nextCondLst>
+            </p:seq>
+          </p:childTnLst>
+        </p:cTn>
+      </p:par>
+    </p:tnLst>
+    <p:bldLst>
+      <p:bldP spid="4" grpId="0"/>
+    </p:bldLst>
+  </p:timing>
+</p:sld>
+</file>
+
+<file path=ppt/slides/slide5.xml><?xml version="1.0" encoding="utf-8"?>
+<p:sld xmlns:a="http://schemas.openxmlformats.org/drawingml/2006/main" xmlns:r="http://schemas.openxmlformats.org/officeDocument/2006/relationships" xmlns:p="http://schemas.openxmlformats.org/presentationml/2006/main">
+  <p:cSld>
+    <p:spTree>
+      <p:nvGrpSpPr>
+        <p:cNvPr id="1" name=""/>
+        <p:cNvGrpSpPr/>
+        <p:nvPr/>
+      </p:nvGrpSpPr>
+      <p:grpSpPr>
+        <a:xfrm>
+          <a:off x="0" y="0"/>
+          <a:ext cx="0" cy="0"/>
+          <a:chOff x="0" y="0"/>
+          <a:chExt cx="0" cy="0"/>
+        </a:xfrm>
+      </p:grpSpPr>
+      <p:pic>
+        <p:nvPicPr>
+          <p:cNvPr id="3" name="Picture 2">
+            <a:extLst>
+              <a:ext uri="{FF2B5EF4-FFF2-40B4-BE49-F238E27FC236}">
+                <a16:creationId xmlns:a16="http://schemas.microsoft.com/office/drawing/2014/main" id="{D16EDAA3-6964-898D-5FAE-BE77CD323E27}"/>
+              </a:ext>
+            </a:extLst>
+          </p:cNvPr>
+          <p:cNvPicPr>
+            <a:picLocks noChangeAspect="1"/>
+          </p:cNvPicPr>
+          <p:nvPr/>
+        </p:nvPicPr>
+        <p:blipFill>
+          <a:blip r:embed="rId2"/>
+          <a:stretch>
+            <a:fillRect/>
+          </a:stretch>
+        </p:blipFill>
+        <p:spPr>
+          <a:xfrm>
+            <a:off x="2857407" y="1960355"/>
+            <a:ext cx="5759174" cy="2546990"/>
+          </a:xfrm>
+          <a:prstGeom prst="rect">
+            <a:avLst/>
+          </a:prstGeom>
+        </p:spPr>
+      </p:pic>
+      <p:sp>
+        <p:nvSpPr>
+          <p:cNvPr id="4" name="Title 1">
+            <a:extLst>
+              <a:ext uri="{FF2B5EF4-FFF2-40B4-BE49-F238E27FC236}">
+                <a16:creationId xmlns:a16="http://schemas.microsoft.com/office/drawing/2014/main" id="{C5EF72B0-B0CB-9CEC-42AC-5C3623C91666}"/>
+              </a:ext>
+            </a:extLst>
+          </p:cNvPr>
+          <p:cNvSpPr txBox="1">
+            <a:spLocks/>
+          </p:cNvSpPr>
+          <p:nvPr/>
+        </p:nvSpPr>
+        <p:spPr>
+          <a:xfrm>
+            <a:off x="838200" y="365125"/>
+            <a:ext cx="8679024" cy="1325563"/>
+          </a:xfrm>
+          <a:prstGeom prst="rect">
+            <a:avLst/>
+          </a:prstGeom>
+        </p:spPr>
+        <p:txBody>
+          <a:bodyPr vert="horz" lIns="91440" tIns="45720" rIns="91440" bIns="45720" rtlCol="0" anchor="ctr">
+            <a:normAutofit/>
+          </a:bodyPr>
+          <a:lstStyle>
+            <a:lvl1pPr algn="l" defTabSz="914400" rtl="0" eaLnBrk="1" latinLnBrk="0" hangingPunct="1">
+              <a:lnSpc>
+                <a:spcPct val="90000"/>
+              </a:lnSpc>
+              <a:spcBef>
+                <a:spcPct val="0"/>
+              </a:spcBef>
+              <a:buNone/>
+              <a:defRPr sz="4000" kern="1200">
+                <a:solidFill>
+                  <a:schemeClr val="tx1"/>
+                </a:solidFill>
+                <a:latin typeface="+mj-lt"/>
+                <a:ea typeface="+mj-ea"/>
+                <a:cs typeface="+mj-cs"/>
+              </a:defRPr>
+            </a:lvl1pPr>
+          </a:lstStyle>
+          <a:p>
+            <a:pPr>
+              <a:spcAft>
+                <a:spcPts val="600"/>
+              </a:spcAft>
+            </a:pPr>
+            <a:r>
+              <a:rPr lang="tr-TR" sz="4400" kern="1200" dirty="0">
+                <a:solidFill>
+                  <a:schemeClr val="tx1"/>
+                </a:solidFill>
+                <a:latin typeface="+mj-lt"/>
+                <a:ea typeface="+mj-ea"/>
+                <a:cs typeface="+mj-cs"/>
+              </a:rPr>
+              <a:t>Final Data</a:t>
+            </a:r>
+            <a:endParaRPr lang="en-US" sz="4400" kern="1200" dirty="0">
+              <a:solidFill>
+                <a:schemeClr val="tx1"/>
+              </a:solidFill>
+              <a:latin typeface="+mj-lt"/>
+              <a:ea typeface="+mj-ea"/>
+              <a:cs typeface="+mj-cs"/>
+            </a:endParaRPr>
           </a:p>
         </p:txBody>
       </p:sp>
     </p:spTree>
     <p:extLst>
       <p:ext uri="{BB962C8B-B14F-4D97-AF65-F5344CB8AC3E}">
-        <p14:creationId xmlns:p14="http://schemas.microsoft.com/office/powerpoint/2010/main" val="676199087"/>
+        <p14:creationId xmlns:p14="http://schemas.microsoft.com/office/powerpoint/2010/main" val="925807700"/>
+      </p:ext>
+    </p:extLst>
+  </p:cSld>
+  <p:clrMapOvr>
+    <a:masterClrMapping/>
+  </p:clrMapOvr>
+  <p:timing>
+    <p:tnLst>
+      <p:par>
+        <p:cTn id="1" dur="indefinite" restart="never" nodeType="tmRoot">
+          <p:childTnLst>
+            <p:seq concurrent="1" nextAc="seek">
+              <p:cTn id="2" dur="indefinite" nodeType="mainSeq">
+                <p:childTnLst>
+                  <p:par>
+                    <p:cTn id="3" fill="hold">
+                      <p:stCondLst>
+                        <p:cond delay="indefinite"/>
+                        <p:cond evt="onBegin" delay="0">
+                          <p:tn val="2"/>
+                        </p:cond>
+                      </p:stCondLst>
+                      <p:childTnLst>
+                        <p:par>
+                          <p:cTn id="4" fill="hold">
+                            <p:stCondLst>
+                              <p:cond delay="0"/>
+                            </p:stCondLst>
+                            <p:childTnLst>
+                              <p:par>
+                                <p:cTn id="5" presetID="10" presetClass="entr" presetSubtype="0" fill="hold" grpId="0" nodeType="withEffect">
+                                  <p:stCondLst>
+                                    <p:cond delay="1000"/>
+                                  </p:stCondLst>
+                                  <p:iterate>
+                                    <p:tmPct val="10000"/>
+                                  </p:iterate>
+                                  <p:childTnLst>
+                                    <p:set>
+                                      <p:cBhvr>
+                                        <p:cTn id="6" dur="1" fill="hold">
+                                          <p:stCondLst>
+                                            <p:cond delay="0"/>
+                                          </p:stCondLst>
+                                        </p:cTn>
+                                        <p:tgtEl>
+                                          <p:spTgt spid="4"/>
+                                        </p:tgtEl>
+                                        <p:attrNameLst>
+                                          <p:attrName>style.visibility</p:attrName>
+                                        </p:attrNameLst>
+                                      </p:cBhvr>
+                                      <p:to>
+                                        <p:strVal val="visible"/>
+                                      </p:to>
+                                    </p:set>
+                                    <p:animEffect transition="in" filter="fade">
+                                      <p:cBhvr>
+                                        <p:cTn id="7" dur="700"/>
+                                        <p:tgtEl>
+                                          <p:spTgt spid="4"/>
+                                        </p:tgtEl>
+                                      </p:cBhvr>
+                                    </p:animEffect>
+                                  </p:childTnLst>
+                                </p:cTn>
+                              </p:par>
+                            </p:childTnLst>
+                          </p:cTn>
+                        </p:par>
+                      </p:childTnLst>
+                    </p:cTn>
+                  </p:par>
+                </p:childTnLst>
+              </p:cTn>
+              <p:prevCondLst>
+                <p:cond evt="onPrev" delay="0">
+                  <p:tgtEl>
+                    <p:sldTgt/>
+                  </p:tgtEl>
+                </p:cond>
+              </p:prevCondLst>
+              <p:nextCondLst>
+                <p:cond evt="onNext" delay="0">
+                  <p:tgtEl>
+                    <p:sldTgt/>
+                  </p:tgtEl>
+                </p:cond>
+              </p:nextCondLst>
+            </p:seq>
+          </p:childTnLst>
+        </p:cTn>
+      </p:par>
+    </p:tnLst>
+    <p:bldLst>
+      <p:bldP spid="4" grpId="0"/>
+    </p:bldLst>
+  </p:timing>
+</p:sld>
+</file>
+
+<file path=ppt/slides/slide6.xml><?xml version="1.0" encoding="utf-8"?>
+<p:sld xmlns:a="http://schemas.openxmlformats.org/drawingml/2006/main" xmlns:r="http://schemas.openxmlformats.org/officeDocument/2006/relationships" xmlns:p="http://schemas.openxmlformats.org/presentationml/2006/main">
+  <p:cSld>
+    <p:bg>
+      <p:bgPr>
+        <a:solidFill>
+          <a:schemeClr val="bg1"/>
+        </a:solidFill>
+        <a:effectLst/>
+      </p:bgPr>
+    </p:bg>
+    <p:spTree>
+      <p:nvGrpSpPr>
+        <p:cNvPr id="1" name=""/>
+        <p:cNvGrpSpPr/>
+        <p:nvPr/>
+      </p:nvGrpSpPr>
+      <p:grpSpPr>
+        <a:xfrm>
+          <a:off x="0" y="0"/>
+          <a:ext cx="0" cy="0"/>
+          <a:chOff x="0" y="0"/>
+          <a:chExt cx="0" cy="0"/>
+        </a:xfrm>
+      </p:grpSpPr>
+      <p:sp>
+        <p:nvSpPr>
+          <p:cNvPr id="14" name="Freeform: Shape 13">
+            <a:extLst>
+              <a:ext uri="{FF2B5EF4-FFF2-40B4-BE49-F238E27FC236}">
+                <a16:creationId xmlns:a16="http://schemas.microsoft.com/office/drawing/2014/main" id="{23DA7759-3209-4FE2-96D1-4EEDD81E9EA0}"/>
+              </a:ext>
+              <a:ext uri="{C183D7F6-B498-43B3-948B-1728B52AA6E4}">
+                <adec:decorative xmlns:adec="http://schemas.microsoft.com/office/drawing/2017/decorative" val="1"/>
+              </a:ext>
+            </a:extLst>
+          </p:cNvPr>
+          <p:cNvSpPr>
+            <a:spLocks noGrp="1" noRot="1" noChangeAspect="1" noMove="1" noResize="1" noEditPoints="1" noAdjustHandles="1" noChangeArrowheads="1" noChangeShapeType="1" noTextEdit="1"/>
+          </p:cNvSpPr>
+          <p:nvPr>
+            <p:extLst>
+              <p:ext uri="{386F3935-93C4-4BCD-93E2-E3B085C9AB24}">
+                <p16:designElem xmlns:p16="http://schemas.microsoft.com/office/powerpoint/2015/main" val="1"/>
+              </p:ext>
+            </p:extLst>
+          </p:nvPr>
+        </p:nvSpPr>
+        <p:spPr>
+          <a:xfrm>
+            <a:off x="10494433" y="2"/>
+            <a:ext cx="849328" cy="357668"/>
+          </a:xfrm>
+          <a:custGeom>
+            <a:avLst/>
+            <a:gdLst/>
+            <a:ahLst/>
+            <a:cxnLst/>
+            <a:rect l="l" t="t" r="r" b="b"/>
+            <a:pathLst>
+              <a:path w="1135066" h="477997">
+                <a:moveTo>
+                  <a:pt x="0" y="0"/>
+                </a:moveTo>
+                <a:lnTo>
+                  <a:pt x="1135066" y="0"/>
+                </a:lnTo>
+                <a:lnTo>
+                  <a:pt x="1133370" y="16827"/>
+                </a:lnTo>
+                <a:cubicBezTo>
+                  <a:pt x="1079514" y="280016"/>
+                  <a:pt x="846644" y="477997"/>
+                  <a:pt x="567533" y="477997"/>
+                </a:cubicBezTo>
+                <a:cubicBezTo>
+                  <a:pt x="288422" y="477997"/>
+                  <a:pt x="55552" y="280016"/>
+                  <a:pt x="1696" y="16827"/>
+                </a:cubicBezTo>
+                <a:close/>
+              </a:path>
+            </a:pathLst>
+          </a:custGeom>
+          <a:solidFill>
+            <a:schemeClr val="accent4"/>
+          </a:solidFill>
+          <a:ln>
+            <a:noFill/>
+          </a:ln>
+        </p:spPr>
+        <p:style>
+          <a:lnRef idx="2">
+            <a:schemeClr val="accent1">
+              <a:shade val="50000"/>
+            </a:schemeClr>
+          </a:lnRef>
+          <a:fillRef idx="1">
+            <a:schemeClr val="accent1"/>
+          </a:fillRef>
+          <a:effectRef idx="0">
+            <a:schemeClr val="accent1"/>
+          </a:effectRef>
+          <a:fontRef idx="minor">
+            <a:schemeClr val="lt1"/>
+          </a:fontRef>
+        </p:style>
+        <p:txBody>
+          <a:bodyPr wrap="square" rtlCol="0" anchor="ctr">
+            <a:noAutofit/>
+          </a:bodyPr>
+          <a:lstStyle/>
+          <a:p>
+            <a:pPr marL="0" marR="0" lvl="0" indent="0" algn="ctr" defTabSz="914400" rtl="0" eaLnBrk="1" fontAlgn="auto" latinLnBrk="0" hangingPunct="1">
+              <a:lnSpc>
+                <a:spcPct val="100000"/>
+              </a:lnSpc>
+              <a:spcBef>
+                <a:spcPts val="0"/>
+              </a:spcBef>
+              <a:spcAft>
+                <a:spcPts val="0"/>
+              </a:spcAft>
+              <a:buClrTx/>
+              <a:buSzTx/>
+              <a:buFontTx/>
+              <a:buNone/>
+              <a:tabLst/>
+              <a:defRPr/>
+            </a:pPr>
+            <a:endParaRPr kumimoji="0" lang="en-US" sz="1800" b="0" i="0" u="none" strike="noStrike" kern="1200" cap="none" spc="0" normalizeH="0" baseline="0" noProof="0">
+              <a:ln>
+                <a:noFill/>
+              </a:ln>
+              <a:solidFill>
+                <a:prstClr val="white"/>
+              </a:solidFill>
+              <a:effectLst/>
+              <a:uLnTx/>
+              <a:uFillTx/>
+              <a:latin typeface="Calibri" panose="020F0502020204030204"/>
+              <a:ea typeface="+mn-ea"/>
+              <a:cs typeface="+mn-cs"/>
+            </a:endParaRPr>
+          </a:p>
+        </p:txBody>
+      </p:sp>
+      <p:sp>
+        <p:nvSpPr>
+          <p:cNvPr id="16" name="Freeform: Shape 15">
+            <a:extLst>
+              <a:ext uri="{FF2B5EF4-FFF2-40B4-BE49-F238E27FC236}">
+                <a16:creationId xmlns:a16="http://schemas.microsoft.com/office/drawing/2014/main" id="{41460DAD-8769-4C9F-9C8C-BB0443909D76}"/>
+              </a:ext>
+              <a:ext uri="{C183D7F6-B498-43B3-948B-1728B52AA6E4}">
+                <adec:decorative xmlns:adec="http://schemas.microsoft.com/office/drawing/2017/decorative" val="1"/>
+              </a:ext>
+            </a:extLst>
+          </p:cNvPr>
+          <p:cNvSpPr>
+            <a:spLocks noGrp="1" noRot="1" noChangeAspect="1" noMove="1" noResize="1" noEditPoints="1" noAdjustHandles="1" noChangeArrowheads="1" noChangeShapeType="1" noTextEdit="1"/>
+          </p:cNvSpPr>
+          <p:nvPr>
+            <p:extLst>
+              <p:ext uri="{386F3935-93C4-4BCD-93E2-E3B085C9AB24}">
+                <p16:designElem xmlns:p16="http://schemas.microsoft.com/office/powerpoint/2015/main" val="1"/>
+              </p:ext>
+            </p:extLst>
+          </p:nvPr>
+        </p:nvSpPr>
+        <p:spPr>
+          <a:xfrm flipH="1">
+            <a:off x="123536" y="5717905"/>
+            <a:ext cx="1771609" cy="1140095"/>
+          </a:xfrm>
+          <a:custGeom>
+            <a:avLst/>
+            <a:gdLst/>
+            <a:ahLst/>
+            <a:cxnLst/>
+            <a:rect l="l" t="t" r="r" b="b"/>
+            <a:pathLst>
+              <a:path w="1771609" h="1140095">
+                <a:moveTo>
+                  <a:pt x="1561721" y="763041"/>
+                </a:moveTo>
+                <a:cubicBezTo>
+                  <a:pt x="1585506" y="760324"/>
+                  <a:pt x="1609722" y="771249"/>
+                  <a:pt x="1623024" y="792810"/>
+                </a:cubicBezTo>
+                <a:cubicBezTo>
+                  <a:pt x="1656300" y="850065"/>
+                  <a:pt x="1685920" y="909291"/>
+                  <a:pt x="1711735" y="970132"/>
+                </a:cubicBezTo>
+                <a:lnTo>
+                  <a:pt x="1771609" y="1140095"/>
+                </a:lnTo>
+                <a:lnTo>
+                  <a:pt x="1637225" y="1140095"/>
+                </a:lnTo>
+                <a:lnTo>
+                  <a:pt x="1594820" y="1019711"/>
+                </a:lnTo>
+                <a:cubicBezTo>
+                  <a:pt x="1571072" y="963753"/>
+                  <a:pt x="1543818" y="909282"/>
+                  <a:pt x="1513200" y="856627"/>
+                </a:cubicBezTo>
+                <a:cubicBezTo>
+                  <a:pt x="1496379" y="825834"/>
+                  <a:pt x="1507704" y="787236"/>
+                  <a:pt x="1538499" y="770415"/>
+                </a:cubicBezTo>
+                <a:cubicBezTo>
+                  <a:pt x="1545912" y="766367"/>
+                  <a:pt x="1553792" y="763946"/>
+                  <a:pt x="1561721" y="763041"/>
+                </a:cubicBezTo>
+                <a:close/>
+                <a:moveTo>
+                  <a:pt x="933455" y="161309"/>
+                </a:moveTo>
+                <a:cubicBezTo>
+                  <a:pt x="941693" y="161855"/>
+                  <a:pt x="949959" y="164025"/>
+                  <a:pt x="957797" y="167970"/>
+                </a:cubicBezTo>
+                <a:cubicBezTo>
+                  <a:pt x="1076184" y="227289"/>
+                  <a:pt x="1186759" y="301068"/>
+                  <a:pt x="1286982" y="387616"/>
+                </a:cubicBezTo>
+                <a:cubicBezTo>
+                  <a:pt x="1313547" y="410457"/>
+                  <a:pt x="1316566" y="450510"/>
+                  <a:pt x="1293725" y="477075"/>
+                </a:cubicBezTo>
+                <a:cubicBezTo>
+                  <a:pt x="1281638" y="491137"/>
+                  <a:pt x="1263998" y="499204"/>
+                  <a:pt x="1245453" y="499154"/>
+                </a:cubicBezTo>
+                <a:lnTo>
+                  <a:pt x="1245167" y="499154"/>
+                </a:lnTo>
+                <a:cubicBezTo>
+                  <a:pt x="1229965" y="499301"/>
+                  <a:pt x="1215220" y="493956"/>
+                  <a:pt x="1203638" y="484104"/>
+                </a:cubicBezTo>
+                <a:cubicBezTo>
+                  <a:pt x="1111407" y="404300"/>
+                  <a:pt x="1009633" y="336248"/>
+                  <a:pt x="900647" y="281508"/>
+                </a:cubicBezTo>
+                <a:cubicBezTo>
+                  <a:pt x="869295" y="265726"/>
+                  <a:pt x="856672" y="227516"/>
+                  <a:pt x="872454" y="196164"/>
+                </a:cubicBezTo>
+                <a:cubicBezTo>
+                  <a:pt x="884290" y="172650"/>
+                  <a:pt x="908742" y="159670"/>
+                  <a:pt x="933455" y="161309"/>
+                </a:cubicBezTo>
+                <a:close/>
+                <a:moveTo>
+                  <a:pt x="256260" y="29"/>
+                </a:moveTo>
+                <a:cubicBezTo>
+                  <a:pt x="322331" y="427"/>
+                  <a:pt x="388378" y="4909"/>
+                  <a:pt x="454020" y="13474"/>
+                </a:cubicBezTo>
+                <a:cubicBezTo>
+                  <a:pt x="488793" y="17752"/>
+                  <a:pt x="513514" y="49409"/>
+                  <a:pt x="509236" y="84182"/>
+                </a:cubicBezTo>
+                <a:cubicBezTo>
+                  <a:pt x="505303" y="116151"/>
+                  <a:pt x="478038" y="140098"/>
+                  <a:pt x="445829" y="139871"/>
+                </a:cubicBezTo>
+                <a:cubicBezTo>
+                  <a:pt x="443027" y="139899"/>
+                  <a:pt x="440227" y="139740"/>
+                  <a:pt x="437447" y="139395"/>
+                </a:cubicBezTo>
+                <a:cubicBezTo>
+                  <a:pt x="316592" y="123615"/>
+                  <a:pt x="194247" y="122878"/>
+                  <a:pt x="73211" y="137204"/>
+                </a:cubicBezTo>
+                <a:cubicBezTo>
+                  <a:pt x="38532" y="142545"/>
+                  <a:pt x="6090" y="118762"/>
+                  <a:pt x="749" y="84082"/>
+                </a:cubicBezTo>
+                <a:cubicBezTo>
+                  <a:pt x="-4591" y="49403"/>
+                  <a:pt x="19192" y="16961"/>
+                  <a:pt x="53871" y="11621"/>
+                </a:cubicBezTo>
+                <a:cubicBezTo>
+                  <a:pt x="55358" y="11392"/>
+                  <a:pt x="56852" y="11216"/>
+                  <a:pt x="58352" y="11093"/>
+                </a:cubicBezTo>
+                <a:cubicBezTo>
+                  <a:pt x="124093" y="3319"/>
+                  <a:pt x="190189" y="-369"/>
+                  <a:pt x="256260" y="29"/>
+                </a:cubicBezTo>
+                <a:close/>
+              </a:path>
+            </a:pathLst>
+          </a:custGeom>
+          <a:solidFill>
+            <a:schemeClr val="accent4"/>
+          </a:solidFill>
+          <a:ln w="9525" cap="flat">
+            <a:noFill/>
+            <a:prstDash val="solid"/>
+            <a:miter/>
+          </a:ln>
+        </p:spPr>
+        <p:txBody>
+          <a:bodyPr rtlCol="0" anchor="ctr"/>
+          <a:lstStyle/>
+          <a:p>
+            <a:pPr marL="0" marR="0" lvl="0" indent="0" algn="l" defTabSz="914400" rtl="0" eaLnBrk="1" fontAlgn="auto" latinLnBrk="0" hangingPunct="1">
+              <a:lnSpc>
+                <a:spcPct val="100000"/>
+              </a:lnSpc>
+              <a:spcBef>
+                <a:spcPts val="0"/>
+              </a:spcBef>
+              <a:spcAft>
+                <a:spcPts val="0"/>
+              </a:spcAft>
+              <a:buClrTx/>
+              <a:buSzTx/>
+              <a:buFontTx/>
+              <a:buNone/>
+              <a:tabLst/>
+              <a:defRPr/>
+            </a:pPr>
+            <a:endParaRPr kumimoji="0" lang="en-US" sz="1800" b="0" i="0" u="none" strike="noStrike" kern="1200" cap="none" spc="0" normalizeH="0" baseline="0" noProof="0">
+              <a:ln>
+                <a:noFill/>
+              </a:ln>
+              <a:solidFill>
+                <a:prstClr val="black"/>
+              </a:solidFill>
+              <a:effectLst/>
+              <a:uLnTx/>
+              <a:uFillTx/>
+              <a:latin typeface="Calibri" panose="020F0502020204030204"/>
+              <a:ea typeface="+mn-ea"/>
+              <a:cs typeface="+mn-cs"/>
+            </a:endParaRPr>
+          </a:p>
+        </p:txBody>
+      </p:sp>
+      <p:sp useBgFill="1">
+        <p:nvSpPr>
+          <p:cNvPr id="18" name="Rectangle 17">
+            <a:extLst>
+              <a:ext uri="{FF2B5EF4-FFF2-40B4-BE49-F238E27FC236}">
+                <a16:creationId xmlns:a16="http://schemas.microsoft.com/office/drawing/2014/main" id="{7DA1F35B-C8F7-4A5A-9339-7DA4D785B300}"/>
+              </a:ext>
+              <a:ext uri="{C183D7F6-B498-43B3-948B-1728B52AA6E4}">
+                <adec:decorative xmlns:adec="http://schemas.microsoft.com/office/drawing/2017/decorative" val="1"/>
+              </a:ext>
+            </a:extLst>
+          </p:cNvPr>
+          <p:cNvSpPr>
+            <a:spLocks noGrp="1" noRot="1" noChangeAspect="1" noMove="1" noResize="1" noEditPoints="1" noAdjustHandles="1" noChangeArrowheads="1" noChangeShapeType="1" noTextEdit="1"/>
+          </p:cNvSpPr>
+          <p:nvPr>
+            <p:extLst>
+              <p:ext uri="{386F3935-93C4-4BCD-93E2-E3B085C9AB24}">
+                <p16:designElem xmlns:p16="http://schemas.microsoft.com/office/powerpoint/2015/main" val="1"/>
+              </p:ext>
+            </p:extLst>
+          </p:nvPr>
+        </p:nvSpPr>
+        <p:spPr>
+          <a:xfrm>
+            <a:off x="0" y="0"/>
+            <a:ext cx="12188952" cy="6858000"/>
+          </a:xfrm>
+          <a:prstGeom prst="rect">
+            <a:avLst/>
+          </a:prstGeom>
+          <a:ln>
+            <a:noFill/>
+          </a:ln>
+        </p:spPr>
+        <p:style>
+          <a:lnRef idx="2">
+            <a:schemeClr val="accent1">
+              <a:shade val="50000"/>
+            </a:schemeClr>
+          </a:lnRef>
+          <a:fillRef idx="1">
+            <a:schemeClr val="accent1"/>
+          </a:fillRef>
+          <a:effectRef idx="0">
+            <a:schemeClr val="accent1"/>
+          </a:effectRef>
+          <a:fontRef idx="minor">
+            <a:schemeClr val="lt1"/>
+          </a:fontRef>
+        </p:style>
+        <p:txBody>
+          <a:bodyPr rtlCol="0" anchor="ctr"/>
+          <a:lstStyle/>
+          <a:p>
+            <a:pPr marL="0" marR="0" lvl="0" indent="0" algn="ctr" defTabSz="914400" rtl="0" eaLnBrk="1" fontAlgn="auto" latinLnBrk="0" hangingPunct="1">
+              <a:lnSpc>
+                <a:spcPct val="100000"/>
+              </a:lnSpc>
+              <a:spcBef>
+                <a:spcPts val="0"/>
+              </a:spcBef>
+              <a:spcAft>
+                <a:spcPts val="0"/>
+              </a:spcAft>
+              <a:buClrTx/>
+              <a:buSzTx/>
+              <a:buFontTx/>
+              <a:buNone/>
+              <a:tabLst/>
+              <a:defRPr/>
+            </a:pPr>
+            <a:endParaRPr kumimoji="0" lang="en-US" sz="1800" b="0" i="0" u="none" strike="noStrike" kern="1200" cap="none" spc="0" normalizeH="0" baseline="0" noProof="0">
+              <a:ln>
+                <a:noFill/>
+              </a:ln>
+              <a:solidFill>
+                <a:prstClr val="white"/>
+              </a:solidFill>
+              <a:effectLst/>
+              <a:uLnTx/>
+              <a:uFillTx/>
+              <a:latin typeface="Calibri" panose="020F0502020204030204"/>
+              <a:ea typeface="+mn-ea"/>
+              <a:cs typeface="+mn-cs"/>
+            </a:endParaRPr>
+          </a:p>
+        </p:txBody>
+      </p:sp>
+      <p:sp>
+        <p:nvSpPr>
+          <p:cNvPr id="20" name="Arc 19">
+            <a:extLst>
+              <a:ext uri="{FF2B5EF4-FFF2-40B4-BE49-F238E27FC236}">
+                <a16:creationId xmlns:a16="http://schemas.microsoft.com/office/drawing/2014/main" id="{B2D4AD41-40DA-4A81-92F5-B6E3BA1ED82A}"/>
+              </a:ext>
+              <a:ext uri="{C183D7F6-B498-43B3-948B-1728B52AA6E4}">
+                <adec:decorative xmlns:adec="http://schemas.microsoft.com/office/drawing/2017/decorative" val="1"/>
+              </a:ext>
+            </a:extLst>
+          </p:cNvPr>
+          <p:cNvSpPr>
+            <a:spLocks noGrp="1" noRot="1" noChangeAspect="1" noMove="1" noResize="1" noEditPoints="1" noAdjustHandles="1" noChangeArrowheads="1" noChangeShapeType="1" noTextEdit="1"/>
+          </p:cNvSpPr>
+          <p:nvPr>
+            <p:extLst>
+              <p:ext uri="{386F3935-93C4-4BCD-93E2-E3B085C9AB24}">
+                <p16:designElem xmlns:p16="http://schemas.microsoft.com/office/powerpoint/2015/main" val="1"/>
+              </p:ext>
+            </p:extLst>
+          </p:nvPr>
+        </p:nvSpPr>
+        <p:spPr>
+          <a:xfrm rot="20746107">
+            <a:off x="8175088" y="457951"/>
+            <a:ext cx="2987899" cy="2987899"/>
+          </a:xfrm>
+          <a:prstGeom prst="arc">
+            <a:avLst>
+              <a:gd name="adj1" fmla="val 14612914"/>
+              <a:gd name="adj2" fmla="val 0"/>
+            </a:avLst>
+          </a:prstGeom>
+          <a:ln w="127000" cap="rnd">
+            <a:solidFill>
+              <a:schemeClr val="accent4"/>
+            </a:solidFill>
+            <a:prstDash val="dash"/>
+          </a:ln>
+        </p:spPr>
+        <p:style>
+          <a:lnRef idx="1">
+            <a:schemeClr val="accent1"/>
+          </a:lnRef>
+          <a:fillRef idx="0">
+            <a:schemeClr val="accent1"/>
+          </a:fillRef>
+          <a:effectRef idx="0">
+            <a:schemeClr val="accent1"/>
+          </a:effectRef>
+          <a:fontRef idx="minor">
+            <a:schemeClr val="tx1"/>
+          </a:fontRef>
+        </p:style>
+        <p:txBody>
+          <a:bodyPr rtlCol="0" anchor="ctr"/>
+          <a:lstStyle/>
+          <a:p>
+            <a:pPr marL="0" marR="0" lvl="0" indent="0" algn="ctr" defTabSz="914400" rtl="0" eaLnBrk="1" fontAlgn="auto" latinLnBrk="0" hangingPunct="1">
+              <a:lnSpc>
+                <a:spcPct val="100000"/>
+              </a:lnSpc>
+              <a:spcBef>
+                <a:spcPts val="0"/>
+              </a:spcBef>
+              <a:spcAft>
+                <a:spcPts val="0"/>
+              </a:spcAft>
+              <a:buClrTx/>
+              <a:buSzTx/>
+              <a:buFontTx/>
+              <a:buNone/>
+              <a:tabLst/>
+              <a:defRPr/>
+            </a:pPr>
+            <a:endParaRPr kumimoji="0" lang="en-US" sz="1800" b="0" i="0" u="none" strike="noStrike" kern="1200" cap="none" spc="0" normalizeH="0" baseline="0" noProof="0">
+              <a:ln>
+                <a:noFill/>
+              </a:ln>
+              <a:solidFill>
+                <a:srgbClr val="000000"/>
+              </a:solidFill>
+              <a:effectLst/>
+              <a:uLnTx/>
+              <a:uFillTx/>
+              <a:latin typeface="Calibri" panose="020F0502020204030204"/>
+              <a:ea typeface="+mn-ea"/>
+              <a:cs typeface="+mn-cs"/>
+            </a:endParaRPr>
+          </a:p>
+        </p:txBody>
+      </p:sp>
+      <p:sp>
+        <p:nvSpPr>
+          <p:cNvPr id="4" name="Title 1">
+            <a:extLst>
+              <a:ext uri="{FF2B5EF4-FFF2-40B4-BE49-F238E27FC236}">
+                <a16:creationId xmlns:a16="http://schemas.microsoft.com/office/drawing/2014/main" id="{C5EF72B0-B0CB-9CEC-42AC-5C3623C91666}"/>
+              </a:ext>
+            </a:extLst>
+          </p:cNvPr>
+          <p:cNvSpPr txBox="1">
+            <a:spLocks/>
+          </p:cNvSpPr>
+          <p:nvPr/>
+        </p:nvSpPr>
+        <p:spPr>
+          <a:xfrm>
+            <a:off x="838200" y="365125"/>
+            <a:ext cx="10515600" cy="1325563"/>
+          </a:xfrm>
+          <a:prstGeom prst="rect">
+            <a:avLst/>
+          </a:prstGeom>
+        </p:spPr>
+        <p:txBody>
+          <a:bodyPr vert="horz" lIns="91440" tIns="45720" rIns="91440" bIns="45720" rtlCol="0" anchor="ctr">
+            <a:normAutofit/>
+          </a:bodyPr>
+          <a:lstStyle>
+            <a:lvl1pPr algn="l" defTabSz="914400" rtl="0" eaLnBrk="1" latinLnBrk="0" hangingPunct="1">
+              <a:lnSpc>
+                <a:spcPct val="90000"/>
+              </a:lnSpc>
+              <a:spcBef>
+                <a:spcPct val="0"/>
+              </a:spcBef>
+              <a:buNone/>
+              <a:defRPr sz="4000" kern="1200">
+                <a:solidFill>
+                  <a:schemeClr val="tx1"/>
+                </a:solidFill>
+                <a:latin typeface="+mj-lt"/>
+                <a:ea typeface="+mj-ea"/>
+                <a:cs typeface="+mj-cs"/>
+              </a:defRPr>
+            </a:lvl1pPr>
+          </a:lstStyle>
+          <a:p>
+            <a:pPr>
+              <a:spcAft>
+                <a:spcPts val="600"/>
+              </a:spcAft>
+            </a:pPr>
+            <a:r>
+              <a:rPr lang="en-US" sz="4400" kern="1200" dirty="0">
+                <a:solidFill>
+                  <a:schemeClr val="tx1"/>
+                </a:solidFill>
+                <a:latin typeface="+mj-lt"/>
+                <a:ea typeface="+mj-ea"/>
+                <a:cs typeface="+mj-cs"/>
+              </a:rPr>
+              <a:t>Graphs &amp; Analytics</a:t>
+            </a:r>
+          </a:p>
+        </p:txBody>
+      </p:sp>
+      <p:pic>
+        <p:nvPicPr>
+          <p:cNvPr id="8" name="Picture 7">
+            <a:extLst>
+              <a:ext uri="{FF2B5EF4-FFF2-40B4-BE49-F238E27FC236}">
+                <a16:creationId xmlns:a16="http://schemas.microsoft.com/office/drawing/2014/main" id="{0E14AD5B-3DB1-78A3-E8D4-E5F5E40D2FF5}"/>
+              </a:ext>
+            </a:extLst>
+          </p:cNvPr>
+          <p:cNvPicPr>
+            <a:picLocks noChangeAspect="1"/>
+          </p:cNvPicPr>
+          <p:nvPr/>
+        </p:nvPicPr>
+        <p:blipFill>
+          <a:blip r:embed="rId3"/>
+          <a:stretch>
+            <a:fillRect/>
+          </a:stretch>
+        </p:blipFill>
+        <p:spPr>
+          <a:xfrm>
+            <a:off x="1481850" y="1483525"/>
+            <a:ext cx="9437247" cy="3740546"/>
+          </a:xfrm>
+          <a:prstGeom prst="rect">
+            <a:avLst/>
+          </a:prstGeom>
+        </p:spPr>
+      </p:pic>
+      <p:sp>
+        <p:nvSpPr>
+          <p:cNvPr id="9" name="TextBox 8">
+            <a:extLst>
+              <a:ext uri="{FF2B5EF4-FFF2-40B4-BE49-F238E27FC236}">
+                <a16:creationId xmlns:a16="http://schemas.microsoft.com/office/drawing/2014/main" id="{4E8E5D35-D760-8AA2-4741-30D09324767B}"/>
+              </a:ext>
+            </a:extLst>
+          </p:cNvPr>
+          <p:cNvSpPr txBox="1"/>
+          <p:nvPr/>
+        </p:nvSpPr>
+        <p:spPr>
+          <a:xfrm>
+            <a:off x="2652553" y="5348415"/>
+            <a:ext cx="3103295" cy="1253869"/>
+          </a:xfrm>
+          <a:prstGeom prst="rect">
+            <a:avLst/>
+          </a:prstGeom>
+          <a:noFill/>
+        </p:spPr>
+        <p:txBody>
+          <a:bodyPr wrap="square" rtlCol="0">
+            <a:spAutoFit/>
+          </a:bodyPr>
+          <a:lstStyle/>
+          <a:p>
+            <a:pPr defTabSz="333756">
+              <a:spcAft>
+                <a:spcPts val="600"/>
+              </a:spcAft>
+            </a:pPr>
+            <a:r>
+              <a:rPr lang="tr-TR" sz="1314" b="1" kern="1200" dirty="0" err="1">
+                <a:solidFill>
+                  <a:schemeClr val="tx1"/>
+                </a:solidFill>
+                <a:latin typeface="+mn-lt"/>
+                <a:ea typeface="+mn-ea"/>
+                <a:cs typeface="+mn-cs"/>
+              </a:rPr>
+              <a:t>The</a:t>
+            </a:r>
+            <a:r>
+              <a:rPr lang="tr-TR" sz="1314" b="1" kern="1200" dirty="0">
+                <a:solidFill>
+                  <a:schemeClr val="tx1"/>
+                </a:solidFill>
+                <a:latin typeface="+mn-lt"/>
+                <a:ea typeface="+mn-ea"/>
+                <a:cs typeface="+mn-cs"/>
+              </a:rPr>
+              <a:t> </a:t>
+            </a:r>
+            <a:r>
+              <a:rPr lang="tr-TR" sz="1314" b="1" kern="1200" dirty="0" err="1">
+                <a:solidFill>
+                  <a:schemeClr val="tx1"/>
+                </a:solidFill>
+                <a:latin typeface="+mn-lt"/>
+                <a:ea typeface="+mn-ea"/>
+                <a:cs typeface="+mn-cs"/>
+              </a:rPr>
+              <a:t>Busiest</a:t>
+            </a:r>
+            <a:r>
+              <a:rPr lang="tr-TR" sz="1314" b="1" kern="1200" dirty="0">
+                <a:solidFill>
+                  <a:schemeClr val="tx1"/>
+                </a:solidFill>
+                <a:latin typeface="+mn-lt"/>
+                <a:ea typeface="+mn-ea"/>
+                <a:cs typeface="+mn-cs"/>
+              </a:rPr>
+              <a:t> Top Three </a:t>
+            </a:r>
+            <a:r>
+              <a:rPr lang="tr-TR" sz="1314" b="1" kern="1200" dirty="0" err="1">
+                <a:solidFill>
+                  <a:schemeClr val="tx1"/>
+                </a:solidFill>
+                <a:latin typeface="+mn-lt"/>
+                <a:ea typeface="+mn-ea"/>
+                <a:cs typeface="+mn-cs"/>
+              </a:rPr>
+              <a:t>Stations</a:t>
+            </a:r>
+            <a:endParaRPr lang="tr-TR" sz="1314" b="1" kern="1200" dirty="0">
+              <a:solidFill>
+                <a:schemeClr val="tx1"/>
+              </a:solidFill>
+              <a:latin typeface="+mn-lt"/>
+              <a:ea typeface="+mn-ea"/>
+              <a:cs typeface="+mn-cs"/>
+            </a:endParaRPr>
+          </a:p>
+          <a:p>
+            <a:pPr defTabSz="333756">
+              <a:spcAft>
+                <a:spcPts val="600"/>
+              </a:spcAft>
+            </a:pPr>
+            <a:endParaRPr lang="tr-TR" sz="730" kern="1200" dirty="0">
+              <a:solidFill>
+                <a:schemeClr val="tx1"/>
+              </a:solidFill>
+              <a:latin typeface="+mn-lt"/>
+              <a:ea typeface="+mn-ea"/>
+              <a:cs typeface="+mn-cs"/>
+            </a:endParaRPr>
+          </a:p>
+          <a:p>
+            <a:pPr marL="542354" lvl="1" indent="-208598" defTabSz="333756">
+              <a:spcAft>
+                <a:spcPts val="600"/>
+              </a:spcAft>
+              <a:buFont typeface="Wingdings" panose="05000000000000000000" pitchFamily="2" charset="2"/>
+              <a:buChar char="Ø"/>
+            </a:pPr>
+            <a:r>
+              <a:rPr lang="tr-TR" sz="1168" b="1" kern="1200" dirty="0">
+                <a:solidFill>
+                  <a:srgbClr val="C00000"/>
+                </a:solidFill>
+                <a:latin typeface="+mn-lt"/>
+                <a:ea typeface="+mn-ea"/>
+                <a:cs typeface="+mn-cs"/>
+              </a:rPr>
+              <a:t>Times Sq-42 </a:t>
+            </a:r>
+            <a:r>
+              <a:rPr lang="tr-TR" sz="1168" b="1" kern="1200" dirty="0" err="1">
+                <a:solidFill>
+                  <a:srgbClr val="C00000"/>
+                </a:solidFill>
+                <a:latin typeface="+mn-lt"/>
+                <a:ea typeface="+mn-ea"/>
+                <a:cs typeface="+mn-cs"/>
+              </a:rPr>
+              <a:t>St</a:t>
+            </a:r>
+            <a:endParaRPr lang="tr-TR" sz="1168" b="1" kern="1200" dirty="0">
+              <a:solidFill>
+                <a:srgbClr val="C00000"/>
+              </a:solidFill>
+              <a:latin typeface="+mn-lt"/>
+              <a:ea typeface="+mn-ea"/>
+              <a:cs typeface="+mn-cs"/>
+            </a:endParaRPr>
+          </a:p>
+          <a:p>
+            <a:pPr marL="542354" lvl="1" indent="-208598" defTabSz="333756">
+              <a:spcAft>
+                <a:spcPts val="600"/>
+              </a:spcAft>
+              <a:buFont typeface="Wingdings" panose="05000000000000000000" pitchFamily="2" charset="2"/>
+              <a:buChar char="Ø"/>
+            </a:pPr>
+            <a:r>
+              <a:rPr lang="tr-TR" sz="1168" b="1" kern="1200" dirty="0">
+                <a:solidFill>
+                  <a:srgbClr val="C00000"/>
+                </a:solidFill>
+                <a:latin typeface="+mn-lt"/>
+                <a:ea typeface="+mn-ea"/>
+                <a:cs typeface="+mn-cs"/>
+              </a:rPr>
+              <a:t>Grand Central-42 </a:t>
+            </a:r>
+            <a:r>
+              <a:rPr lang="tr-TR" sz="1168" b="1" kern="1200" dirty="0" err="1">
+                <a:solidFill>
+                  <a:srgbClr val="C00000"/>
+                </a:solidFill>
+                <a:latin typeface="+mn-lt"/>
+                <a:ea typeface="+mn-ea"/>
+                <a:cs typeface="+mn-cs"/>
+              </a:rPr>
+              <a:t>St</a:t>
+            </a:r>
+            <a:endParaRPr lang="tr-TR" sz="1168" b="1" kern="1200" dirty="0">
+              <a:solidFill>
+                <a:srgbClr val="C00000"/>
+              </a:solidFill>
+              <a:latin typeface="+mn-lt"/>
+              <a:ea typeface="+mn-ea"/>
+              <a:cs typeface="+mn-cs"/>
+            </a:endParaRPr>
+          </a:p>
+          <a:p>
+            <a:pPr marL="542354" lvl="1" indent="-208598" defTabSz="333756">
+              <a:spcAft>
+                <a:spcPts val="600"/>
+              </a:spcAft>
+              <a:buFont typeface="Wingdings" panose="05000000000000000000" pitchFamily="2" charset="2"/>
+              <a:buChar char="Ø"/>
+            </a:pPr>
+            <a:r>
+              <a:rPr lang="tr-TR" sz="1168" b="1" kern="1200" dirty="0">
+                <a:solidFill>
+                  <a:srgbClr val="C00000"/>
+                </a:solidFill>
+                <a:latin typeface="+mn-lt"/>
+                <a:ea typeface="+mn-ea"/>
+                <a:cs typeface="+mn-cs"/>
+              </a:rPr>
+              <a:t>34 </a:t>
+            </a:r>
+            <a:r>
+              <a:rPr lang="tr-TR" sz="1168" b="1" kern="1200" dirty="0" err="1">
+                <a:solidFill>
+                  <a:srgbClr val="C00000"/>
+                </a:solidFill>
+                <a:latin typeface="+mn-lt"/>
+                <a:ea typeface="+mn-ea"/>
+                <a:cs typeface="+mn-cs"/>
+              </a:rPr>
+              <a:t>St</a:t>
+            </a:r>
+            <a:r>
+              <a:rPr lang="tr-TR" sz="1168" b="1" kern="1200" dirty="0">
+                <a:solidFill>
+                  <a:srgbClr val="C00000"/>
+                </a:solidFill>
+                <a:latin typeface="+mn-lt"/>
+                <a:ea typeface="+mn-ea"/>
+                <a:cs typeface="+mn-cs"/>
+              </a:rPr>
+              <a:t>- Herald </a:t>
+            </a:r>
+            <a:r>
+              <a:rPr lang="tr-TR" sz="1168" b="1" kern="1200" dirty="0" err="1">
+                <a:solidFill>
+                  <a:srgbClr val="C00000"/>
+                </a:solidFill>
+                <a:latin typeface="+mn-lt"/>
+                <a:ea typeface="+mn-ea"/>
+                <a:cs typeface="+mn-cs"/>
+              </a:rPr>
+              <a:t>Sq</a:t>
+            </a:r>
+            <a:endParaRPr lang="tr-TR" sz="1600" b="1" dirty="0">
+              <a:solidFill>
+                <a:srgbClr val="C00000"/>
+              </a:solidFill>
+            </a:endParaRPr>
+          </a:p>
+        </p:txBody>
+      </p:sp>
+      <p:pic>
+        <p:nvPicPr>
+          <p:cNvPr id="5" name="Picture 4">
+            <a:extLst>
+              <a:ext uri="{FF2B5EF4-FFF2-40B4-BE49-F238E27FC236}">
+                <a16:creationId xmlns:a16="http://schemas.microsoft.com/office/drawing/2014/main" id="{E58665DB-9BC9-E2F4-B59D-AE84F10645DC}"/>
+              </a:ext>
+            </a:extLst>
+          </p:cNvPr>
+          <p:cNvPicPr>
+            <a:picLocks noChangeAspect="1"/>
+          </p:cNvPicPr>
+          <p:nvPr/>
+        </p:nvPicPr>
+        <p:blipFill>
+          <a:blip r:embed="rId4"/>
+          <a:stretch>
+            <a:fillRect/>
+          </a:stretch>
+        </p:blipFill>
+        <p:spPr>
+          <a:xfrm>
+            <a:off x="5276681" y="5348415"/>
+            <a:ext cx="1236742" cy="1129525"/>
+          </a:xfrm>
+          <a:prstGeom prst="rect">
+            <a:avLst/>
+          </a:prstGeom>
+        </p:spPr>
+      </p:pic>
+    </p:spTree>
+    <p:extLst>
+      <p:ext uri="{BB962C8B-B14F-4D97-AF65-F5344CB8AC3E}">
+        <p14:creationId xmlns:p14="http://schemas.microsoft.com/office/powerpoint/2010/main" val="1667242598"/>
+      </p:ext>
+    </p:extLst>
+  </p:cSld>
+  <p:clrMapOvr>
+    <a:masterClrMapping/>
+  </p:clrMapOvr>
+  <p:timing>
+    <p:tnLst>
+      <p:par>
+        <p:cTn id="1" dur="indefinite" restart="never" nodeType="tmRoot">
+          <p:childTnLst>
+            <p:seq concurrent="1" nextAc="seek">
+              <p:cTn id="2" dur="indefinite" nodeType="mainSeq">
+                <p:childTnLst>
+                  <p:par>
+                    <p:cTn id="3" fill="hold">
+                      <p:stCondLst>
+                        <p:cond delay="indefinite"/>
+                        <p:cond evt="onBegin" delay="0">
+                          <p:tn val="2"/>
+                        </p:cond>
+                      </p:stCondLst>
+                      <p:childTnLst>
+                        <p:par>
+                          <p:cTn id="4" fill="hold">
+                            <p:stCondLst>
+                              <p:cond delay="0"/>
+                            </p:stCondLst>
+                            <p:childTnLst>
+                              <p:par>
+                                <p:cTn id="5" presetID="10" presetClass="entr" presetSubtype="0" fill="hold" grpId="0" nodeType="withEffect">
+                                  <p:stCondLst>
+                                    <p:cond delay="1000"/>
+                                  </p:stCondLst>
+                                  <p:iterate>
+                                    <p:tmPct val="10000"/>
+                                  </p:iterate>
+                                  <p:childTnLst>
+                                    <p:set>
+                                      <p:cBhvr>
+                                        <p:cTn id="6" dur="1" fill="hold">
+                                          <p:stCondLst>
+                                            <p:cond delay="0"/>
+                                          </p:stCondLst>
+                                        </p:cTn>
+                                        <p:tgtEl>
+                                          <p:spTgt spid="4"/>
+                                        </p:tgtEl>
+                                        <p:attrNameLst>
+                                          <p:attrName>style.visibility</p:attrName>
+                                        </p:attrNameLst>
+                                      </p:cBhvr>
+                                      <p:to>
+                                        <p:strVal val="visible"/>
+                                      </p:to>
+                                    </p:set>
+                                    <p:animEffect transition="in" filter="fade">
+                                      <p:cBhvr>
+                                        <p:cTn id="7" dur="700"/>
+                                        <p:tgtEl>
+                                          <p:spTgt spid="4"/>
+                                        </p:tgtEl>
+                                      </p:cBhvr>
+                                    </p:animEffect>
+                                  </p:childTnLst>
+                                </p:cTn>
+                              </p:par>
+                            </p:childTnLst>
+                          </p:cTn>
+                        </p:par>
+                      </p:childTnLst>
+                    </p:cTn>
+                  </p:par>
+                </p:childTnLst>
+              </p:cTn>
+              <p:prevCondLst>
+                <p:cond evt="onPrev" delay="0">
+                  <p:tgtEl>
+                    <p:sldTgt/>
+                  </p:tgtEl>
+                </p:cond>
+              </p:prevCondLst>
+              <p:nextCondLst>
+                <p:cond evt="onNext" delay="0">
+                  <p:tgtEl>
+                    <p:sldTgt/>
+                  </p:tgtEl>
+                </p:cond>
+              </p:nextCondLst>
+            </p:seq>
+          </p:childTnLst>
+        </p:cTn>
+      </p:par>
+    </p:tnLst>
+    <p:bldLst>
+      <p:bldP spid="4" grpId="0"/>
+    </p:bldLst>
+  </p:timing>
+</p:sld>
+</file>
+
+<file path=ppt/slides/slide7.xml><?xml version="1.0" encoding="utf-8"?>
+<p:sld xmlns:a="http://schemas.openxmlformats.org/drawingml/2006/main" xmlns:r="http://schemas.openxmlformats.org/officeDocument/2006/relationships" xmlns:p="http://schemas.openxmlformats.org/presentationml/2006/main">
+  <p:cSld>
+    <p:spTree>
+      <p:nvGrpSpPr>
+        <p:cNvPr id="1" name=""/>
+        <p:cNvGrpSpPr/>
+        <p:nvPr/>
+      </p:nvGrpSpPr>
+      <p:grpSpPr>
+        <a:xfrm>
+          <a:off x="0" y="0"/>
+          <a:ext cx="0" cy="0"/>
+          <a:chOff x="0" y="0"/>
+          <a:chExt cx="0" cy="0"/>
+        </a:xfrm>
+      </p:grpSpPr>
+      <p:sp>
+        <p:nvSpPr>
+          <p:cNvPr id="4" name="Title 1">
+            <a:extLst>
+              <a:ext uri="{FF2B5EF4-FFF2-40B4-BE49-F238E27FC236}">
+                <a16:creationId xmlns:a16="http://schemas.microsoft.com/office/drawing/2014/main" id="{C5EF72B0-B0CB-9CEC-42AC-5C3623C91666}"/>
+              </a:ext>
+            </a:extLst>
+          </p:cNvPr>
+          <p:cNvSpPr txBox="1">
+            <a:spLocks/>
+          </p:cNvSpPr>
+          <p:nvPr/>
+        </p:nvSpPr>
+        <p:spPr>
+          <a:xfrm>
+            <a:off x="838200" y="365125"/>
+            <a:ext cx="8679024" cy="1325563"/>
+          </a:xfrm>
+          <a:prstGeom prst="rect">
+            <a:avLst/>
+          </a:prstGeom>
+        </p:spPr>
+        <p:txBody>
+          <a:bodyPr vert="horz" lIns="91440" tIns="45720" rIns="91440" bIns="45720" rtlCol="0" anchor="ctr">
+            <a:normAutofit/>
+          </a:bodyPr>
+          <a:lstStyle>
+            <a:lvl1pPr algn="l" defTabSz="914400" rtl="0" eaLnBrk="1" latinLnBrk="0" hangingPunct="1">
+              <a:lnSpc>
+                <a:spcPct val="90000"/>
+              </a:lnSpc>
+              <a:spcBef>
+                <a:spcPct val="0"/>
+              </a:spcBef>
+              <a:buNone/>
+              <a:defRPr sz="4000" kern="1200">
+                <a:solidFill>
+                  <a:schemeClr val="tx1"/>
+                </a:solidFill>
+                <a:latin typeface="+mj-lt"/>
+                <a:ea typeface="+mj-ea"/>
+                <a:cs typeface="+mj-cs"/>
+              </a:defRPr>
+            </a:lvl1pPr>
+          </a:lstStyle>
+          <a:p>
+            <a:pPr>
+              <a:spcAft>
+                <a:spcPts val="600"/>
+              </a:spcAft>
+            </a:pPr>
+            <a:r>
+              <a:rPr lang="tr-TR" sz="4400" kern="1200">
+                <a:solidFill>
+                  <a:schemeClr val="tx1"/>
+                </a:solidFill>
+                <a:latin typeface="+mj-lt"/>
+                <a:ea typeface="+mj-ea"/>
+                <a:cs typeface="+mj-cs"/>
+              </a:rPr>
+              <a:t>Graphs &amp; Analytics</a:t>
+            </a:r>
+            <a:endParaRPr lang="en-US" sz="4400" kern="1200" dirty="0">
+              <a:solidFill>
+                <a:schemeClr val="tx1"/>
+              </a:solidFill>
+              <a:latin typeface="+mj-lt"/>
+              <a:ea typeface="+mj-ea"/>
+              <a:cs typeface="+mj-cs"/>
+            </a:endParaRPr>
+          </a:p>
+        </p:txBody>
+      </p:sp>
+      <p:sp>
+        <p:nvSpPr>
+          <p:cNvPr id="9" name="TextBox 8">
+            <a:extLst>
+              <a:ext uri="{FF2B5EF4-FFF2-40B4-BE49-F238E27FC236}">
+                <a16:creationId xmlns:a16="http://schemas.microsoft.com/office/drawing/2014/main" id="{4E8E5D35-D760-8AA2-4741-30D09324767B}"/>
+              </a:ext>
+            </a:extLst>
+          </p:cNvPr>
+          <p:cNvSpPr txBox="1"/>
+          <p:nvPr/>
+        </p:nvSpPr>
+        <p:spPr>
+          <a:xfrm>
+            <a:off x="932283" y="1616162"/>
+            <a:ext cx="5980581" cy="523220"/>
+          </a:xfrm>
+          <a:prstGeom prst="rect">
+            <a:avLst/>
+          </a:prstGeom>
+          <a:noFill/>
+        </p:spPr>
+        <p:txBody>
+          <a:bodyPr wrap="square" rtlCol="0">
+            <a:spAutoFit/>
+          </a:bodyPr>
+          <a:lstStyle/>
+          <a:p>
+            <a:r>
+              <a:rPr lang="tr-TR" b="1" dirty="0" err="1"/>
+              <a:t>The</a:t>
+            </a:r>
+            <a:r>
+              <a:rPr lang="tr-TR" b="1" dirty="0"/>
+              <a:t> </a:t>
+            </a:r>
+            <a:r>
+              <a:rPr lang="tr-TR" b="1" dirty="0" err="1"/>
+              <a:t>Busiest</a:t>
+            </a:r>
+            <a:r>
+              <a:rPr lang="tr-TR" b="1" dirty="0"/>
+              <a:t> </a:t>
+            </a:r>
+            <a:r>
+              <a:rPr lang="tr-TR" b="1" dirty="0" err="1"/>
+              <a:t>Day</a:t>
+            </a:r>
+            <a:r>
+              <a:rPr lang="tr-TR" b="1" dirty="0"/>
+              <a:t> </a:t>
+            </a:r>
+            <a:r>
+              <a:rPr lang="tr-TR" b="1" dirty="0" err="1"/>
+              <a:t>for</a:t>
+            </a:r>
+            <a:r>
+              <a:rPr lang="tr-TR" b="1" dirty="0"/>
+              <a:t> </a:t>
+            </a:r>
+            <a:r>
+              <a:rPr lang="tr-TR" sz="1800" b="1" dirty="0"/>
+              <a:t>Times Sq-42 </a:t>
+            </a:r>
+            <a:r>
+              <a:rPr lang="tr-TR" sz="1800" b="1" dirty="0" err="1"/>
+              <a:t>St</a:t>
+            </a:r>
+            <a:endParaRPr lang="tr-TR" sz="1800" b="1" dirty="0"/>
+          </a:p>
+          <a:p>
+            <a:endParaRPr lang="tr-TR" sz="1000" dirty="0"/>
+          </a:p>
+        </p:txBody>
+      </p:sp>
+      <p:pic>
+        <p:nvPicPr>
+          <p:cNvPr id="12" name="Picture 11">
+            <a:extLst>
+              <a:ext uri="{FF2B5EF4-FFF2-40B4-BE49-F238E27FC236}">
+                <a16:creationId xmlns:a16="http://schemas.microsoft.com/office/drawing/2014/main" id="{6937514E-773F-672D-7F48-9BCAC04F0BDA}"/>
+              </a:ext>
+            </a:extLst>
+          </p:cNvPr>
+          <p:cNvPicPr>
+            <a:picLocks noChangeAspect="1"/>
+          </p:cNvPicPr>
+          <p:nvPr/>
+        </p:nvPicPr>
+        <p:blipFill>
+          <a:blip r:embed="rId2"/>
+          <a:stretch>
+            <a:fillRect/>
+          </a:stretch>
+        </p:blipFill>
+        <p:spPr>
+          <a:xfrm>
+            <a:off x="3922573" y="2242018"/>
+            <a:ext cx="3728173" cy="3343520"/>
+          </a:xfrm>
+          <a:prstGeom prst="rect">
+            <a:avLst/>
+          </a:prstGeom>
+        </p:spPr>
+      </p:pic>
+      <p:sp>
+        <p:nvSpPr>
+          <p:cNvPr id="16" name="TextBox 15">
+            <a:extLst>
+              <a:ext uri="{FF2B5EF4-FFF2-40B4-BE49-F238E27FC236}">
+                <a16:creationId xmlns:a16="http://schemas.microsoft.com/office/drawing/2014/main" id="{24D9FB3F-902A-CD48-BE52-A1BAB834FCB4}"/>
+              </a:ext>
+            </a:extLst>
+          </p:cNvPr>
+          <p:cNvSpPr txBox="1"/>
+          <p:nvPr/>
+        </p:nvSpPr>
+        <p:spPr>
+          <a:xfrm>
+            <a:off x="954052" y="5903604"/>
+            <a:ext cx="5980581" cy="523220"/>
+          </a:xfrm>
+          <a:prstGeom prst="rect">
+            <a:avLst/>
+          </a:prstGeom>
+          <a:noFill/>
+        </p:spPr>
+        <p:txBody>
+          <a:bodyPr wrap="square" rtlCol="0">
+            <a:spAutoFit/>
+          </a:bodyPr>
+          <a:lstStyle/>
+          <a:p>
+            <a:r>
+              <a:rPr lang="tr-TR" b="1" dirty="0" err="1">
+                <a:solidFill>
+                  <a:srgbClr val="C00000"/>
+                </a:solidFill>
+              </a:rPr>
+              <a:t>Wednesday</a:t>
+            </a:r>
+            <a:r>
+              <a:rPr lang="tr-TR" b="1" dirty="0"/>
+              <a:t> is </a:t>
+            </a:r>
+            <a:r>
+              <a:rPr lang="tr-TR" b="1" dirty="0" err="1"/>
+              <a:t>the</a:t>
+            </a:r>
+            <a:r>
+              <a:rPr lang="tr-TR" b="1" dirty="0"/>
+              <a:t> </a:t>
+            </a:r>
+            <a:r>
+              <a:rPr lang="tr-TR" b="1" dirty="0" err="1"/>
+              <a:t>busiest</a:t>
+            </a:r>
+            <a:r>
+              <a:rPr lang="tr-TR" b="1" dirty="0"/>
+              <a:t> </a:t>
+            </a:r>
+            <a:r>
+              <a:rPr lang="tr-TR" b="1" dirty="0" err="1"/>
+              <a:t>day</a:t>
+            </a:r>
+            <a:r>
+              <a:rPr lang="tr-TR" b="1" dirty="0"/>
+              <a:t> </a:t>
+            </a:r>
+            <a:r>
+              <a:rPr lang="tr-TR" b="1" dirty="0" err="1"/>
+              <a:t>for</a:t>
+            </a:r>
+            <a:r>
+              <a:rPr lang="tr-TR" b="1" dirty="0"/>
+              <a:t> </a:t>
+            </a:r>
+            <a:r>
+              <a:rPr lang="tr-TR" sz="1800" b="1" dirty="0"/>
+              <a:t>Times Sq-42 </a:t>
+            </a:r>
+            <a:r>
+              <a:rPr lang="tr-TR" sz="1800" b="1" dirty="0" err="1"/>
+              <a:t>St</a:t>
+            </a:r>
+            <a:endParaRPr lang="tr-TR" sz="1800" b="1" dirty="0"/>
+          </a:p>
+          <a:p>
+            <a:endParaRPr lang="tr-TR" sz="1000" dirty="0"/>
+          </a:p>
+        </p:txBody>
+      </p:sp>
+    </p:spTree>
+    <p:extLst>
+      <p:ext uri="{BB962C8B-B14F-4D97-AF65-F5344CB8AC3E}">
+        <p14:creationId xmlns:p14="http://schemas.microsoft.com/office/powerpoint/2010/main" val="2642864404"/>
+      </p:ext>
+    </p:extLst>
+  </p:cSld>
+  <p:clrMapOvr>
+    <a:masterClrMapping/>
+  </p:clrMapOvr>
+  <p:timing>
+    <p:tnLst>
+      <p:par>
+        <p:cTn id="1" dur="indefinite" restart="never" nodeType="tmRoot">
+          <p:childTnLst>
+            <p:seq concurrent="1" nextAc="seek">
+              <p:cTn id="2" dur="indefinite" nodeType="mainSeq">
+                <p:childTnLst>
+                  <p:par>
+                    <p:cTn id="3" fill="hold">
+                      <p:stCondLst>
+                        <p:cond delay="indefinite"/>
+                        <p:cond evt="onBegin" delay="0">
+                          <p:tn val="2"/>
+                        </p:cond>
+                      </p:stCondLst>
+                      <p:childTnLst>
+                        <p:par>
+                          <p:cTn id="4" fill="hold">
+                            <p:stCondLst>
+                              <p:cond delay="0"/>
+                            </p:stCondLst>
+                            <p:childTnLst>
+                              <p:par>
+                                <p:cTn id="5" presetID="10" presetClass="entr" presetSubtype="0" fill="hold" grpId="0" nodeType="withEffect">
+                                  <p:stCondLst>
+                                    <p:cond delay="1000"/>
+                                  </p:stCondLst>
+                                  <p:iterate>
+                                    <p:tmPct val="10000"/>
+                                  </p:iterate>
+                                  <p:childTnLst>
+                                    <p:set>
+                                      <p:cBhvr>
+                                        <p:cTn id="6" dur="1" fill="hold">
+                                          <p:stCondLst>
+                                            <p:cond delay="0"/>
+                                          </p:stCondLst>
+                                        </p:cTn>
+                                        <p:tgtEl>
+                                          <p:spTgt spid="4"/>
+                                        </p:tgtEl>
+                                        <p:attrNameLst>
+                                          <p:attrName>style.visibility</p:attrName>
+                                        </p:attrNameLst>
+                                      </p:cBhvr>
+                                      <p:to>
+                                        <p:strVal val="visible"/>
+                                      </p:to>
+                                    </p:set>
+                                    <p:animEffect transition="in" filter="fade">
+                                      <p:cBhvr>
+                                        <p:cTn id="7" dur="700"/>
+                                        <p:tgtEl>
+                                          <p:spTgt spid="4"/>
+                                        </p:tgtEl>
+                                      </p:cBhvr>
+                                    </p:animEffect>
+                                  </p:childTnLst>
+                                </p:cTn>
+                              </p:par>
+                            </p:childTnLst>
+                          </p:cTn>
+                        </p:par>
+                      </p:childTnLst>
+                    </p:cTn>
+                  </p:par>
+                </p:childTnLst>
+              </p:cTn>
+              <p:prevCondLst>
+                <p:cond evt="onPrev" delay="0">
+                  <p:tgtEl>
+                    <p:sldTgt/>
+                  </p:tgtEl>
+                </p:cond>
+              </p:prevCondLst>
+              <p:nextCondLst>
+                <p:cond evt="onNext" delay="0">
+                  <p:tgtEl>
+                    <p:sldTgt/>
+                  </p:tgtEl>
+                </p:cond>
+              </p:nextCondLst>
+            </p:seq>
+          </p:childTnLst>
+        </p:cTn>
+      </p:par>
+    </p:tnLst>
+    <p:bldLst>
+      <p:bldP spid="4" grpId="0"/>
+    </p:bldLst>
+  </p:timing>
+</p:sld>
+</file>
+
+<file path=ppt/slides/slide8.xml><?xml version="1.0" encoding="utf-8"?>
+<p:sld xmlns:a="http://schemas.openxmlformats.org/drawingml/2006/main" xmlns:r="http://schemas.openxmlformats.org/officeDocument/2006/relationships" xmlns:p="http://schemas.openxmlformats.org/presentationml/2006/main">
+  <p:cSld>
+    <p:spTree>
+      <p:nvGrpSpPr>
+        <p:cNvPr id="1" name=""/>
+        <p:cNvGrpSpPr/>
+        <p:nvPr/>
+      </p:nvGrpSpPr>
+      <p:grpSpPr>
+        <a:xfrm>
+          <a:off x="0" y="0"/>
+          <a:ext cx="0" cy="0"/>
+          <a:chOff x="0" y="0"/>
+          <a:chExt cx="0" cy="0"/>
+        </a:xfrm>
+      </p:grpSpPr>
+      <p:sp>
+        <p:nvSpPr>
+          <p:cNvPr id="4" name="Title 1">
+            <a:extLst>
+              <a:ext uri="{FF2B5EF4-FFF2-40B4-BE49-F238E27FC236}">
+                <a16:creationId xmlns:a16="http://schemas.microsoft.com/office/drawing/2014/main" id="{C5EF72B0-B0CB-9CEC-42AC-5C3623C91666}"/>
+              </a:ext>
+            </a:extLst>
+          </p:cNvPr>
+          <p:cNvSpPr txBox="1">
+            <a:spLocks/>
+          </p:cNvSpPr>
+          <p:nvPr/>
+        </p:nvSpPr>
+        <p:spPr>
+          <a:xfrm>
+            <a:off x="838200" y="365125"/>
+            <a:ext cx="8679024" cy="1325563"/>
+          </a:xfrm>
+          <a:prstGeom prst="rect">
+            <a:avLst/>
+          </a:prstGeom>
+        </p:spPr>
+        <p:txBody>
+          <a:bodyPr vert="horz" lIns="91440" tIns="45720" rIns="91440" bIns="45720" rtlCol="0" anchor="ctr">
+            <a:normAutofit/>
+          </a:bodyPr>
+          <a:lstStyle>
+            <a:lvl1pPr algn="l" defTabSz="914400" rtl="0" eaLnBrk="1" latinLnBrk="0" hangingPunct="1">
+              <a:lnSpc>
+                <a:spcPct val="90000"/>
+              </a:lnSpc>
+              <a:spcBef>
+                <a:spcPct val="0"/>
+              </a:spcBef>
+              <a:buNone/>
+              <a:defRPr sz="4000" kern="1200">
+                <a:solidFill>
+                  <a:schemeClr val="tx1"/>
+                </a:solidFill>
+                <a:latin typeface="+mj-lt"/>
+                <a:ea typeface="+mj-ea"/>
+                <a:cs typeface="+mj-cs"/>
+              </a:defRPr>
+            </a:lvl1pPr>
+          </a:lstStyle>
+          <a:p>
+            <a:pPr>
+              <a:spcAft>
+                <a:spcPts val="600"/>
+              </a:spcAft>
+            </a:pPr>
+            <a:r>
+              <a:rPr lang="tr-TR" sz="4400" kern="1200">
+                <a:solidFill>
+                  <a:schemeClr val="tx1"/>
+                </a:solidFill>
+                <a:latin typeface="+mj-lt"/>
+                <a:ea typeface="+mj-ea"/>
+                <a:cs typeface="+mj-cs"/>
+              </a:rPr>
+              <a:t>Graphs &amp; Analytics</a:t>
+            </a:r>
+            <a:endParaRPr lang="en-US" sz="4400" kern="1200" dirty="0">
+              <a:solidFill>
+                <a:schemeClr val="tx1"/>
+              </a:solidFill>
+              <a:latin typeface="+mj-lt"/>
+              <a:ea typeface="+mj-ea"/>
+              <a:cs typeface="+mj-cs"/>
+            </a:endParaRPr>
+          </a:p>
+        </p:txBody>
+      </p:sp>
+      <p:sp>
+        <p:nvSpPr>
+          <p:cNvPr id="9" name="TextBox 8">
+            <a:extLst>
+              <a:ext uri="{FF2B5EF4-FFF2-40B4-BE49-F238E27FC236}">
+                <a16:creationId xmlns:a16="http://schemas.microsoft.com/office/drawing/2014/main" id="{4E8E5D35-D760-8AA2-4741-30D09324767B}"/>
+              </a:ext>
+            </a:extLst>
+          </p:cNvPr>
+          <p:cNvSpPr txBox="1"/>
+          <p:nvPr/>
+        </p:nvSpPr>
+        <p:spPr>
+          <a:xfrm>
+            <a:off x="932283" y="1616162"/>
+            <a:ext cx="5980581" cy="492443"/>
+          </a:xfrm>
+          <a:prstGeom prst="rect">
+            <a:avLst/>
+          </a:prstGeom>
+          <a:noFill/>
+        </p:spPr>
+        <p:txBody>
+          <a:bodyPr wrap="square" rtlCol="0">
+            <a:spAutoFit/>
+          </a:bodyPr>
+          <a:lstStyle/>
+          <a:p>
+            <a:r>
+              <a:rPr lang="tr-TR" sz="1600" b="1" dirty="0" err="1"/>
+              <a:t>The</a:t>
+            </a:r>
+            <a:r>
+              <a:rPr lang="tr-TR" sz="1600" b="1" dirty="0"/>
+              <a:t> </a:t>
+            </a:r>
+            <a:r>
+              <a:rPr lang="tr-TR" sz="1600" b="1" dirty="0" err="1"/>
+              <a:t>Busiest</a:t>
+            </a:r>
+            <a:r>
+              <a:rPr lang="tr-TR" sz="1600" b="1" dirty="0"/>
+              <a:t> </a:t>
+            </a:r>
+            <a:r>
+              <a:rPr lang="tr-TR" sz="1600" b="1" dirty="0" err="1"/>
+              <a:t>Hour</a:t>
+            </a:r>
+            <a:r>
+              <a:rPr lang="tr-TR" sz="1600" b="1" dirty="0"/>
+              <a:t> </a:t>
+            </a:r>
+            <a:r>
+              <a:rPr lang="tr-TR" sz="1600" b="1" dirty="0" err="1"/>
+              <a:t>for</a:t>
+            </a:r>
+            <a:r>
+              <a:rPr lang="tr-TR" sz="1600" b="1" dirty="0"/>
+              <a:t> Times Sq-42 </a:t>
+            </a:r>
+            <a:r>
+              <a:rPr lang="tr-TR" sz="1600" b="1" dirty="0" err="1"/>
+              <a:t>St</a:t>
+            </a:r>
+            <a:endParaRPr lang="tr-TR" sz="1600" b="1" dirty="0"/>
+          </a:p>
+          <a:p>
+            <a:endParaRPr lang="tr-TR" sz="900" dirty="0"/>
+          </a:p>
+        </p:txBody>
+      </p:sp>
+      <p:sp>
+        <p:nvSpPr>
+          <p:cNvPr id="16" name="TextBox 15">
+            <a:extLst>
+              <a:ext uri="{FF2B5EF4-FFF2-40B4-BE49-F238E27FC236}">
+                <a16:creationId xmlns:a16="http://schemas.microsoft.com/office/drawing/2014/main" id="{24D9FB3F-902A-CD48-BE52-A1BAB834FCB4}"/>
+              </a:ext>
+            </a:extLst>
+          </p:cNvPr>
+          <p:cNvSpPr txBox="1"/>
+          <p:nvPr/>
+        </p:nvSpPr>
+        <p:spPr>
+          <a:xfrm>
+            <a:off x="1136932" y="5931177"/>
+            <a:ext cx="10238204" cy="446276"/>
+          </a:xfrm>
+          <a:prstGeom prst="rect">
+            <a:avLst/>
+          </a:prstGeom>
+          <a:noFill/>
+        </p:spPr>
+        <p:txBody>
+          <a:bodyPr wrap="square" rtlCol="0">
+            <a:spAutoFit/>
+          </a:bodyPr>
+          <a:lstStyle/>
+          <a:p>
+            <a:r>
+              <a:rPr lang="tr-TR" sz="1400" b="1" dirty="0">
+                <a:solidFill>
+                  <a:srgbClr val="C00000"/>
+                </a:solidFill>
+              </a:rPr>
+              <a:t>« 17:00 - 19:00 </a:t>
+            </a:r>
+            <a:r>
+              <a:rPr lang="tr-TR" sz="1400" b="1" dirty="0" err="1">
+                <a:solidFill>
+                  <a:srgbClr val="C00000"/>
+                </a:solidFill>
+              </a:rPr>
+              <a:t>Evening</a:t>
+            </a:r>
+            <a:r>
+              <a:rPr lang="tr-TR" sz="1400" b="1" dirty="0">
+                <a:solidFill>
+                  <a:srgbClr val="C00000"/>
+                </a:solidFill>
+              </a:rPr>
+              <a:t> » </a:t>
+            </a:r>
+            <a:r>
+              <a:rPr lang="tr-TR" sz="1400" b="1" dirty="0"/>
+              <a:t>is </a:t>
+            </a:r>
+            <a:r>
+              <a:rPr lang="tr-TR" sz="1400" b="1" dirty="0" err="1"/>
+              <a:t>the</a:t>
+            </a:r>
+            <a:r>
+              <a:rPr lang="tr-TR" sz="1400" b="1" dirty="0"/>
+              <a:t> </a:t>
+            </a:r>
+            <a:r>
+              <a:rPr lang="tr-TR" sz="1400" b="1" dirty="0" err="1"/>
+              <a:t>most</a:t>
+            </a:r>
+            <a:r>
+              <a:rPr lang="tr-TR" sz="1400" b="1" dirty="0"/>
+              <a:t> </a:t>
+            </a:r>
+            <a:r>
+              <a:rPr lang="tr-TR" sz="1400" b="1" dirty="0" err="1"/>
+              <a:t>busiest</a:t>
+            </a:r>
+            <a:r>
+              <a:rPr lang="tr-TR" sz="1400" b="1" dirty="0"/>
+              <a:t> time </a:t>
+            </a:r>
+            <a:r>
+              <a:rPr lang="tr-TR" sz="1400" b="1" dirty="0" err="1"/>
+              <a:t>for</a:t>
+            </a:r>
+            <a:r>
+              <a:rPr lang="tr-TR" sz="1400" b="1" dirty="0"/>
+              <a:t> </a:t>
+            </a:r>
+            <a:r>
+              <a:rPr lang="tr-TR" sz="1400" b="1" dirty="0" err="1"/>
+              <a:t>all</a:t>
+            </a:r>
+            <a:r>
+              <a:rPr lang="tr-TR" sz="1400" b="1" dirty="0"/>
+              <a:t> </a:t>
+            </a:r>
+            <a:r>
+              <a:rPr lang="tr-TR" sz="1400" b="1" dirty="0" err="1"/>
+              <a:t>days</a:t>
+            </a:r>
+            <a:r>
+              <a:rPr lang="tr-TR" sz="1400" b="1" dirty="0"/>
+              <a:t> </a:t>
+            </a:r>
+            <a:r>
+              <a:rPr lang="tr-TR" sz="1400" b="1" dirty="0" err="1"/>
+              <a:t>except</a:t>
+            </a:r>
+            <a:r>
+              <a:rPr lang="tr-TR" sz="1400" b="1" dirty="0"/>
+              <a:t> </a:t>
+            </a:r>
+            <a:r>
+              <a:rPr lang="tr-TR" sz="1400" b="1" dirty="0" err="1"/>
+              <a:t>Friday</a:t>
+            </a:r>
+            <a:r>
+              <a:rPr lang="tr-TR" sz="1400" b="1" dirty="0"/>
+              <a:t> </a:t>
+            </a:r>
+            <a:r>
+              <a:rPr lang="tr-TR" sz="1400" b="1" dirty="0" err="1"/>
+              <a:t>and</a:t>
+            </a:r>
+            <a:r>
+              <a:rPr lang="tr-TR" sz="1400" b="1" dirty="0"/>
+              <a:t> </a:t>
+            </a:r>
+            <a:r>
+              <a:rPr lang="tr-TR" sz="1400" b="1" dirty="0" err="1"/>
+              <a:t>Thursday</a:t>
+            </a:r>
+            <a:r>
+              <a:rPr lang="tr-TR" sz="1400" b="1" dirty="0"/>
+              <a:t>. </a:t>
+            </a:r>
+          </a:p>
+          <a:p>
+            <a:endParaRPr lang="tr-TR" sz="800" dirty="0"/>
+          </a:p>
+        </p:txBody>
+      </p:sp>
+      <p:pic>
+        <p:nvPicPr>
+          <p:cNvPr id="11" name="Picture 10">
+            <a:extLst>
+              <a:ext uri="{FF2B5EF4-FFF2-40B4-BE49-F238E27FC236}">
+                <a16:creationId xmlns:a16="http://schemas.microsoft.com/office/drawing/2014/main" id="{B66B9531-B84D-5EF9-6659-3C97F1F821A4}"/>
+              </a:ext>
+            </a:extLst>
+          </p:cNvPr>
+          <p:cNvPicPr>
+            <a:picLocks noChangeAspect="1"/>
+          </p:cNvPicPr>
+          <p:nvPr/>
+        </p:nvPicPr>
+        <p:blipFill>
+          <a:blip r:embed="rId3"/>
+          <a:stretch>
+            <a:fillRect/>
+          </a:stretch>
+        </p:blipFill>
+        <p:spPr>
+          <a:xfrm>
+            <a:off x="2369976" y="2166479"/>
+            <a:ext cx="6382139" cy="3609700"/>
+          </a:xfrm>
+          <a:prstGeom prst="rect">
+            <a:avLst/>
+          </a:prstGeom>
+        </p:spPr>
+      </p:pic>
+    </p:spTree>
+    <p:extLst>
+      <p:ext uri="{BB962C8B-B14F-4D97-AF65-F5344CB8AC3E}">
+        <p14:creationId xmlns:p14="http://schemas.microsoft.com/office/powerpoint/2010/main" val="2081879320"/>
+      </p:ext>
+    </p:extLst>
+  </p:cSld>
+  <p:clrMapOvr>
+    <a:masterClrMapping/>
+  </p:clrMapOvr>
+  <p:timing>
+    <p:tnLst>
+      <p:par>
+        <p:cTn id="1" dur="indefinite" restart="never" nodeType="tmRoot">
+          <p:childTnLst>
+            <p:seq concurrent="1" nextAc="seek">
+              <p:cTn id="2" dur="indefinite" nodeType="mainSeq">
+                <p:childTnLst>
+                  <p:par>
+                    <p:cTn id="3" fill="hold">
+                      <p:stCondLst>
+                        <p:cond delay="indefinite"/>
+                        <p:cond evt="onBegin" delay="0">
+                          <p:tn val="2"/>
+                        </p:cond>
+                      </p:stCondLst>
+                      <p:childTnLst>
+                        <p:par>
+                          <p:cTn id="4" fill="hold">
+                            <p:stCondLst>
+                              <p:cond delay="0"/>
+                            </p:stCondLst>
+                            <p:childTnLst>
+                              <p:par>
+                                <p:cTn id="5" presetID="10" presetClass="entr" presetSubtype="0" fill="hold" grpId="0" nodeType="withEffect">
+                                  <p:stCondLst>
+                                    <p:cond delay="1000"/>
+                                  </p:stCondLst>
+                                  <p:iterate>
+                                    <p:tmPct val="10000"/>
+                                  </p:iterate>
+                                  <p:childTnLst>
+                                    <p:set>
+                                      <p:cBhvr>
+                                        <p:cTn id="6" dur="1" fill="hold">
+                                          <p:stCondLst>
+                                            <p:cond delay="0"/>
+                                          </p:stCondLst>
+                                        </p:cTn>
+                                        <p:tgtEl>
+                                          <p:spTgt spid="4"/>
+                                        </p:tgtEl>
+                                        <p:attrNameLst>
+                                          <p:attrName>style.visibility</p:attrName>
+                                        </p:attrNameLst>
+                                      </p:cBhvr>
+                                      <p:to>
+                                        <p:strVal val="visible"/>
+                                      </p:to>
+                                    </p:set>
+                                    <p:animEffect transition="in" filter="fade">
+                                      <p:cBhvr>
+                                        <p:cTn id="7" dur="700"/>
+                                        <p:tgtEl>
+                                          <p:spTgt spid="4"/>
+                                        </p:tgtEl>
+                                      </p:cBhvr>
+                                    </p:animEffect>
+                                  </p:childTnLst>
+                                </p:cTn>
+                              </p:par>
+                            </p:childTnLst>
+                          </p:cTn>
+                        </p:par>
+                      </p:childTnLst>
+                    </p:cTn>
+                  </p:par>
+                </p:childTnLst>
+              </p:cTn>
+              <p:prevCondLst>
+                <p:cond evt="onPrev" delay="0">
+                  <p:tgtEl>
+                    <p:sldTgt/>
+                  </p:tgtEl>
+                </p:cond>
+              </p:prevCondLst>
+              <p:nextCondLst>
+                <p:cond evt="onNext" delay="0">
+                  <p:tgtEl>
+                    <p:sldTgt/>
+                  </p:tgtEl>
+                </p:cond>
+              </p:nextCondLst>
+            </p:seq>
+          </p:childTnLst>
+        </p:cTn>
+      </p:par>
+    </p:tnLst>
+    <p:bldLst>
+      <p:bldP spid="4" grpId="0"/>
+    </p:bldLst>
+  </p:timing>
+</p:sld>
+</file>
+
+<file path=ppt/slides/slide9.xml><?xml version="1.0" encoding="utf-8"?>
+<p:sld xmlns:a="http://schemas.openxmlformats.org/drawingml/2006/main" xmlns:r="http://schemas.openxmlformats.org/officeDocument/2006/relationships" xmlns:p="http://schemas.openxmlformats.org/presentationml/2006/main">
+  <p:cSld>
+    <p:spTree>
+      <p:nvGrpSpPr>
+        <p:cNvPr id="1" name=""/>
+        <p:cNvGrpSpPr/>
+        <p:nvPr/>
+      </p:nvGrpSpPr>
+      <p:grpSpPr>
+        <a:xfrm>
+          <a:off x="0" y="0"/>
+          <a:ext cx="0" cy="0"/>
+          <a:chOff x="0" y="0"/>
+          <a:chExt cx="0" cy="0"/>
+        </a:xfrm>
+      </p:grpSpPr>
+      <p:sp>
+        <p:nvSpPr>
+          <p:cNvPr id="4" name="Title 1">
+            <a:extLst>
+              <a:ext uri="{FF2B5EF4-FFF2-40B4-BE49-F238E27FC236}">
+                <a16:creationId xmlns:a16="http://schemas.microsoft.com/office/drawing/2014/main" id="{C5EF72B0-B0CB-9CEC-42AC-5C3623C91666}"/>
+              </a:ext>
+            </a:extLst>
+          </p:cNvPr>
+          <p:cNvSpPr txBox="1">
+            <a:spLocks/>
+          </p:cNvSpPr>
+          <p:nvPr/>
+        </p:nvSpPr>
+        <p:spPr>
+          <a:xfrm>
+            <a:off x="838200" y="365125"/>
+            <a:ext cx="8679024" cy="1325563"/>
+          </a:xfrm>
+          <a:prstGeom prst="rect">
+            <a:avLst/>
+          </a:prstGeom>
+        </p:spPr>
+        <p:txBody>
+          <a:bodyPr vert="horz" lIns="91440" tIns="45720" rIns="91440" bIns="45720" rtlCol="0" anchor="ctr">
+            <a:normAutofit/>
+          </a:bodyPr>
+          <a:lstStyle>
+            <a:lvl1pPr algn="l" defTabSz="914400" rtl="0" eaLnBrk="1" latinLnBrk="0" hangingPunct="1">
+              <a:lnSpc>
+                <a:spcPct val="90000"/>
+              </a:lnSpc>
+              <a:spcBef>
+                <a:spcPct val="0"/>
+              </a:spcBef>
+              <a:buNone/>
+              <a:defRPr sz="4000" kern="1200">
+                <a:solidFill>
+                  <a:schemeClr val="tx1"/>
+                </a:solidFill>
+                <a:latin typeface="+mj-lt"/>
+                <a:ea typeface="+mj-ea"/>
+                <a:cs typeface="+mj-cs"/>
+              </a:defRPr>
+            </a:lvl1pPr>
+          </a:lstStyle>
+          <a:p>
+            <a:pPr>
+              <a:spcAft>
+                <a:spcPts val="600"/>
+              </a:spcAft>
+            </a:pPr>
+            <a:r>
+              <a:rPr lang="tr-TR" sz="4400" kern="1200" dirty="0" err="1">
+                <a:solidFill>
+                  <a:schemeClr val="tx1"/>
+                </a:solidFill>
+                <a:latin typeface="+mj-lt"/>
+                <a:ea typeface="+mj-ea"/>
+                <a:cs typeface="+mj-cs"/>
+              </a:rPr>
+              <a:t>Graphs</a:t>
+            </a:r>
+            <a:r>
+              <a:rPr lang="tr-TR" sz="4400" kern="1200" dirty="0">
+                <a:solidFill>
+                  <a:schemeClr val="tx1"/>
+                </a:solidFill>
+                <a:latin typeface="+mj-lt"/>
+                <a:ea typeface="+mj-ea"/>
+                <a:cs typeface="+mj-cs"/>
+              </a:rPr>
+              <a:t> &amp; </a:t>
+            </a:r>
+            <a:r>
+              <a:rPr lang="tr-TR" sz="4400" kern="1200" dirty="0" err="1">
+                <a:solidFill>
+                  <a:schemeClr val="tx1"/>
+                </a:solidFill>
+                <a:latin typeface="+mj-lt"/>
+                <a:ea typeface="+mj-ea"/>
+                <a:cs typeface="+mj-cs"/>
+              </a:rPr>
+              <a:t>Analytics</a:t>
+            </a:r>
+            <a:endParaRPr lang="en-US" sz="4400" kern="1200" dirty="0">
+              <a:solidFill>
+                <a:schemeClr val="tx1"/>
+              </a:solidFill>
+              <a:latin typeface="+mj-lt"/>
+              <a:ea typeface="+mj-ea"/>
+              <a:cs typeface="+mj-cs"/>
+            </a:endParaRPr>
+          </a:p>
+        </p:txBody>
+      </p:sp>
+      <p:pic>
+        <p:nvPicPr>
+          <p:cNvPr id="5" name="Picture 4">
+            <a:extLst>
+              <a:ext uri="{FF2B5EF4-FFF2-40B4-BE49-F238E27FC236}">
+                <a16:creationId xmlns:a16="http://schemas.microsoft.com/office/drawing/2014/main" id="{7FA9012F-277F-6F20-C55E-E3A7B8A0900E}"/>
+              </a:ext>
+            </a:extLst>
+          </p:cNvPr>
+          <p:cNvPicPr>
+            <a:picLocks noChangeAspect="1"/>
+          </p:cNvPicPr>
+          <p:nvPr/>
+        </p:nvPicPr>
+        <p:blipFill>
+          <a:blip r:embed="rId3"/>
+          <a:stretch>
+            <a:fillRect/>
+          </a:stretch>
+        </p:blipFill>
+        <p:spPr>
+          <a:xfrm>
+            <a:off x="1131369" y="1681544"/>
+            <a:ext cx="2511490" cy="2126095"/>
+          </a:xfrm>
+          <a:prstGeom prst="rect">
+            <a:avLst/>
+          </a:prstGeom>
+        </p:spPr>
+      </p:pic>
+      <p:pic>
+        <p:nvPicPr>
+          <p:cNvPr id="7" name="Picture 6">
+            <a:extLst>
+              <a:ext uri="{FF2B5EF4-FFF2-40B4-BE49-F238E27FC236}">
+                <a16:creationId xmlns:a16="http://schemas.microsoft.com/office/drawing/2014/main" id="{D63BB241-5DD5-D9F0-FEB9-285AA4767F8C}"/>
+              </a:ext>
+            </a:extLst>
+          </p:cNvPr>
+          <p:cNvPicPr>
+            <a:picLocks noChangeAspect="1"/>
+          </p:cNvPicPr>
+          <p:nvPr/>
+        </p:nvPicPr>
+        <p:blipFill>
+          <a:blip r:embed="rId4"/>
+          <a:stretch>
+            <a:fillRect/>
+          </a:stretch>
+        </p:blipFill>
+        <p:spPr>
+          <a:xfrm>
+            <a:off x="1038061" y="4165034"/>
+            <a:ext cx="2517913" cy="2171057"/>
+          </a:xfrm>
+          <a:prstGeom prst="rect">
+            <a:avLst/>
+          </a:prstGeom>
+        </p:spPr>
+      </p:pic>
+      <p:pic>
+        <p:nvPicPr>
+          <p:cNvPr id="17" name="Picture 16">
+            <a:extLst>
+              <a:ext uri="{FF2B5EF4-FFF2-40B4-BE49-F238E27FC236}">
+                <a16:creationId xmlns:a16="http://schemas.microsoft.com/office/drawing/2014/main" id="{DECDB7F8-772D-5B5B-CC78-73292A7F03F5}"/>
+              </a:ext>
+            </a:extLst>
+          </p:cNvPr>
+          <p:cNvPicPr>
+            <a:picLocks noChangeAspect="1"/>
+          </p:cNvPicPr>
+          <p:nvPr/>
+        </p:nvPicPr>
+        <p:blipFill>
+          <a:blip r:embed="rId5"/>
+          <a:stretch>
+            <a:fillRect/>
+          </a:stretch>
+        </p:blipFill>
+        <p:spPr>
+          <a:xfrm>
+            <a:off x="4303445" y="1595591"/>
+            <a:ext cx="4114561" cy="2345401"/>
+          </a:xfrm>
+          <a:prstGeom prst="rect">
+            <a:avLst/>
+          </a:prstGeom>
+        </p:spPr>
+      </p:pic>
+      <p:pic>
+        <p:nvPicPr>
+          <p:cNvPr id="19" name="Picture 18">
+            <a:extLst>
+              <a:ext uri="{FF2B5EF4-FFF2-40B4-BE49-F238E27FC236}">
+                <a16:creationId xmlns:a16="http://schemas.microsoft.com/office/drawing/2014/main" id="{9EB456C3-BF1D-93E8-5853-5F17C89A2706}"/>
+              </a:ext>
+            </a:extLst>
+          </p:cNvPr>
+          <p:cNvPicPr>
+            <a:picLocks noChangeAspect="1"/>
+          </p:cNvPicPr>
+          <p:nvPr/>
+        </p:nvPicPr>
+        <p:blipFill>
+          <a:blip r:embed="rId6"/>
+          <a:stretch>
+            <a:fillRect/>
+          </a:stretch>
+        </p:blipFill>
+        <p:spPr>
+          <a:xfrm>
+            <a:off x="4303445" y="4233394"/>
+            <a:ext cx="4043794" cy="2355510"/>
+          </a:xfrm>
+          <a:prstGeom prst="rect">
+            <a:avLst/>
+          </a:prstGeom>
+        </p:spPr>
+      </p:pic>
+      <p:sp>
+        <p:nvSpPr>
+          <p:cNvPr id="20" name="TextBox 19">
+            <a:extLst>
+              <a:ext uri="{FF2B5EF4-FFF2-40B4-BE49-F238E27FC236}">
+                <a16:creationId xmlns:a16="http://schemas.microsoft.com/office/drawing/2014/main" id="{3614737E-121F-C83B-C93A-4D0FB09D438B}"/>
+              </a:ext>
+            </a:extLst>
+          </p:cNvPr>
+          <p:cNvSpPr txBox="1"/>
+          <p:nvPr/>
+        </p:nvSpPr>
+        <p:spPr>
+          <a:xfrm>
+            <a:off x="8756932" y="2425105"/>
+            <a:ext cx="3288764" cy="1384995"/>
+          </a:xfrm>
+          <a:prstGeom prst="rect">
+            <a:avLst/>
+          </a:prstGeom>
+          <a:noFill/>
+        </p:spPr>
+        <p:txBody>
+          <a:bodyPr wrap="square" rtlCol="0">
+            <a:spAutoFit/>
+          </a:bodyPr>
+          <a:lstStyle/>
+          <a:p>
+            <a:pPr algn="just"/>
+            <a:r>
+              <a:rPr lang="tr-TR" sz="1400" b="1" dirty="0" err="1"/>
+              <a:t>The</a:t>
+            </a:r>
+            <a:r>
+              <a:rPr lang="tr-TR" sz="1400" b="1" dirty="0"/>
+              <a:t> </a:t>
+            </a:r>
+            <a:r>
+              <a:rPr lang="tr-TR" sz="1400" b="1" dirty="0" err="1"/>
+              <a:t>other</a:t>
+            </a:r>
+            <a:r>
+              <a:rPr lang="tr-TR" sz="1400" b="1" dirty="0"/>
+              <a:t> two </a:t>
+            </a:r>
+            <a:r>
+              <a:rPr lang="tr-TR" sz="1400" b="1" dirty="0" err="1"/>
+              <a:t>stations</a:t>
+            </a:r>
+            <a:r>
+              <a:rPr lang="tr-TR" sz="1400" b="1" dirty="0"/>
+              <a:t> </a:t>
+            </a:r>
+            <a:r>
+              <a:rPr lang="tr-TR" sz="1400" b="1" dirty="0" err="1"/>
+              <a:t>also</a:t>
+            </a:r>
+            <a:r>
+              <a:rPr lang="tr-TR" sz="1400" b="1" dirty="0"/>
+              <a:t> </a:t>
+            </a:r>
+            <a:r>
+              <a:rPr lang="tr-TR" sz="1400" b="1" dirty="0" err="1"/>
+              <a:t>have</a:t>
+            </a:r>
+            <a:r>
+              <a:rPr lang="tr-TR" sz="1400" b="1" dirty="0"/>
+              <a:t> </a:t>
+            </a:r>
+            <a:r>
+              <a:rPr lang="tr-TR" sz="1400" b="1" dirty="0" err="1"/>
+              <a:t>the</a:t>
+            </a:r>
+            <a:r>
+              <a:rPr lang="tr-TR" sz="1400" b="1" dirty="0"/>
+              <a:t> </a:t>
+            </a:r>
+            <a:r>
+              <a:rPr lang="tr-TR" sz="1400" b="1" dirty="0" err="1"/>
+              <a:t>same</a:t>
+            </a:r>
+            <a:r>
+              <a:rPr lang="tr-TR" sz="1400" b="1" dirty="0"/>
+              <a:t> </a:t>
+            </a:r>
+            <a:r>
+              <a:rPr lang="tr-TR" sz="1400" b="1" dirty="0" err="1"/>
+              <a:t>results</a:t>
+            </a:r>
+            <a:r>
+              <a:rPr lang="tr-TR" sz="1400" b="1" dirty="0"/>
+              <a:t> as Times Sq-42 St.</a:t>
+            </a:r>
+          </a:p>
+          <a:p>
+            <a:pPr algn="just"/>
+            <a:endParaRPr lang="tr-TR" sz="1400" b="1" dirty="0"/>
+          </a:p>
+          <a:p>
+            <a:pPr algn="just"/>
+            <a:endParaRPr lang="tr-TR" sz="1400" b="1" dirty="0"/>
+          </a:p>
+          <a:p>
+            <a:pPr marL="171450" indent="-171450" algn="just">
+              <a:buFont typeface="Wingdings" panose="05000000000000000000" pitchFamily="2" charset="2"/>
+              <a:buChar char="Ø"/>
+            </a:pPr>
+            <a:r>
+              <a:rPr lang="tr-TR" sz="1400" b="1" dirty="0"/>
+              <a:t> </a:t>
+            </a:r>
+            <a:r>
+              <a:rPr lang="tr-TR" sz="1400" b="1" dirty="0" err="1"/>
+              <a:t>Wednesday</a:t>
+            </a:r>
+            <a:endParaRPr lang="tr-TR" sz="1400" b="1" dirty="0"/>
+          </a:p>
+          <a:p>
+            <a:pPr marL="171450" indent="-171450" algn="just">
+              <a:buFont typeface="Wingdings" panose="05000000000000000000" pitchFamily="2" charset="2"/>
+              <a:buChar char="Ø"/>
+            </a:pPr>
+            <a:r>
+              <a:rPr lang="tr-TR" sz="1400" b="1" dirty="0"/>
+              <a:t>17:00 - 19:00</a:t>
+            </a:r>
+            <a:endParaRPr lang="tr-TR" sz="800" dirty="0"/>
+          </a:p>
+        </p:txBody>
+      </p:sp>
+    </p:spTree>
+    <p:extLst>
+      <p:ext uri="{BB962C8B-B14F-4D97-AF65-F5344CB8AC3E}">
+        <p14:creationId xmlns:p14="http://schemas.microsoft.com/office/powerpoint/2010/main" val="1754013287"/>
       </p:ext>
     </p:extLst>
   </p:cSld>

--- a/WTWY Street Teams_2.pptx
+++ b/WTWY Street Teams_2.pptx
@@ -5,7 +5,7 @@
     <p:sldMasterId id="2147483811" r:id="rId1"/>
   </p:sldMasterIdLst>
   <p:notesMasterIdLst>
-    <p:notesMasterId r:id="rId12"/>
+    <p:notesMasterId r:id="rId13"/>
   </p:notesMasterIdLst>
   <p:sldIdLst>
     <p:sldId id="259" r:id="rId2"/>
@@ -18,6 +18,7 @@
     <p:sldId id="265" r:id="rId9"/>
     <p:sldId id="266" r:id="rId10"/>
     <p:sldId id="267" r:id="rId11"/>
+    <p:sldId id="268" r:id="rId12"/>
   </p:sldIdLst>
   <p:sldSz cx="12192000" cy="6858000"/>
   <p:notesSz cx="6858000" cy="9144000"/>
@@ -1053,6 +1054,90 @@
     <p:extLst>
       <p:ext uri="{BB962C8B-B14F-4D97-AF65-F5344CB8AC3E}">
         <p14:creationId xmlns:p14="http://schemas.microsoft.com/office/powerpoint/2010/main" val="1164815364"/>
+      </p:ext>
+    </p:extLst>
+  </p:cSld>
+  <p:clrMapOvr>
+    <a:masterClrMapping/>
+  </p:clrMapOvr>
+</p:notes>
+</file>
+
+<file path=ppt/notesSlides/notesSlide8.xml><?xml version="1.0" encoding="utf-8"?>
+<p:notes xmlns:a="http://schemas.openxmlformats.org/drawingml/2006/main" xmlns:r="http://schemas.openxmlformats.org/officeDocument/2006/relationships" xmlns:p="http://schemas.openxmlformats.org/presentationml/2006/main">
+  <p:cSld>
+    <p:spTree>
+      <p:nvGrpSpPr>
+        <p:cNvPr id="1" name=""/>
+        <p:cNvGrpSpPr/>
+        <p:nvPr/>
+      </p:nvGrpSpPr>
+      <p:grpSpPr>
+        <a:xfrm>
+          <a:off x="0" y="0"/>
+          <a:ext cx="0" cy="0"/>
+          <a:chOff x="0" y="0"/>
+          <a:chExt cx="0" cy="0"/>
+        </a:xfrm>
+      </p:grpSpPr>
+      <p:sp>
+        <p:nvSpPr>
+          <p:cNvPr id="2" name="Slide Image Placeholder 1"/>
+          <p:cNvSpPr>
+            <a:spLocks noGrp="1" noRot="1" noChangeAspect="1"/>
+          </p:cNvSpPr>
+          <p:nvPr>
+            <p:ph type="sldImg"/>
+          </p:nvPr>
+        </p:nvSpPr>
+        <p:spPr/>
+      </p:sp>
+      <p:sp>
+        <p:nvSpPr>
+          <p:cNvPr id="3" name="Notes Placeholder 2"/>
+          <p:cNvSpPr>
+            <a:spLocks noGrp="1"/>
+          </p:cNvSpPr>
+          <p:nvPr>
+            <p:ph type="body" idx="1"/>
+          </p:nvPr>
+        </p:nvSpPr>
+        <p:spPr/>
+        <p:txBody>
+          <a:bodyPr/>
+          <a:lstStyle/>
+          <a:p>
+            <a:endParaRPr lang="tr-TR" dirty="0"/>
+          </a:p>
+        </p:txBody>
+      </p:sp>
+      <p:sp>
+        <p:nvSpPr>
+          <p:cNvPr id="4" name="Slide Number Placeholder 3"/>
+          <p:cNvSpPr>
+            <a:spLocks noGrp="1"/>
+          </p:cNvSpPr>
+          <p:nvPr>
+            <p:ph type="sldNum" sz="quarter" idx="5"/>
+          </p:nvPr>
+        </p:nvSpPr>
+        <p:spPr/>
+        <p:txBody>
+          <a:bodyPr/>
+          <a:lstStyle/>
+          <a:p>
+            <a:fld id="{1F498F1E-81E0-4C09-8448-E6A2EE4AD087}" type="slidenum">
+              <a:rPr lang="tr-TR" smtClean="0"/>
+              <a:t>11</a:t>
+            </a:fld>
+            <a:endParaRPr lang="tr-TR"/>
+          </a:p>
+        </p:txBody>
+      </p:sp>
+    </p:spTree>
+    <p:extLst>
+      <p:ext uri="{BB962C8B-B14F-4D97-AF65-F5344CB8AC3E}">
+        <p14:creationId xmlns:p14="http://schemas.microsoft.com/office/powerpoint/2010/main" val="2991602507"/>
       </p:ext>
     </p:extLst>
   </p:cSld>
@@ -9273,6 +9358,263 @@
 </p:sld>
 </file>
 
+<file path=ppt/slides/slide11.xml><?xml version="1.0" encoding="utf-8"?>
+<p:sld xmlns:a="http://schemas.openxmlformats.org/drawingml/2006/main" xmlns:r="http://schemas.openxmlformats.org/officeDocument/2006/relationships" xmlns:p="http://schemas.openxmlformats.org/presentationml/2006/main">
+  <p:cSld>
+    <p:spTree>
+      <p:nvGrpSpPr>
+        <p:cNvPr id="1" name=""/>
+        <p:cNvGrpSpPr/>
+        <p:nvPr/>
+      </p:nvGrpSpPr>
+      <p:grpSpPr>
+        <a:xfrm>
+          <a:off x="0" y="0"/>
+          <a:ext cx="0" cy="0"/>
+          <a:chOff x="0" y="0"/>
+          <a:chExt cx="0" cy="0"/>
+        </a:xfrm>
+      </p:grpSpPr>
+      <p:sp>
+        <p:nvSpPr>
+          <p:cNvPr id="4" name="Title 1">
+            <a:extLst>
+              <a:ext uri="{FF2B5EF4-FFF2-40B4-BE49-F238E27FC236}">
+                <a16:creationId xmlns:a16="http://schemas.microsoft.com/office/drawing/2014/main" id="{C5EF72B0-B0CB-9CEC-42AC-5C3623C91666}"/>
+              </a:ext>
+            </a:extLst>
+          </p:cNvPr>
+          <p:cNvSpPr txBox="1">
+            <a:spLocks/>
+          </p:cNvSpPr>
+          <p:nvPr/>
+        </p:nvSpPr>
+        <p:spPr>
+          <a:xfrm>
+            <a:off x="466344" y="508275"/>
+            <a:ext cx="10529483" cy="1325563"/>
+          </a:xfrm>
+          <a:prstGeom prst="rect">
+            <a:avLst/>
+          </a:prstGeom>
+        </p:spPr>
+        <p:txBody>
+          <a:bodyPr vert="horz" lIns="91440" tIns="45720" rIns="91440" bIns="45720" rtlCol="0" anchor="ctr">
+            <a:normAutofit/>
+          </a:bodyPr>
+          <a:lstStyle>
+            <a:lvl1pPr algn="l" defTabSz="914400" rtl="0" eaLnBrk="1" latinLnBrk="0" hangingPunct="1">
+              <a:lnSpc>
+                <a:spcPct val="90000"/>
+              </a:lnSpc>
+              <a:spcBef>
+                <a:spcPct val="0"/>
+              </a:spcBef>
+              <a:buNone/>
+              <a:defRPr sz="4000" kern="1200">
+                <a:solidFill>
+                  <a:schemeClr val="tx1"/>
+                </a:solidFill>
+                <a:latin typeface="+mj-lt"/>
+                <a:ea typeface="+mj-ea"/>
+                <a:cs typeface="+mj-cs"/>
+              </a:defRPr>
+            </a:lvl1pPr>
+          </a:lstStyle>
+          <a:p>
+            <a:pPr>
+              <a:spcAft>
+                <a:spcPts val="600"/>
+              </a:spcAft>
+            </a:pPr>
+            <a:r>
+              <a:rPr lang="tr-TR" sz="4400" kern="1200" dirty="0">
+                <a:solidFill>
+                  <a:schemeClr val="tx1"/>
+                </a:solidFill>
+                <a:latin typeface="+mj-lt"/>
+                <a:ea typeface="+mj-ea"/>
+                <a:cs typeface="+mj-cs"/>
+              </a:rPr>
+              <a:t>İlave çalışmalar</a:t>
+            </a:r>
+            <a:endParaRPr lang="en-US" sz="4400" kern="1200" dirty="0">
+              <a:solidFill>
+                <a:schemeClr val="tx1"/>
+              </a:solidFill>
+              <a:latin typeface="+mj-lt"/>
+              <a:ea typeface="+mj-ea"/>
+              <a:cs typeface="+mj-cs"/>
+            </a:endParaRPr>
+          </a:p>
+        </p:txBody>
+      </p:sp>
+      <p:sp>
+        <p:nvSpPr>
+          <p:cNvPr id="20" name="TextBox 19">
+            <a:extLst>
+              <a:ext uri="{FF2B5EF4-FFF2-40B4-BE49-F238E27FC236}">
+                <a16:creationId xmlns:a16="http://schemas.microsoft.com/office/drawing/2014/main" id="{3614737E-121F-C83B-C93A-4D0FB09D438B}"/>
+              </a:ext>
+            </a:extLst>
+          </p:cNvPr>
+          <p:cNvSpPr txBox="1"/>
+          <p:nvPr/>
+        </p:nvSpPr>
+        <p:spPr>
+          <a:xfrm>
+            <a:off x="213824" y="1920435"/>
+            <a:ext cx="7384840" cy="4192520"/>
+          </a:xfrm>
+          <a:prstGeom prst="rect">
+            <a:avLst/>
+          </a:prstGeom>
+        </p:spPr>
+        <p:txBody>
+          <a:bodyPr vert="horz" lIns="91440" tIns="45720" rIns="91440" bIns="45720" rtlCol="0">
+            <a:normAutofit/>
+          </a:bodyPr>
+          <a:lstStyle/>
+          <a:p>
+            <a:pPr marL="542354" lvl="1" indent="-228600" defTabSz="914400">
+              <a:lnSpc>
+                <a:spcPct val="150000"/>
+              </a:lnSpc>
+              <a:spcAft>
+                <a:spcPts val="600"/>
+              </a:spcAft>
+              <a:buFont typeface="Arial" panose="020B0604020202020204" pitchFamily="34" charset="0"/>
+              <a:buChar char="•"/>
+            </a:pPr>
+            <a:r>
+              <a:rPr lang="tr-TR" sz="1600" b="1" dirty="0">
+                <a:solidFill>
+                  <a:srgbClr val="FF0000"/>
+                </a:solidFill>
+              </a:rPr>
+              <a:t>Nüfus, gelir ve cinsiyet bilgilerini içeren ilave bir veri seti ile </a:t>
+            </a:r>
+            <a:r>
+              <a:rPr lang="tr-TR" sz="1600" b="1" dirty="0" err="1">
+                <a:solidFill>
+                  <a:srgbClr val="FF0000"/>
+                </a:solidFill>
+              </a:rPr>
+              <a:t>join</a:t>
+            </a:r>
+            <a:endParaRPr lang="en-US" sz="1600" b="1" dirty="0">
+              <a:solidFill>
+                <a:srgbClr val="FF0000"/>
+              </a:solidFill>
+            </a:endParaRPr>
+          </a:p>
+        </p:txBody>
+      </p:sp>
+    </p:spTree>
+    <p:extLst>
+      <p:ext uri="{BB962C8B-B14F-4D97-AF65-F5344CB8AC3E}">
+        <p14:creationId xmlns:p14="http://schemas.microsoft.com/office/powerpoint/2010/main" val="1607208671"/>
+      </p:ext>
+    </p:extLst>
+  </p:cSld>
+  <p:clrMapOvr>
+    <a:masterClrMapping/>
+  </p:clrMapOvr>
+  <p:timing>
+    <p:tnLst>
+      <p:par>
+        <p:cTn id="1" dur="indefinite" restart="never" nodeType="tmRoot">
+          <p:childTnLst>
+            <p:seq concurrent="1" nextAc="seek">
+              <p:cTn id="2" dur="indefinite" nodeType="mainSeq">
+                <p:childTnLst>
+                  <p:par>
+                    <p:cTn id="3" fill="hold">
+                      <p:stCondLst>
+                        <p:cond delay="indefinite"/>
+                        <p:cond evt="onBegin" delay="0">
+                          <p:tn val="2"/>
+                        </p:cond>
+                      </p:stCondLst>
+                      <p:childTnLst>
+                        <p:par>
+                          <p:cTn id="4" fill="hold">
+                            <p:stCondLst>
+                              <p:cond delay="0"/>
+                            </p:stCondLst>
+                            <p:childTnLst>
+                              <p:par>
+                                <p:cTn id="5" presetID="10" presetClass="entr" presetSubtype="0" fill="hold" grpId="0" nodeType="withEffect">
+                                  <p:stCondLst>
+                                    <p:cond delay="1000"/>
+                                  </p:stCondLst>
+                                  <p:iterate>
+                                    <p:tmPct val="10000"/>
+                                  </p:iterate>
+                                  <p:childTnLst>
+                                    <p:set>
+                                      <p:cBhvr>
+                                        <p:cTn id="6" dur="1" fill="hold">
+                                          <p:stCondLst>
+                                            <p:cond delay="0"/>
+                                          </p:stCondLst>
+                                        </p:cTn>
+                                        <p:tgtEl>
+                                          <p:spTgt spid="4"/>
+                                        </p:tgtEl>
+                                        <p:attrNameLst>
+                                          <p:attrName>style.visibility</p:attrName>
+                                        </p:attrNameLst>
+                                      </p:cBhvr>
+                                      <p:to>
+                                        <p:strVal val="visible"/>
+                                      </p:to>
+                                    </p:set>
+                                    <p:animEffect transition="in" filter="fade">
+                                      <p:cBhvr>
+                                        <p:cTn id="7" dur="700"/>
+                                        <p:tgtEl>
+                                          <p:spTgt spid="4"/>
+                                        </p:tgtEl>
+                                      </p:cBhvr>
+                                    </p:animEffect>
+                                  </p:childTnLst>
+                                </p:cTn>
+                              </p:par>
+                            </p:childTnLst>
+                          </p:cTn>
+                        </p:par>
+                      </p:childTnLst>
+                    </p:cTn>
+                  </p:par>
+                </p:childTnLst>
+              </p:cTn>
+              <p:prevCondLst>
+                <p:cond evt="onPrev" delay="0">
+                  <p:tgtEl>
+                    <p:sldTgt/>
+                  </p:tgtEl>
+                </p:cond>
+              </p:prevCondLst>
+              <p:nextCondLst>
+                <p:cond evt="onNext" delay="0">
+                  <p:tgtEl>
+                    <p:sldTgt/>
+                  </p:tgtEl>
+                </p:cond>
+              </p:nextCondLst>
+            </p:seq>
+          </p:childTnLst>
+        </p:cTn>
+      </p:par>
+    </p:tnLst>
+    <p:bldLst>
+      <p:bldP spid="4" grpId="0"/>
+    </p:bldLst>
+  </p:timing>
+</p:sld>
+</file>
+
 <file path=ppt/slides/slide2.xml><?xml version="1.0" encoding="utf-8"?>
 <p:sld xmlns:a="http://schemas.openxmlformats.org/drawingml/2006/main" xmlns:r="http://schemas.openxmlformats.org/officeDocument/2006/relationships" xmlns:p="http://schemas.openxmlformats.org/presentationml/2006/main">
   <p:cSld>
@@ -11607,8 +11949,8 @@
         </p:nvSpPr>
         <p:spPr bwMode="auto">
           <a:xfrm>
-            <a:off x="1149096" y="1690688"/>
-            <a:ext cx="11149584" cy="3922832"/>
+            <a:off x="1231392" y="1772983"/>
+            <a:ext cx="11149584" cy="4405241"/>
           </a:xfrm>
           <a:prstGeom prst="rect">
             <a:avLst/>
@@ -11640,7 +11982,7 @@
             <a:prstTxWarp prst="textNoShape">
               <a:avLst/>
             </a:prstTxWarp>
-            <a:normAutofit/>
+            <a:normAutofit fontScale="92500"/>
           </a:bodyPr>
           <a:lstStyle/>
           <a:p>
@@ -12065,6 +12407,28 @@
             <a:r>
               <a:rPr lang="tr-TR" altLang="tr-TR" sz="1400" dirty="0"/>
               <a:t>.</a:t>
+            </a:r>
+          </a:p>
+          <a:p>
+            <a:pPr marR="0" lvl="0" indent="-228600" algn="just" defTabSz="914400" fontAlgn="base">
+              <a:lnSpc>
+                <a:spcPct val="300000"/>
+              </a:lnSpc>
+              <a:spcBef>
+                <a:spcPts val="1000"/>
+              </a:spcBef>
+              <a:spcAft>
+                <a:spcPct val="0"/>
+              </a:spcAft>
+              <a:buClrTx/>
+              <a:buSzTx/>
+              <a:buFont typeface="Arial" panose="020B0604020202020204" pitchFamily="34" charset="0"/>
+              <a:buChar char="•"/>
+              <a:tabLst/>
+            </a:pPr>
+            <a:r>
+              <a:rPr lang="tr-TR" altLang="tr-TR" sz="1400" dirty="0"/>
+              <a:t>Gün ve saat kolonları</a:t>
             </a:r>
           </a:p>
           <a:p>
@@ -13566,6 +13930,84 @@
           </a:prstGeom>
         </p:spPr>
       </p:pic>
+      <p:sp>
+        <p:nvSpPr>
+          <p:cNvPr id="2" name="TextBox 1">
+            <a:extLst>
+              <a:ext uri="{FF2B5EF4-FFF2-40B4-BE49-F238E27FC236}">
+                <a16:creationId xmlns:a16="http://schemas.microsoft.com/office/drawing/2014/main" id="{0F7DB3EF-F377-E65F-CFB3-63C9B38A5E88}"/>
+              </a:ext>
+            </a:extLst>
+          </p:cNvPr>
+          <p:cNvSpPr txBox="1"/>
+          <p:nvPr/>
+        </p:nvSpPr>
+        <p:spPr>
+          <a:xfrm>
+            <a:off x="7514693" y="5856369"/>
+            <a:ext cx="4049507" cy="369332"/>
+          </a:xfrm>
+          <a:prstGeom prst="rect">
+            <a:avLst/>
+          </a:prstGeom>
+          <a:noFill/>
+        </p:spPr>
+        <p:txBody>
+          <a:bodyPr wrap="none" rtlCol="0">
+            <a:spAutoFit/>
+          </a:bodyPr>
+          <a:lstStyle/>
+          <a:p>
+            <a:r>
+              <a:rPr lang="tr-TR" dirty="0">
+                <a:solidFill>
+                  <a:srgbClr val="FF0000"/>
+                </a:solidFill>
+              </a:rPr>
+              <a:t>ilk 3 istasyon toplamın % 50 si bilgisi</a:t>
+            </a:r>
+          </a:p>
+        </p:txBody>
+      </p:sp>
+      <p:sp>
+        <p:nvSpPr>
+          <p:cNvPr id="3" name="TextBox 2">
+            <a:extLst>
+              <a:ext uri="{FF2B5EF4-FFF2-40B4-BE49-F238E27FC236}">
+                <a16:creationId xmlns:a16="http://schemas.microsoft.com/office/drawing/2014/main" id="{84C31E65-217A-8195-15A9-BFC75F9F4D0E}"/>
+              </a:ext>
+            </a:extLst>
+          </p:cNvPr>
+          <p:cNvSpPr txBox="1"/>
+          <p:nvPr/>
+        </p:nvSpPr>
+        <p:spPr>
+          <a:xfrm>
+            <a:off x="618249" y="1955758"/>
+            <a:ext cx="3007555" cy="369332"/>
+          </a:xfrm>
+          <a:prstGeom prst="rect">
+            <a:avLst/>
+          </a:prstGeom>
+          <a:noFill/>
+        </p:spPr>
+        <p:txBody>
+          <a:bodyPr wrap="none" rtlCol="0">
+            <a:spAutoFit/>
+          </a:bodyPr>
+          <a:lstStyle/>
+          <a:p>
+            <a:r>
+              <a:rPr lang="tr-TR" dirty="0">
+                <a:solidFill>
+                  <a:srgbClr val="FF0000"/>
+                </a:solidFill>
+              </a:rPr>
+              <a:t>İstasyon adlarında kısaltma</a:t>
+            </a:r>
+          </a:p>
+        </p:txBody>
+      </p:sp>
     </p:spTree>
     <p:extLst>
       <p:ext uri="{BB962C8B-B14F-4D97-AF65-F5344CB8AC3E}">
